--- a/Divulgacao/Apresentacao/Apresentacao Gestão de Processos Biblioteca.pptx
+++ b/Divulgacao/Apresentacao/Apresentacao Gestão de Processos Biblioteca.pptx
@@ -159,6 +159,3582 @@
     <p1510:client id="{E6C66747-B7F8-72B3-4960-FE9350D8F83A}" v="71" dt="2022-11-25T09:11:54.124"/>
   </p1510:revLst>
 </p1510:revInfo>
+</file>
+
+<file path=ppt/changesInfos/changesInfo1.xml><?xml version="1.0" encoding="utf-8"?>
+<pc:chgInfo xmlns:a="http://schemas.openxmlformats.org/drawingml/2006/main" xmlns:r="http://schemas.openxmlformats.org/officeDocument/2006/relationships" xmlns:ac="http://schemas.microsoft.com/office/drawing/2013/main/command" xmlns:pc="http://schemas.microsoft.com/office/powerpoint/2013/main/command">
+  <pc:docChgLst>
+    <pc:chgData name="Kelly Marques" userId="S::1397012@sga.pucminas.br::e60ab76c-a77f-40f7-b755-8286a6e0b93a" providerId="AD" clId="Web-{37B229F7-8667-E45D-5224-775EABC887EB}"/>
+    <pc:docChg chg="addSld delSld modSld sldOrd">
+      <pc:chgData name="Kelly Marques" userId="S::1397012@sga.pucminas.br::e60ab76c-a77f-40f7-b755-8286a6e0b93a" providerId="AD" clId="Web-{37B229F7-8667-E45D-5224-775EABC887EB}" dt="2022-12-02T16:45:34.512" v="483"/>
+      <pc:docMkLst>
+        <pc:docMk/>
+      </pc:docMkLst>
+      <pc:sldChg chg="addSp delSp modSp">
+        <pc:chgData name="Kelly Marques" userId="S::1397012@sga.pucminas.br::e60ab76c-a77f-40f7-b755-8286a6e0b93a" providerId="AD" clId="Web-{37B229F7-8667-E45D-5224-775EABC887EB}" dt="2022-12-02T16:30:20.204" v="343" actId="20577"/>
+        <pc:sldMkLst>
+          <pc:docMk/>
+          <pc:sldMk cId="109857222" sldId="256"/>
+        </pc:sldMkLst>
+        <pc:spChg chg="mod">
+          <ac:chgData name="Kelly Marques" userId="S::1397012@sga.pucminas.br::e60ab76c-a77f-40f7-b755-8286a6e0b93a" providerId="AD" clId="Web-{37B229F7-8667-E45D-5224-775EABC887EB}" dt="2022-12-02T16:30:16.016" v="342" actId="20577"/>
+          <ac:spMkLst>
+            <pc:docMk/>
+            <pc:sldMk cId="109857222" sldId="256"/>
+            <ac:spMk id="2" creationId="{00000000-0000-0000-0000-000000000000}"/>
+          </ac:spMkLst>
+        </pc:spChg>
+        <pc:spChg chg="mod">
+          <ac:chgData name="Kelly Marques" userId="S::1397012@sga.pucminas.br::e60ab76c-a77f-40f7-b755-8286a6e0b93a" providerId="AD" clId="Web-{37B229F7-8667-E45D-5224-775EABC887EB}" dt="2022-12-02T16:30:20.204" v="343" actId="20577"/>
+          <ac:spMkLst>
+            <pc:docMk/>
+            <pc:sldMk cId="109857222" sldId="256"/>
+            <ac:spMk id="3" creationId="{00000000-0000-0000-0000-000000000000}"/>
+          </ac:spMkLst>
+        </pc:spChg>
+        <pc:spChg chg="add del">
+          <ac:chgData name="Kelly Marques" userId="S::1397012@sga.pucminas.br::e60ab76c-a77f-40f7-b755-8286a6e0b93a" providerId="AD" clId="Web-{37B229F7-8667-E45D-5224-775EABC887EB}" dt="2022-12-02T16:30:10.516" v="340"/>
+          <ac:spMkLst>
+            <pc:docMk/>
+            <pc:sldMk cId="109857222" sldId="256"/>
+            <ac:spMk id="263" creationId="{8E2CC403-21CD-41DF-BAC4-329D7FF03C5C}"/>
+          </ac:spMkLst>
+        </pc:spChg>
+        <pc:spChg chg="add del">
+          <ac:chgData name="Kelly Marques" userId="S::1397012@sga.pucminas.br::e60ab76c-a77f-40f7-b755-8286a6e0b93a" providerId="AD" clId="Web-{37B229F7-8667-E45D-5224-775EABC887EB}" dt="2022-12-02T16:30:10.516" v="340"/>
+          <ac:spMkLst>
+            <pc:docMk/>
+            <pc:sldMk cId="109857222" sldId="256"/>
+            <ac:spMk id="267" creationId="{7653717E-6F8C-43E0-9893-C03AE87D18D6}"/>
+          </ac:spMkLst>
+        </pc:spChg>
+        <pc:spChg chg="add del">
+          <ac:chgData name="Kelly Marques" userId="S::1397012@sga.pucminas.br::e60ab76c-a77f-40f7-b755-8286a6e0b93a" providerId="AD" clId="Web-{37B229F7-8667-E45D-5224-775EABC887EB}" dt="2022-12-02T16:30:10.516" v="340"/>
+          <ac:spMkLst>
+            <pc:docMk/>
+            <pc:sldMk cId="109857222" sldId="256"/>
+            <ac:spMk id="268" creationId="{35BB14B4-EC3F-47C7-9AF3-B0E017B75C42}"/>
+          </ac:spMkLst>
+        </pc:spChg>
+        <pc:spChg chg="add del">
+          <ac:chgData name="Kelly Marques" userId="S::1397012@sga.pucminas.br::e60ab76c-a77f-40f7-b755-8286a6e0b93a" providerId="AD" clId="Web-{37B229F7-8667-E45D-5224-775EABC887EB}" dt="2022-12-02T16:30:10.500" v="339"/>
+          <ac:spMkLst>
+            <pc:docMk/>
+            <pc:sldMk cId="109857222" sldId="256"/>
+            <ac:spMk id="273" creationId="{4D24BFD5-D814-402B-B6C4-EEF6AE14B0F2}"/>
+          </ac:spMkLst>
+        </pc:spChg>
+        <pc:spChg chg="add">
+          <ac:chgData name="Kelly Marques" userId="S::1397012@sga.pucminas.br::e60ab76c-a77f-40f7-b755-8286a6e0b93a" providerId="AD" clId="Web-{37B229F7-8667-E45D-5224-775EABC887EB}" dt="2022-12-02T16:30:10.516" v="340"/>
+          <ac:spMkLst>
+            <pc:docMk/>
+            <pc:sldMk cId="109857222" sldId="256"/>
+            <ac:spMk id="274" creationId="{798FE0E0-D95D-46EF-A375-475D4DB0ED45}"/>
+          </ac:spMkLst>
+        </pc:spChg>
+        <pc:spChg chg="add del">
+          <ac:chgData name="Kelly Marques" userId="S::1397012@sga.pucminas.br::e60ab76c-a77f-40f7-b755-8286a6e0b93a" providerId="AD" clId="Web-{37B229F7-8667-E45D-5224-775EABC887EB}" dt="2022-12-02T16:30:10.500" v="339"/>
+          <ac:spMkLst>
+            <pc:docMk/>
+            <pc:sldMk cId="109857222" sldId="256"/>
+            <ac:spMk id="275" creationId="{36FED7E8-9A97-475F-9FA4-113410D4433B}"/>
+          </ac:spMkLst>
+        </pc:spChg>
+        <pc:spChg chg="add">
+          <ac:chgData name="Kelly Marques" userId="S::1397012@sga.pucminas.br::e60ab76c-a77f-40f7-b755-8286a6e0b93a" providerId="AD" clId="Web-{37B229F7-8667-E45D-5224-775EABC887EB}" dt="2022-12-02T16:30:10.516" v="340"/>
+          <ac:spMkLst>
+            <pc:docMk/>
+            <pc:sldMk cId="109857222" sldId="256"/>
+            <ac:spMk id="276" creationId="{2D82A42F-AEBE-4065-9792-036A904D8564}"/>
+          </ac:spMkLst>
+        </pc:spChg>
+        <pc:spChg chg="add del">
+          <ac:chgData name="Kelly Marques" userId="S::1397012@sga.pucminas.br::e60ab76c-a77f-40f7-b755-8286a6e0b93a" providerId="AD" clId="Web-{37B229F7-8667-E45D-5224-775EABC887EB}" dt="2022-12-02T16:30:10.500" v="339"/>
+          <ac:spMkLst>
+            <pc:docMk/>
+            <pc:sldMk cId="109857222" sldId="256"/>
+            <ac:spMk id="277" creationId="{2A39B854-4B6C-4F7F-A602-6F97770CED70}"/>
+          </ac:spMkLst>
+        </pc:spChg>
+        <pc:grpChg chg="add del">
+          <ac:chgData name="Kelly Marques" userId="S::1397012@sga.pucminas.br::e60ab76c-a77f-40f7-b755-8286a6e0b93a" providerId="AD" clId="Web-{37B229F7-8667-E45D-5224-775EABC887EB}" dt="2022-12-02T16:30:10.516" v="340"/>
+          <ac:grpSpMkLst>
+            <pc:docMk/>
+            <pc:sldMk cId="109857222" sldId="256"/>
+            <ac:grpSpMk id="264" creationId="{B13AA5FE-3FFC-4725-9ADD-E428544EC61B}"/>
+          </ac:grpSpMkLst>
+        </pc:grpChg>
+        <pc:picChg chg="add">
+          <ac:chgData name="Kelly Marques" userId="S::1397012@sga.pucminas.br::e60ab76c-a77f-40f7-b755-8286a6e0b93a" providerId="AD" clId="Web-{37B229F7-8667-E45D-5224-775EABC887EB}" dt="2022-12-02T16:30:10.516" v="340"/>
+          <ac:picMkLst>
+            <pc:docMk/>
+            <pc:sldMk cId="109857222" sldId="256"/>
+            <ac:picMk id="270" creationId="{ABC8C5D9-707C-577A-4729-3D6A17A2B5BA}"/>
+          </ac:picMkLst>
+        </pc:picChg>
+      </pc:sldChg>
+      <pc:sldChg chg="addSp delSp modSp">
+        <pc:chgData name="Kelly Marques" userId="S::1397012@sga.pucminas.br::e60ab76c-a77f-40f7-b755-8286a6e0b93a" providerId="AD" clId="Web-{37B229F7-8667-E45D-5224-775EABC887EB}" dt="2022-12-02T16:30:36.938" v="346" actId="20577"/>
+        <pc:sldMkLst>
+          <pc:docMk/>
+          <pc:sldMk cId="2317321323" sldId="257"/>
+        </pc:sldMkLst>
+        <pc:spChg chg="mod">
+          <ac:chgData name="Kelly Marques" userId="S::1397012@sga.pucminas.br::e60ab76c-a77f-40f7-b755-8286a6e0b93a" providerId="AD" clId="Web-{37B229F7-8667-E45D-5224-775EABC887EB}" dt="2022-12-02T16:30:36.938" v="346" actId="20577"/>
+          <ac:spMkLst>
+            <pc:docMk/>
+            <pc:sldMk cId="2317321323" sldId="257"/>
+            <ac:spMk id="2" creationId="{DDF21FF1-3B50-93E7-A99C-3A17E127F8CD}"/>
+          </ac:spMkLst>
+        </pc:spChg>
+        <pc:spChg chg="mod">
+          <ac:chgData name="Kelly Marques" userId="S::1397012@sga.pucminas.br::e60ab76c-a77f-40f7-b755-8286a6e0b93a" providerId="AD" clId="Web-{37B229F7-8667-E45D-5224-775EABC887EB}" dt="2022-12-02T16:30:31.126" v="344"/>
+          <ac:spMkLst>
+            <pc:docMk/>
+            <pc:sldMk cId="2317321323" sldId="257"/>
+            <ac:spMk id="208" creationId="{49FD1C0C-0984-DE63-F39D-65AC66C2479D}"/>
+          </ac:spMkLst>
+        </pc:spChg>
+        <pc:spChg chg="del">
+          <ac:chgData name="Kelly Marques" userId="S::1397012@sga.pucminas.br::e60ab76c-a77f-40f7-b755-8286a6e0b93a" providerId="AD" clId="Web-{37B229F7-8667-E45D-5224-775EABC887EB}" dt="2022-12-02T16:30:31.126" v="344"/>
+          <ac:spMkLst>
+            <pc:docMk/>
+            <pc:sldMk cId="2317321323" sldId="257"/>
+            <ac:spMk id="229" creationId="{D5B0017B-2ECA-49AF-B397-DC140825DF8D}"/>
+          </ac:spMkLst>
+        </pc:spChg>
+        <pc:spChg chg="del">
+          <ac:chgData name="Kelly Marques" userId="S::1397012@sga.pucminas.br::e60ab76c-a77f-40f7-b755-8286a6e0b93a" providerId="AD" clId="Web-{37B229F7-8667-E45D-5224-775EABC887EB}" dt="2022-12-02T16:30:31.126" v="344"/>
+          <ac:spMkLst>
+            <pc:docMk/>
+            <pc:sldMk cId="2317321323" sldId="257"/>
+            <ac:spMk id="238" creationId="{B6CDA21F-E7AF-4C75-8395-33F58D5B0E45}"/>
+          </ac:spMkLst>
+        </pc:spChg>
+        <pc:spChg chg="add">
+          <ac:chgData name="Kelly Marques" userId="S::1397012@sga.pucminas.br::e60ab76c-a77f-40f7-b755-8286a6e0b93a" providerId="AD" clId="Web-{37B229F7-8667-E45D-5224-775EABC887EB}" dt="2022-12-02T16:30:31.126" v="344"/>
+          <ac:spMkLst>
+            <pc:docMk/>
+            <pc:sldMk cId="2317321323" sldId="257"/>
+            <ac:spMk id="245" creationId="{777A147A-9ED8-46B4-8660-1B3C2AA880B5}"/>
+          </ac:spMkLst>
+        </pc:spChg>
+        <pc:spChg chg="add">
+          <ac:chgData name="Kelly Marques" userId="S::1397012@sga.pucminas.br::e60ab76c-a77f-40f7-b755-8286a6e0b93a" providerId="AD" clId="Web-{37B229F7-8667-E45D-5224-775EABC887EB}" dt="2022-12-02T16:30:31.126" v="344"/>
+          <ac:spMkLst>
+            <pc:docMk/>
+            <pc:sldMk cId="2317321323" sldId="257"/>
+            <ac:spMk id="247" creationId="{5D6C15A0-C087-4593-8414-2B4EC1CDC3DE}"/>
+          </ac:spMkLst>
+        </pc:spChg>
+        <pc:grpChg chg="del">
+          <ac:chgData name="Kelly Marques" userId="S::1397012@sga.pucminas.br::e60ab76c-a77f-40f7-b755-8286a6e0b93a" providerId="AD" clId="Web-{37B229F7-8667-E45D-5224-775EABC887EB}" dt="2022-12-02T16:30:31.126" v="344"/>
+          <ac:grpSpMkLst>
+            <pc:docMk/>
+            <pc:sldMk cId="2317321323" sldId="257"/>
+            <ac:grpSpMk id="239" creationId="{AE1C45F0-260A-458C-96ED-C1F6D2151219}"/>
+          </ac:grpSpMkLst>
+        </pc:grpChg>
+        <pc:cxnChg chg="del">
+          <ac:chgData name="Kelly Marques" userId="S::1397012@sga.pucminas.br::e60ab76c-a77f-40f7-b755-8286a6e0b93a" providerId="AD" clId="Web-{37B229F7-8667-E45D-5224-775EABC887EB}" dt="2022-12-02T16:30:31.126" v="344"/>
+          <ac:cxnSpMkLst>
+            <pc:docMk/>
+            <pc:sldMk cId="2317321323" sldId="257"/>
+            <ac:cxnSpMk id="240" creationId="{6CF1BAF6-AD41-4082-B212-8A1F9A2E8779}"/>
+          </ac:cxnSpMkLst>
+        </pc:cxnChg>
+      </pc:sldChg>
+      <pc:sldChg chg="addSp delSp modSp">
+        <pc:chgData name="Kelly Marques" userId="S::1397012@sga.pucminas.br::e60ab76c-a77f-40f7-b755-8286a6e0b93a" providerId="AD" clId="Web-{37B229F7-8667-E45D-5224-775EABC887EB}" dt="2022-12-02T16:36:53.512" v="395"/>
+        <pc:sldMkLst>
+          <pc:docMk/>
+          <pc:sldMk cId="244457365" sldId="261"/>
+        </pc:sldMkLst>
+        <pc:spChg chg="mod">
+          <ac:chgData name="Kelly Marques" userId="S::1397012@sga.pucminas.br::e60ab76c-a77f-40f7-b755-8286a6e0b93a" providerId="AD" clId="Web-{37B229F7-8667-E45D-5224-775EABC887EB}" dt="2022-12-02T16:36:53.512" v="395"/>
+          <ac:spMkLst>
+            <pc:docMk/>
+            <pc:sldMk cId="244457365" sldId="261"/>
+            <ac:spMk id="2" creationId="{B5F78A2C-830C-FAD7-69AC-F340E519239E}"/>
+          </ac:spMkLst>
+        </pc:spChg>
+        <pc:spChg chg="del">
+          <ac:chgData name="Kelly Marques" userId="S::1397012@sga.pucminas.br::e60ab76c-a77f-40f7-b755-8286a6e0b93a" providerId="AD" clId="Web-{37B229F7-8667-E45D-5224-775EABC887EB}" dt="2022-12-02T16:36:53.512" v="395"/>
+          <ac:spMkLst>
+            <pc:docMk/>
+            <pc:sldMk cId="244457365" sldId="261"/>
+            <ac:spMk id="27" creationId="{56E9B3E6-E277-4D68-BA48-9CB43FFBD6E2}"/>
+          </ac:spMkLst>
+        </pc:spChg>
+        <pc:spChg chg="del">
+          <ac:chgData name="Kelly Marques" userId="S::1397012@sga.pucminas.br::e60ab76c-a77f-40f7-b755-8286a6e0b93a" providerId="AD" clId="Web-{37B229F7-8667-E45D-5224-775EABC887EB}" dt="2022-12-02T16:36:53.512" v="395"/>
+          <ac:spMkLst>
+            <pc:docMk/>
+            <pc:sldMk cId="244457365" sldId="261"/>
+            <ac:spMk id="34" creationId="{D5B0017B-2ECA-49AF-B397-DC140825DF8D}"/>
+          </ac:spMkLst>
+        </pc:spChg>
+        <pc:spChg chg="add">
+          <ac:chgData name="Kelly Marques" userId="S::1397012@sga.pucminas.br::e60ab76c-a77f-40f7-b755-8286a6e0b93a" providerId="AD" clId="Web-{37B229F7-8667-E45D-5224-775EABC887EB}" dt="2022-12-02T16:36:53.512" v="395"/>
+          <ac:spMkLst>
+            <pc:docMk/>
+            <pc:sldMk cId="244457365" sldId="261"/>
+            <ac:spMk id="41" creationId="{35DB3719-6FDC-4E5D-891D-FF40B7300F64}"/>
+          </ac:spMkLst>
+        </pc:spChg>
+        <pc:spChg chg="add">
+          <ac:chgData name="Kelly Marques" userId="S::1397012@sga.pucminas.br::e60ab76c-a77f-40f7-b755-8286a6e0b93a" providerId="AD" clId="Web-{37B229F7-8667-E45D-5224-775EABC887EB}" dt="2022-12-02T16:36:53.512" v="395"/>
+          <ac:spMkLst>
+            <pc:docMk/>
+            <pc:sldMk cId="244457365" sldId="261"/>
+            <ac:spMk id="43" creationId="{E0CBAC23-2E3F-4A90-BA59-F8299F6A5439}"/>
+          </ac:spMkLst>
+        </pc:spChg>
+        <pc:grpChg chg="del">
+          <ac:chgData name="Kelly Marques" userId="S::1397012@sga.pucminas.br::e60ab76c-a77f-40f7-b755-8286a6e0b93a" providerId="AD" clId="Web-{37B229F7-8667-E45D-5224-775EABC887EB}" dt="2022-12-02T16:36:53.512" v="395"/>
+          <ac:grpSpMkLst>
+            <pc:docMk/>
+            <pc:sldMk cId="244457365" sldId="261"/>
+            <ac:grpSpMk id="29" creationId="{AE1C45F0-260A-458C-96ED-C1F6D2151219}"/>
+          </ac:grpSpMkLst>
+        </pc:grpChg>
+        <pc:graphicFrameChg chg="mod modGraphic">
+          <ac:chgData name="Kelly Marques" userId="S::1397012@sga.pucminas.br::e60ab76c-a77f-40f7-b755-8286a6e0b93a" providerId="AD" clId="Web-{37B229F7-8667-E45D-5224-775EABC887EB}" dt="2022-12-02T16:36:53.512" v="395"/>
+          <ac:graphicFrameMkLst>
+            <pc:docMk/>
+            <pc:sldMk cId="244457365" sldId="261"/>
+            <ac:graphicFrameMk id="12" creationId="{92D74D84-E918-F8C0-2B80-35634E3D0D5E}"/>
+          </ac:graphicFrameMkLst>
+        </pc:graphicFrameChg>
+        <pc:cxnChg chg="del">
+          <ac:chgData name="Kelly Marques" userId="S::1397012@sga.pucminas.br::e60ab76c-a77f-40f7-b755-8286a6e0b93a" providerId="AD" clId="Web-{37B229F7-8667-E45D-5224-775EABC887EB}" dt="2022-12-02T16:36:53.512" v="395"/>
+          <ac:cxnSpMkLst>
+            <pc:docMk/>
+            <pc:sldMk cId="244457365" sldId="261"/>
+            <ac:cxnSpMk id="36" creationId="{6CF1BAF6-AD41-4082-B212-8A1F9A2E8779}"/>
+          </ac:cxnSpMkLst>
+        </pc:cxnChg>
+      </pc:sldChg>
+      <pc:sldChg chg="modSp del">
+        <pc:chgData name="Kelly Marques" userId="S::1397012@sga.pucminas.br::e60ab76c-a77f-40f7-b755-8286a6e0b93a" providerId="AD" clId="Web-{37B229F7-8667-E45D-5224-775EABC887EB}" dt="2022-12-02T16:45:34.512" v="483"/>
+        <pc:sldMkLst>
+          <pc:docMk/>
+          <pc:sldMk cId="324000678" sldId="265"/>
+        </pc:sldMkLst>
+        <pc:spChg chg="mod">
+          <ac:chgData name="Kelly Marques" userId="S::1397012@sga.pucminas.br::e60ab76c-a77f-40f7-b755-8286a6e0b93a" providerId="AD" clId="Web-{37B229F7-8667-E45D-5224-775EABC887EB}" dt="2022-12-02T16:42:55.226" v="462" actId="20577"/>
+          <ac:spMkLst>
+            <pc:docMk/>
+            <pc:sldMk cId="324000678" sldId="265"/>
+            <ac:spMk id="2" creationId="{B1F8E90E-6D63-842F-D328-EFE9C53DA3E4}"/>
+          </ac:spMkLst>
+        </pc:spChg>
+        <pc:graphicFrameChg chg="modGraphic">
+          <ac:chgData name="Kelly Marques" userId="S::1397012@sga.pucminas.br::e60ab76c-a77f-40f7-b755-8286a6e0b93a" providerId="AD" clId="Web-{37B229F7-8667-E45D-5224-775EABC887EB}" dt="2022-12-02T16:43:17.226" v="467" actId="20577"/>
+          <ac:graphicFrameMkLst>
+            <pc:docMk/>
+            <pc:sldMk cId="324000678" sldId="265"/>
+            <ac:graphicFrameMk id="12" creationId="{06DA6910-0667-7A9D-7C22-F5F1A6D7C37C}"/>
+          </ac:graphicFrameMkLst>
+        </pc:graphicFrameChg>
+      </pc:sldChg>
+      <pc:sldChg chg="addSp delSp modSp">
+        <pc:chgData name="Kelly Marques" userId="S::1397012@sga.pucminas.br::e60ab76c-a77f-40f7-b755-8286a6e0b93a" providerId="AD" clId="Web-{37B229F7-8667-E45D-5224-775EABC887EB}" dt="2022-12-02T16:39:52.924" v="442"/>
+        <pc:sldMkLst>
+          <pc:docMk/>
+          <pc:sldMk cId="4034381633" sldId="270"/>
+        </pc:sldMkLst>
+        <pc:spChg chg="mod">
+          <ac:chgData name="Kelly Marques" userId="S::1397012@sga.pucminas.br::e60ab76c-a77f-40f7-b755-8286a6e0b93a" providerId="AD" clId="Web-{37B229F7-8667-E45D-5224-775EABC887EB}" dt="2022-12-02T16:39:52.924" v="442"/>
+          <ac:spMkLst>
+            <pc:docMk/>
+            <pc:sldMk cId="4034381633" sldId="270"/>
+            <ac:spMk id="2" creationId="{42A502EF-5B0D-DDA1-15BE-046D93F687B5}"/>
+          </ac:spMkLst>
+        </pc:spChg>
+        <pc:spChg chg="del">
+          <ac:chgData name="Kelly Marques" userId="S::1397012@sga.pucminas.br::e60ab76c-a77f-40f7-b755-8286a6e0b93a" providerId="AD" clId="Web-{37B229F7-8667-E45D-5224-775EABC887EB}" dt="2022-12-02T16:39:52.924" v="442"/>
+          <ac:spMkLst>
+            <pc:docMk/>
+            <pc:sldMk cId="4034381633" sldId="270"/>
+            <ac:spMk id="66" creationId="{56E9B3E6-E277-4D68-BA48-9CB43FFBD6E2}"/>
+          </ac:spMkLst>
+        </pc:spChg>
+        <pc:spChg chg="del">
+          <ac:chgData name="Kelly Marques" userId="S::1397012@sga.pucminas.br::e60ab76c-a77f-40f7-b755-8286a6e0b93a" providerId="AD" clId="Web-{37B229F7-8667-E45D-5224-775EABC887EB}" dt="2022-12-02T16:39:52.924" v="442"/>
+          <ac:spMkLst>
+            <pc:docMk/>
+            <pc:sldMk cId="4034381633" sldId="270"/>
+            <ac:spMk id="73" creationId="{D5B0017B-2ECA-49AF-B397-DC140825DF8D}"/>
+          </ac:spMkLst>
+        </pc:spChg>
+        <pc:spChg chg="add">
+          <ac:chgData name="Kelly Marques" userId="S::1397012@sga.pucminas.br::e60ab76c-a77f-40f7-b755-8286a6e0b93a" providerId="AD" clId="Web-{37B229F7-8667-E45D-5224-775EABC887EB}" dt="2022-12-02T16:39:52.924" v="442"/>
+          <ac:spMkLst>
+            <pc:docMk/>
+            <pc:sldMk cId="4034381633" sldId="270"/>
+            <ac:spMk id="80" creationId="{35DB3719-6FDC-4E5D-891D-FF40B7300F64}"/>
+          </ac:spMkLst>
+        </pc:spChg>
+        <pc:spChg chg="add">
+          <ac:chgData name="Kelly Marques" userId="S::1397012@sga.pucminas.br::e60ab76c-a77f-40f7-b755-8286a6e0b93a" providerId="AD" clId="Web-{37B229F7-8667-E45D-5224-775EABC887EB}" dt="2022-12-02T16:39:52.924" v="442"/>
+          <ac:spMkLst>
+            <pc:docMk/>
+            <pc:sldMk cId="4034381633" sldId="270"/>
+            <ac:spMk id="82" creationId="{E0CBAC23-2E3F-4A90-BA59-F8299F6A5439}"/>
+          </ac:spMkLst>
+        </pc:spChg>
+        <pc:grpChg chg="del">
+          <ac:chgData name="Kelly Marques" userId="S::1397012@sga.pucminas.br::e60ab76c-a77f-40f7-b755-8286a6e0b93a" providerId="AD" clId="Web-{37B229F7-8667-E45D-5224-775EABC887EB}" dt="2022-12-02T16:39:52.924" v="442"/>
+          <ac:grpSpMkLst>
+            <pc:docMk/>
+            <pc:sldMk cId="4034381633" sldId="270"/>
+            <ac:grpSpMk id="68" creationId="{AE1C45F0-260A-458C-96ED-C1F6D2151219}"/>
+          </ac:grpSpMkLst>
+        </pc:grpChg>
+        <pc:graphicFrameChg chg="mod modGraphic">
+          <ac:chgData name="Kelly Marques" userId="S::1397012@sga.pucminas.br::e60ab76c-a77f-40f7-b755-8286a6e0b93a" providerId="AD" clId="Web-{37B229F7-8667-E45D-5224-775EABC887EB}" dt="2022-12-02T16:39:52.924" v="442"/>
+          <ac:graphicFrameMkLst>
+            <pc:docMk/>
+            <pc:sldMk cId="4034381633" sldId="270"/>
+            <ac:graphicFrameMk id="12" creationId="{185B6379-65B9-C9E0-1142-CF17DDC6E05B}"/>
+          </ac:graphicFrameMkLst>
+        </pc:graphicFrameChg>
+        <pc:cxnChg chg="del">
+          <ac:chgData name="Kelly Marques" userId="S::1397012@sga.pucminas.br::e60ab76c-a77f-40f7-b755-8286a6e0b93a" providerId="AD" clId="Web-{37B229F7-8667-E45D-5224-775EABC887EB}" dt="2022-12-02T16:39:52.924" v="442"/>
+          <ac:cxnSpMkLst>
+            <pc:docMk/>
+            <pc:sldMk cId="4034381633" sldId="270"/>
+            <ac:cxnSpMk id="75" creationId="{6CF1BAF6-AD41-4082-B212-8A1F9A2E8779}"/>
+          </ac:cxnSpMkLst>
+        </pc:cxnChg>
+      </pc:sldChg>
+      <pc:sldChg chg="addSp delSp modSp">
+        <pc:chgData name="Kelly Marques" userId="S::1397012@sga.pucminas.br::e60ab76c-a77f-40f7-b755-8286a6e0b93a" providerId="AD" clId="Web-{37B229F7-8667-E45D-5224-775EABC887EB}" dt="2022-12-02T16:40:07.112" v="445" actId="1076"/>
+        <pc:sldMkLst>
+          <pc:docMk/>
+          <pc:sldMk cId="2984336382" sldId="271"/>
+        </pc:sldMkLst>
+        <pc:spChg chg="mod">
+          <ac:chgData name="Kelly Marques" userId="S::1397012@sga.pucminas.br::e60ab76c-a77f-40f7-b755-8286a6e0b93a" providerId="AD" clId="Web-{37B229F7-8667-E45D-5224-775EABC887EB}" dt="2022-12-02T16:40:07.112" v="445" actId="1076"/>
+          <ac:spMkLst>
+            <pc:docMk/>
+            <pc:sldMk cId="2984336382" sldId="271"/>
+            <ac:spMk id="2" creationId="{EA9D96AA-72F8-0C58-9E5C-6D64E7124521}"/>
+          </ac:spMkLst>
+        </pc:spChg>
+        <pc:spChg chg="del">
+          <ac:chgData name="Kelly Marques" userId="S::1397012@sga.pucminas.br::e60ab76c-a77f-40f7-b755-8286a6e0b93a" providerId="AD" clId="Web-{37B229F7-8667-E45D-5224-775EABC887EB}" dt="2022-12-02T16:39:07.219" v="429"/>
+          <ac:spMkLst>
+            <pc:docMk/>
+            <pc:sldMk cId="2984336382" sldId="271"/>
+            <ac:spMk id="44" creationId="{B6CDA21F-E7AF-4C75-8395-33F58D5B0E45}"/>
+          </ac:spMkLst>
+        </pc:spChg>
+        <pc:spChg chg="del">
+          <ac:chgData name="Kelly Marques" userId="S::1397012@sga.pucminas.br::e60ab76c-a77f-40f7-b755-8286a6e0b93a" providerId="AD" clId="Web-{37B229F7-8667-E45D-5224-775EABC887EB}" dt="2022-12-02T16:39:07.219" v="429"/>
+          <ac:spMkLst>
+            <pc:docMk/>
+            <pc:sldMk cId="2984336382" sldId="271"/>
+            <ac:spMk id="51" creationId="{D5B0017B-2ECA-49AF-B397-DC140825DF8D}"/>
+          </ac:spMkLst>
+        </pc:spChg>
+        <pc:spChg chg="add del mod">
+          <ac:chgData name="Kelly Marques" userId="S::1397012@sga.pucminas.br::e60ab76c-a77f-40f7-b755-8286a6e0b93a" providerId="AD" clId="Web-{37B229F7-8667-E45D-5224-775EABC887EB}" dt="2022-12-02T16:39:11.063" v="433"/>
+          <ac:spMkLst>
+            <pc:docMk/>
+            <pc:sldMk cId="2984336382" sldId="271"/>
+            <ac:spMk id="57" creationId="{5877540A-F07A-BFC8-9361-34ACD1C3F5FE}"/>
+          </ac:spMkLst>
+        </pc:spChg>
+        <pc:spChg chg="add">
+          <ac:chgData name="Kelly Marques" userId="S::1397012@sga.pucminas.br::e60ab76c-a77f-40f7-b755-8286a6e0b93a" providerId="AD" clId="Web-{37B229F7-8667-E45D-5224-775EABC887EB}" dt="2022-12-02T16:39:07.219" v="429"/>
+          <ac:spMkLst>
+            <pc:docMk/>
+            <pc:sldMk cId="2984336382" sldId="271"/>
+            <ac:spMk id="60" creationId="{45D37F4E-DDB4-456B-97E0-9937730A039F}"/>
+          </ac:spMkLst>
+        </pc:spChg>
+        <pc:spChg chg="add">
+          <ac:chgData name="Kelly Marques" userId="S::1397012@sga.pucminas.br::e60ab76c-a77f-40f7-b755-8286a6e0b93a" providerId="AD" clId="Web-{37B229F7-8667-E45D-5224-775EABC887EB}" dt="2022-12-02T16:39:07.219" v="429"/>
+          <ac:spMkLst>
+            <pc:docMk/>
+            <pc:sldMk cId="2984336382" sldId="271"/>
+            <ac:spMk id="62" creationId="{B2DD41CD-8F47-4F56-AD12-4E2FF7696987}"/>
+          </ac:spMkLst>
+        </pc:spChg>
+        <pc:grpChg chg="del">
+          <ac:chgData name="Kelly Marques" userId="S::1397012@sga.pucminas.br::e60ab76c-a77f-40f7-b755-8286a6e0b93a" providerId="AD" clId="Web-{37B229F7-8667-E45D-5224-775EABC887EB}" dt="2022-12-02T16:39:07.219" v="429"/>
+          <ac:grpSpMkLst>
+            <pc:docMk/>
+            <pc:sldMk cId="2984336382" sldId="271"/>
+            <ac:grpSpMk id="46" creationId="{AE1C45F0-260A-458C-96ED-C1F6D2151219}"/>
+          </ac:grpSpMkLst>
+        </pc:grpChg>
+        <pc:picChg chg="del mod">
+          <ac:chgData name="Kelly Marques" userId="S::1397012@sga.pucminas.br::e60ab76c-a77f-40f7-b755-8286a6e0b93a" providerId="AD" clId="Web-{37B229F7-8667-E45D-5224-775EABC887EB}" dt="2022-12-02T16:39:08.485" v="430"/>
+          <ac:picMkLst>
+            <pc:docMk/>
+            <pc:sldMk cId="2984336382" sldId="271"/>
+            <ac:picMk id="3" creationId="{A1D52AB3-7563-BB65-C64E-1B1DDEC5C457}"/>
+          </ac:picMkLst>
+        </pc:picChg>
+        <pc:picChg chg="add mod">
+          <ac:chgData name="Kelly Marques" userId="S::1397012@sga.pucminas.br::e60ab76c-a77f-40f7-b755-8286a6e0b93a" providerId="AD" clId="Web-{37B229F7-8667-E45D-5224-775EABC887EB}" dt="2022-12-02T16:39:24.126" v="438" actId="1076"/>
+          <ac:picMkLst>
+            <pc:docMk/>
+            <pc:sldMk cId="2984336382" sldId="271"/>
+            <ac:picMk id="4" creationId="{5D38D62C-03C1-6EEF-6E22-BF258CEB0107}"/>
+          </ac:picMkLst>
+        </pc:picChg>
+        <pc:cxnChg chg="del">
+          <ac:chgData name="Kelly Marques" userId="S::1397012@sga.pucminas.br::e60ab76c-a77f-40f7-b755-8286a6e0b93a" providerId="AD" clId="Web-{37B229F7-8667-E45D-5224-775EABC887EB}" dt="2022-12-02T16:39:07.219" v="429"/>
+          <ac:cxnSpMkLst>
+            <pc:docMk/>
+            <pc:sldMk cId="2984336382" sldId="271"/>
+            <ac:cxnSpMk id="53" creationId="{6CF1BAF6-AD41-4082-B212-8A1F9A2E8779}"/>
+          </ac:cxnSpMkLst>
+        </pc:cxnChg>
+      </pc:sldChg>
+      <pc:sldChg chg="del ord">
+        <pc:chgData name="Kelly Marques" userId="S::1397012@sga.pucminas.br::e60ab76c-a77f-40f7-b755-8286a6e0b93a" providerId="AD" clId="Web-{37B229F7-8667-E45D-5224-775EABC887EB}" dt="2022-12-02T16:03:13.828" v="312"/>
+        <pc:sldMkLst>
+          <pc:docMk/>
+          <pc:sldMk cId="3393102189" sldId="274"/>
+        </pc:sldMkLst>
+      </pc:sldChg>
+      <pc:sldChg chg="addSp delSp modSp">
+        <pc:chgData name="Kelly Marques" userId="S::1397012@sga.pucminas.br::e60ab76c-a77f-40f7-b755-8286a6e0b93a" providerId="AD" clId="Web-{37B229F7-8667-E45D-5224-775EABC887EB}" dt="2022-12-02T16:40:36.081" v="449"/>
+        <pc:sldMkLst>
+          <pc:docMk/>
+          <pc:sldMk cId="266013506" sldId="279"/>
+        </pc:sldMkLst>
+        <pc:spChg chg="mod">
+          <ac:chgData name="Kelly Marques" userId="S::1397012@sga.pucminas.br::e60ab76c-a77f-40f7-b755-8286a6e0b93a" providerId="AD" clId="Web-{37B229F7-8667-E45D-5224-775EABC887EB}" dt="2022-12-02T16:40:36.081" v="449"/>
+          <ac:spMkLst>
+            <pc:docMk/>
+            <pc:sldMk cId="266013506" sldId="279"/>
+            <ac:spMk id="2" creationId="{42A502EF-5B0D-DDA1-15BE-046D93F687B5}"/>
+          </ac:spMkLst>
+        </pc:spChg>
+        <pc:spChg chg="del">
+          <ac:chgData name="Kelly Marques" userId="S::1397012@sga.pucminas.br::e60ab76c-a77f-40f7-b755-8286a6e0b93a" providerId="AD" clId="Web-{37B229F7-8667-E45D-5224-775EABC887EB}" dt="2022-12-02T16:40:36.081" v="449"/>
+          <ac:spMkLst>
+            <pc:docMk/>
+            <pc:sldMk cId="266013506" sldId="279"/>
+            <ac:spMk id="66" creationId="{56E9B3E6-E277-4D68-BA48-9CB43FFBD6E2}"/>
+          </ac:spMkLst>
+        </pc:spChg>
+        <pc:spChg chg="del">
+          <ac:chgData name="Kelly Marques" userId="S::1397012@sga.pucminas.br::e60ab76c-a77f-40f7-b755-8286a6e0b93a" providerId="AD" clId="Web-{37B229F7-8667-E45D-5224-775EABC887EB}" dt="2022-12-02T16:40:36.081" v="449"/>
+          <ac:spMkLst>
+            <pc:docMk/>
+            <pc:sldMk cId="266013506" sldId="279"/>
+            <ac:spMk id="73" creationId="{D5B0017B-2ECA-49AF-B397-DC140825DF8D}"/>
+          </ac:spMkLst>
+        </pc:spChg>
+        <pc:spChg chg="del mod">
+          <ac:chgData name="Kelly Marques" userId="S::1397012@sga.pucminas.br::e60ab76c-a77f-40f7-b755-8286a6e0b93a" providerId="AD" clId="Web-{37B229F7-8667-E45D-5224-775EABC887EB}" dt="2022-12-02T16:29:19.606" v="337"/>
+          <ac:spMkLst>
+            <pc:docMk/>
+            <pc:sldMk cId="266013506" sldId="279"/>
+            <ac:spMk id="117" creationId="{2EF38B55-93F3-A25B-6F38-1170C68B5110}"/>
+          </ac:spMkLst>
+        </pc:spChg>
+        <pc:spChg chg="add">
+          <ac:chgData name="Kelly Marques" userId="S::1397012@sga.pucminas.br::e60ab76c-a77f-40f7-b755-8286a6e0b93a" providerId="AD" clId="Web-{37B229F7-8667-E45D-5224-775EABC887EB}" dt="2022-12-02T16:40:36.081" v="449"/>
+          <ac:spMkLst>
+            <pc:docMk/>
+            <pc:sldMk cId="266013506" sldId="279"/>
+            <ac:spMk id="125" creationId="{35DB3719-6FDC-4E5D-891D-FF40B7300F64}"/>
+          </ac:spMkLst>
+        </pc:spChg>
+        <pc:spChg chg="add">
+          <ac:chgData name="Kelly Marques" userId="S::1397012@sga.pucminas.br::e60ab76c-a77f-40f7-b755-8286a6e0b93a" providerId="AD" clId="Web-{37B229F7-8667-E45D-5224-775EABC887EB}" dt="2022-12-02T16:40:36.081" v="449"/>
+          <ac:spMkLst>
+            <pc:docMk/>
+            <pc:sldMk cId="266013506" sldId="279"/>
+            <ac:spMk id="127" creationId="{E0CBAC23-2E3F-4A90-BA59-F8299F6A5439}"/>
+          </ac:spMkLst>
+        </pc:spChg>
+        <pc:grpChg chg="del">
+          <ac:chgData name="Kelly Marques" userId="S::1397012@sga.pucminas.br::e60ab76c-a77f-40f7-b755-8286a6e0b93a" providerId="AD" clId="Web-{37B229F7-8667-E45D-5224-775EABC887EB}" dt="2022-12-02T16:40:36.081" v="449"/>
+          <ac:grpSpMkLst>
+            <pc:docMk/>
+            <pc:sldMk cId="266013506" sldId="279"/>
+            <ac:grpSpMk id="68" creationId="{AE1C45F0-260A-458C-96ED-C1F6D2151219}"/>
+          </ac:grpSpMkLst>
+        </pc:grpChg>
+        <pc:graphicFrameChg chg="add mod ord modGraphic">
+          <ac:chgData name="Kelly Marques" userId="S::1397012@sga.pucminas.br::e60ab76c-a77f-40f7-b755-8286a6e0b93a" providerId="AD" clId="Web-{37B229F7-8667-E45D-5224-775EABC887EB}" dt="2022-12-02T16:40:36.081" v="449"/>
+          <ac:graphicFrameMkLst>
+            <pc:docMk/>
+            <pc:sldMk cId="266013506" sldId="279"/>
+            <ac:graphicFrameMk id="120" creationId="{36878453-5483-8135-E67A-9745D5050804}"/>
+          </ac:graphicFrameMkLst>
+        </pc:graphicFrameChg>
+        <pc:cxnChg chg="del">
+          <ac:chgData name="Kelly Marques" userId="S::1397012@sga.pucminas.br::e60ab76c-a77f-40f7-b755-8286a6e0b93a" providerId="AD" clId="Web-{37B229F7-8667-E45D-5224-775EABC887EB}" dt="2022-12-02T16:40:36.081" v="449"/>
+          <ac:cxnSpMkLst>
+            <pc:docMk/>
+            <pc:sldMk cId="266013506" sldId="279"/>
+            <ac:cxnSpMk id="75" creationId="{6CF1BAF6-AD41-4082-B212-8A1F9A2E8779}"/>
+          </ac:cxnSpMkLst>
+        </pc:cxnChg>
+      </pc:sldChg>
+      <pc:sldChg chg="addSp delSp modSp">
+        <pc:chgData name="Kelly Marques" userId="S::1397012@sga.pucminas.br::e60ab76c-a77f-40f7-b755-8286a6e0b93a" providerId="AD" clId="Web-{37B229F7-8667-E45D-5224-775EABC887EB}" dt="2022-12-02T16:42:20.412" v="459"/>
+        <pc:sldMkLst>
+          <pc:docMk/>
+          <pc:sldMk cId="190200610" sldId="280"/>
+        </pc:sldMkLst>
+        <pc:spChg chg="mod">
+          <ac:chgData name="Kelly Marques" userId="S::1397012@sga.pucminas.br::e60ab76c-a77f-40f7-b755-8286a6e0b93a" providerId="AD" clId="Web-{37B229F7-8667-E45D-5224-775EABC887EB}" dt="2022-12-02T16:42:20.412" v="459"/>
+          <ac:spMkLst>
+            <pc:docMk/>
+            <pc:sldMk cId="190200610" sldId="280"/>
+            <ac:spMk id="2" creationId="{42A502EF-5B0D-DDA1-15BE-046D93F687B5}"/>
+          </ac:spMkLst>
+        </pc:spChg>
+        <pc:spChg chg="del">
+          <ac:chgData name="Kelly Marques" userId="S::1397012@sga.pucminas.br::e60ab76c-a77f-40f7-b755-8286a6e0b93a" providerId="AD" clId="Web-{37B229F7-8667-E45D-5224-775EABC887EB}" dt="2022-12-02T16:28:15.635" v="335"/>
+          <ac:spMkLst>
+            <pc:docMk/>
+            <pc:sldMk cId="190200610" sldId="280"/>
+            <ac:spMk id="66" creationId="{56E9B3E6-E277-4D68-BA48-9CB43FFBD6E2}"/>
+          </ac:spMkLst>
+        </pc:spChg>
+        <pc:spChg chg="del">
+          <ac:chgData name="Kelly Marques" userId="S::1397012@sga.pucminas.br::e60ab76c-a77f-40f7-b755-8286a6e0b93a" providerId="AD" clId="Web-{37B229F7-8667-E45D-5224-775EABC887EB}" dt="2022-12-02T16:28:15.635" v="335"/>
+          <ac:spMkLst>
+            <pc:docMk/>
+            <pc:sldMk cId="190200610" sldId="280"/>
+            <ac:spMk id="73" creationId="{D5B0017B-2ECA-49AF-B397-DC140825DF8D}"/>
+          </ac:spMkLst>
+        </pc:spChg>
+        <pc:spChg chg="add del">
+          <ac:chgData name="Kelly Marques" userId="S::1397012@sga.pucminas.br::e60ab76c-a77f-40f7-b755-8286a6e0b93a" providerId="AD" clId="Web-{37B229F7-8667-E45D-5224-775EABC887EB}" dt="2022-12-02T16:42:20.412" v="459"/>
+          <ac:spMkLst>
+            <pc:docMk/>
+            <pc:sldMk cId="190200610" sldId="280"/>
+            <ac:spMk id="125" creationId="{665DBBEF-238B-476B-96AB-8AAC3224ECEA}"/>
+          </ac:spMkLst>
+        </pc:spChg>
+        <pc:spChg chg="add del">
+          <ac:chgData name="Kelly Marques" userId="S::1397012@sga.pucminas.br::e60ab76c-a77f-40f7-b755-8286a6e0b93a" providerId="AD" clId="Web-{37B229F7-8667-E45D-5224-775EABC887EB}" dt="2022-12-02T16:42:20.412" v="459"/>
+          <ac:spMkLst>
+            <pc:docMk/>
+            <pc:sldMk cId="190200610" sldId="280"/>
+            <ac:spMk id="127" creationId="{3FCFB1DE-0B7E-48CC-BA90-B2AB0889F9D6}"/>
+          </ac:spMkLst>
+        </pc:spChg>
+        <pc:spChg chg="add">
+          <ac:chgData name="Kelly Marques" userId="S::1397012@sga.pucminas.br::e60ab76c-a77f-40f7-b755-8286a6e0b93a" providerId="AD" clId="Web-{37B229F7-8667-E45D-5224-775EABC887EB}" dt="2022-12-02T16:42:20.412" v="459"/>
+          <ac:spMkLst>
+            <pc:docMk/>
+            <pc:sldMk cId="190200610" sldId="280"/>
+            <ac:spMk id="132" creationId="{C59AB4C8-9178-4F7A-8404-6890510B5917}"/>
+          </ac:spMkLst>
+        </pc:spChg>
+        <pc:spChg chg="add">
+          <ac:chgData name="Kelly Marques" userId="S::1397012@sga.pucminas.br::e60ab76c-a77f-40f7-b755-8286a6e0b93a" providerId="AD" clId="Web-{37B229F7-8667-E45D-5224-775EABC887EB}" dt="2022-12-02T16:42:20.412" v="459"/>
+          <ac:spMkLst>
+            <pc:docMk/>
+            <pc:sldMk cId="190200610" sldId="280"/>
+            <ac:spMk id="134" creationId="{4CFDFB37-4BC7-42C6-915D-A6609139BFE7}"/>
+          </ac:spMkLst>
+        </pc:spChg>
+        <pc:grpChg chg="del">
+          <ac:chgData name="Kelly Marques" userId="S::1397012@sga.pucminas.br::e60ab76c-a77f-40f7-b755-8286a6e0b93a" providerId="AD" clId="Web-{37B229F7-8667-E45D-5224-775EABC887EB}" dt="2022-12-02T16:28:15.635" v="335"/>
+          <ac:grpSpMkLst>
+            <pc:docMk/>
+            <pc:sldMk cId="190200610" sldId="280"/>
+            <ac:grpSpMk id="68" creationId="{AE1C45F0-260A-458C-96ED-C1F6D2151219}"/>
+          </ac:grpSpMkLst>
+        </pc:grpChg>
+        <pc:picChg chg="add mod">
+          <ac:chgData name="Kelly Marques" userId="S::1397012@sga.pucminas.br::e60ab76c-a77f-40f7-b755-8286a6e0b93a" providerId="AD" clId="Web-{37B229F7-8667-E45D-5224-775EABC887EB}" dt="2022-12-02T16:42:20.412" v="459"/>
+          <ac:picMkLst>
+            <pc:docMk/>
+            <pc:sldMk cId="190200610" sldId="280"/>
+            <ac:picMk id="122" creationId="{D9611A4A-F01D-454A-3A2B-AE3A215BB518}"/>
+          </ac:picMkLst>
+        </pc:picChg>
+        <pc:cxnChg chg="del">
+          <ac:chgData name="Kelly Marques" userId="S::1397012@sga.pucminas.br::e60ab76c-a77f-40f7-b755-8286a6e0b93a" providerId="AD" clId="Web-{37B229F7-8667-E45D-5224-775EABC887EB}" dt="2022-12-02T16:28:15.635" v="335"/>
+          <ac:cxnSpMkLst>
+            <pc:docMk/>
+            <pc:sldMk cId="190200610" sldId="280"/>
+            <ac:cxnSpMk id="75" creationId="{6CF1BAF6-AD41-4082-B212-8A1F9A2E8779}"/>
+          </ac:cxnSpMkLst>
+        </pc:cxnChg>
+      </pc:sldChg>
+      <pc:sldChg chg="addSp delSp modSp">
+        <pc:chgData name="Kelly Marques" userId="S::1397012@sga.pucminas.br::e60ab76c-a77f-40f7-b755-8286a6e0b93a" providerId="AD" clId="Web-{37B229F7-8667-E45D-5224-775EABC887EB}" dt="2022-12-02T16:42:08.318" v="458"/>
+        <pc:sldMkLst>
+          <pc:docMk/>
+          <pc:sldMk cId="2128551846" sldId="281"/>
+        </pc:sldMkLst>
+        <pc:spChg chg="mod">
+          <ac:chgData name="Kelly Marques" userId="S::1397012@sga.pucminas.br::e60ab76c-a77f-40f7-b755-8286a6e0b93a" providerId="AD" clId="Web-{37B229F7-8667-E45D-5224-775EABC887EB}" dt="2022-12-02T16:42:08.318" v="458"/>
+          <ac:spMkLst>
+            <pc:docMk/>
+            <pc:sldMk cId="2128551846" sldId="281"/>
+            <ac:spMk id="2" creationId="{42A502EF-5B0D-DDA1-15BE-046D93F687B5}"/>
+          </ac:spMkLst>
+        </pc:spChg>
+        <pc:spChg chg="del">
+          <ac:chgData name="Kelly Marques" userId="S::1397012@sga.pucminas.br::e60ab76c-a77f-40f7-b755-8286a6e0b93a" providerId="AD" clId="Web-{37B229F7-8667-E45D-5224-775EABC887EB}" dt="2022-12-02T16:42:08.318" v="458"/>
+          <ac:spMkLst>
+            <pc:docMk/>
+            <pc:sldMk cId="2128551846" sldId="281"/>
+            <ac:spMk id="66" creationId="{56E9B3E6-E277-4D68-BA48-9CB43FFBD6E2}"/>
+          </ac:spMkLst>
+        </pc:spChg>
+        <pc:spChg chg="del">
+          <ac:chgData name="Kelly Marques" userId="S::1397012@sga.pucminas.br::e60ab76c-a77f-40f7-b755-8286a6e0b93a" providerId="AD" clId="Web-{37B229F7-8667-E45D-5224-775EABC887EB}" dt="2022-12-02T16:42:08.318" v="458"/>
+          <ac:spMkLst>
+            <pc:docMk/>
+            <pc:sldMk cId="2128551846" sldId="281"/>
+            <ac:spMk id="73" creationId="{D5B0017B-2ECA-49AF-B397-DC140825DF8D}"/>
+          </ac:spMkLst>
+        </pc:spChg>
+        <pc:spChg chg="mod">
+          <ac:chgData name="Kelly Marques" userId="S::1397012@sga.pucminas.br::e60ab76c-a77f-40f7-b755-8286a6e0b93a" providerId="AD" clId="Web-{37B229F7-8667-E45D-5224-775EABC887EB}" dt="2022-12-02T16:42:08.318" v="458"/>
+          <ac:spMkLst>
+            <pc:docMk/>
+            <pc:sldMk cId="2128551846" sldId="281"/>
+            <ac:spMk id="117" creationId="{2EF38B55-93F3-A25B-6F38-1170C68B5110}"/>
+          </ac:spMkLst>
+        </pc:spChg>
+        <pc:spChg chg="add">
+          <ac:chgData name="Kelly Marques" userId="S::1397012@sga.pucminas.br::e60ab76c-a77f-40f7-b755-8286a6e0b93a" providerId="AD" clId="Web-{37B229F7-8667-E45D-5224-775EABC887EB}" dt="2022-12-02T16:42:08.318" v="458"/>
+          <ac:spMkLst>
+            <pc:docMk/>
+            <pc:sldMk cId="2128551846" sldId="281"/>
+            <ac:spMk id="123" creationId="{AC17DE74-01C9-4859-B65A-85CF999E8580}"/>
+          </ac:spMkLst>
+        </pc:spChg>
+        <pc:spChg chg="add">
+          <ac:chgData name="Kelly Marques" userId="S::1397012@sga.pucminas.br::e60ab76c-a77f-40f7-b755-8286a6e0b93a" providerId="AD" clId="Web-{37B229F7-8667-E45D-5224-775EABC887EB}" dt="2022-12-02T16:42:08.318" v="458"/>
+          <ac:spMkLst>
+            <pc:docMk/>
+            <pc:sldMk cId="2128551846" sldId="281"/>
+            <ac:spMk id="125" creationId="{068C0432-0E90-4CC1-8CD3-D44A90DF07EF}"/>
+          </ac:spMkLst>
+        </pc:spChg>
+        <pc:grpChg chg="del">
+          <ac:chgData name="Kelly Marques" userId="S::1397012@sga.pucminas.br::e60ab76c-a77f-40f7-b755-8286a6e0b93a" providerId="AD" clId="Web-{37B229F7-8667-E45D-5224-775EABC887EB}" dt="2022-12-02T16:42:08.318" v="458"/>
+          <ac:grpSpMkLst>
+            <pc:docMk/>
+            <pc:sldMk cId="2128551846" sldId="281"/>
+            <ac:grpSpMk id="68" creationId="{AE1C45F0-260A-458C-96ED-C1F6D2151219}"/>
+          </ac:grpSpMkLst>
+        </pc:grpChg>
+        <pc:cxnChg chg="del">
+          <ac:chgData name="Kelly Marques" userId="S::1397012@sga.pucminas.br::e60ab76c-a77f-40f7-b755-8286a6e0b93a" providerId="AD" clId="Web-{37B229F7-8667-E45D-5224-775EABC887EB}" dt="2022-12-02T16:42:08.318" v="458"/>
+          <ac:cxnSpMkLst>
+            <pc:docMk/>
+            <pc:sldMk cId="2128551846" sldId="281"/>
+            <ac:cxnSpMk id="75" creationId="{6CF1BAF6-AD41-4082-B212-8A1F9A2E8779}"/>
+          </ac:cxnSpMkLst>
+        </pc:cxnChg>
+      </pc:sldChg>
+      <pc:sldChg chg="addSp delSp modSp">
+        <pc:chgData name="Kelly Marques" userId="S::1397012@sga.pucminas.br::e60ab76c-a77f-40f7-b755-8286a6e0b93a" providerId="AD" clId="Web-{37B229F7-8667-E45D-5224-775EABC887EB}" dt="2022-12-02T16:32:51.739" v="367"/>
+        <pc:sldMkLst>
+          <pc:docMk/>
+          <pc:sldMk cId="2501799751" sldId="282"/>
+        </pc:sldMkLst>
+        <pc:spChg chg="mod">
+          <ac:chgData name="Kelly Marques" userId="S::1397012@sga.pucminas.br::e60ab76c-a77f-40f7-b755-8286a6e0b93a" providerId="AD" clId="Web-{37B229F7-8667-E45D-5224-775EABC887EB}" dt="2022-12-02T16:32:51.739" v="367"/>
+          <ac:spMkLst>
+            <pc:docMk/>
+            <pc:sldMk cId="2501799751" sldId="282"/>
+            <ac:spMk id="2" creationId="{47DA741D-7571-8BD8-2005-E539AFE5B8D1}"/>
+          </ac:spMkLst>
+        </pc:spChg>
+        <pc:spChg chg="mod">
+          <ac:chgData name="Kelly Marques" userId="S::1397012@sga.pucminas.br::e60ab76c-a77f-40f7-b755-8286a6e0b93a" providerId="AD" clId="Web-{37B229F7-8667-E45D-5224-775EABC887EB}" dt="2022-12-02T16:32:51.739" v="367"/>
+          <ac:spMkLst>
+            <pc:docMk/>
+            <pc:sldMk cId="2501799751" sldId="282"/>
+            <ac:spMk id="3" creationId="{EE114D47-0E6B-8A69-3A30-26904E21DDE5}"/>
+          </ac:spMkLst>
+        </pc:spChg>
+        <pc:spChg chg="del">
+          <ac:chgData name="Kelly Marques" userId="S::1397012@sga.pucminas.br::e60ab76c-a77f-40f7-b755-8286a6e0b93a" providerId="AD" clId="Web-{37B229F7-8667-E45D-5224-775EABC887EB}" dt="2022-12-02T16:32:51.739" v="367"/>
+          <ac:spMkLst>
+            <pc:docMk/>
+            <pc:sldMk cId="2501799751" sldId="282"/>
+            <ac:spMk id="22" creationId="{B6CDA21F-E7AF-4C75-8395-33F58D5B0E45}"/>
+          </ac:spMkLst>
+        </pc:spChg>
+        <pc:spChg chg="del">
+          <ac:chgData name="Kelly Marques" userId="S::1397012@sga.pucminas.br::e60ab76c-a77f-40f7-b755-8286a6e0b93a" providerId="AD" clId="Web-{37B229F7-8667-E45D-5224-775EABC887EB}" dt="2022-12-02T16:32:51.739" v="367"/>
+          <ac:spMkLst>
+            <pc:docMk/>
+            <pc:sldMk cId="2501799751" sldId="282"/>
+            <ac:spMk id="25" creationId="{D5B0017B-2ECA-49AF-B397-DC140825DF8D}"/>
+          </ac:spMkLst>
+        </pc:spChg>
+        <pc:spChg chg="add">
+          <ac:chgData name="Kelly Marques" userId="S::1397012@sga.pucminas.br::e60ab76c-a77f-40f7-b755-8286a6e0b93a" providerId="AD" clId="Web-{37B229F7-8667-E45D-5224-775EABC887EB}" dt="2022-12-02T16:32:51.739" v="367"/>
+          <ac:spMkLst>
+            <pc:docMk/>
+            <pc:sldMk cId="2501799751" sldId="282"/>
+            <ac:spMk id="31" creationId="{AC17DE74-01C9-4859-B65A-85CF999E8580}"/>
+          </ac:spMkLst>
+        </pc:spChg>
+        <pc:spChg chg="add">
+          <ac:chgData name="Kelly Marques" userId="S::1397012@sga.pucminas.br::e60ab76c-a77f-40f7-b755-8286a6e0b93a" providerId="AD" clId="Web-{37B229F7-8667-E45D-5224-775EABC887EB}" dt="2022-12-02T16:32:51.739" v="367"/>
+          <ac:spMkLst>
+            <pc:docMk/>
+            <pc:sldMk cId="2501799751" sldId="282"/>
+            <ac:spMk id="33" creationId="{068C0432-0E90-4CC1-8CD3-D44A90DF07EF}"/>
+          </ac:spMkLst>
+        </pc:spChg>
+        <pc:grpChg chg="del">
+          <ac:chgData name="Kelly Marques" userId="S::1397012@sga.pucminas.br::e60ab76c-a77f-40f7-b755-8286a6e0b93a" providerId="AD" clId="Web-{37B229F7-8667-E45D-5224-775EABC887EB}" dt="2022-12-02T16:32:51.739" v="367"/>
+          <ac:grpSpMkLst>
+            <pc:docMk/>
+            <pc:sldMk cId="2501799751" sldId="282"/>
+            <ac:grpSpMk id="23" creationId="{AE1C45F0-260A-458C-96ED-C1F6D2151219}"/>
+          </ac:grpSpMkLst>
+        </pc:grpChg>
+        <pc:cxnChg chg="del">
+          <ac:chgData name="Kelly Marques" userId="S::1397012@sga.pucminas.br::e60ab76c-a77f-40f7-b755-8286a6e0b93a" providerId="AD" clId="Web-{37B229F7-8667-E45D-5224-775EABC887EB}" dt="2022-12-02T16:32:51.739" v="367"/>
+          <ac:cxnSpMkLst>
+            <pc:docMk/>
+            <pc:sldMk cId="2501799751" sldId="282"/>
+            <ac:cxnSpMk id="26" creationId="{6CF1BAF6-AD41-4082-B212-8A1F9A2E8779}"/>
+          </ac:cxnSpMkLst>
+        </pc:cxnChg>
+      </pc:sldChg>
+      <pc:sldChg chg="addSp delSp modSp">
+        <pc:chgData name="Kelly Marques" userId="S::1397012@sga.pucminas.br::e60ab76c-a77f-40f7-b755-8286a6e0b93a" providerId="AD" clId="Web-{37B229F7-8667-E45D-5224-775EABC887EB}" dt="2022-12-02T16:41:59.802" v="457" actId="20577"/>
+        <pc:sldMkLst>
+          <pc:docMk/>
+          <pc:sldMk cId="1630456672" sldId="283"/>
+        </pc:sldMkLst>
+        <pc:spChg chg="mod">
+          <ac:chgData name="Kelly Marques" userId="S::1397012@sga.pucminas.br::e60ab76c-a77f-40f7-b755-8286a6e0b93a" providerId="AD" clId="Web-{37B229F7-8667-E45D-5224-775EABC887EB}" dt="2022-12-02T16:41:59.802" v="457" actId="20577"/>
+          <ac:spMkLst>
+            <pc:docMk/>
+            <pc:sldMk cId="1630456672" sldId="283"/>
+            <ac:spMk id="2" creationId="{42A502EF-5B0D-DDA1-15BE-046D93F687B5}"/>
+          </ac:spMkLst>
+        </pc:spChg>
+        <pc:spChg chg="del">
+          <ac:chgData name="Kelly Marques" userId="S::1397012@sga.pucminas.br::e60ab76c-a77f-40f7-b755-8286a6e0b93a" providerId="AD" clId="Web-{37B229F7-8667-E45D-5224-775EABC887EB}" dt="2022-12-02T16:41:52.568" v="455"/>
+          <ac:spMkLst>
+            <pc:docMk/>
+            <pc:sldMk cId="1630456672" sldId="283"/>
+            <ac:spMk id="66" creationId="{56E9B3E6-E277-4D68-BA48-9CB43FFBD6E2}"/>
+          </ac:spMkLst>
+        </pc:spChg>
+        <pc:spChg chg="del">
+          <ac:chgData name="Kelly Marques" userId="S::1397012@sga.pucminas.br::e60ab76c-a77f-40f7-b755-8286a6e0b93a" providerId="AD" clId="Web-{37B229F7-8667-E45D-5224-775EABC887EB}" dt="2022-12-02T16:41:52.568" v="455"/>
+          <ac:spMkLst>
+            <pc:docMk/>
+            <pc:sldMk cId="1630456672" sldId="283"/>
+            <ac:spMk id="73" creationId="{D5B0017B-2ECA-49AF-B397-DC140825DF8D}"/>
+          </ac:spMkLst>
+        </pc:spChg>
+        <pc:spChg chg="del mod">
+          <ac:chgData name="Kelly Marques" userId="S::1397012@sga.pucminas.br::e60ab76c-a77f-40f7-b755-8286a6e0b93a" providerId="AD" clId="Web-{37B229F7-8667-E45D-5224-775EABC887EB}" dt="2022-12-02T16:41:52.568" v="455"/>
+          <ac:spMkLst>
+            <pc:docMk/>
+            <pc:sldMk cId="1630456672" sldId="283"/>
+            <ac:spMk id="117" creationId="{2EF38B55-93F3-A25B-6F38-1170C68B5110}"/>
+          </ac:spMkLst>
+        </pc:spChg>
+        <pc:spChg chg="add">
+          <ac:chgData name="Kelly Marques" userId="S::1397012@sga.pucminas.br::e60ab76c-a77f-40f7-b755-8286a6e0b93a" providerId="AD" clId="Web-{37B229F7-8667-E45D-5224-775EABC887EB}" dt="2022-12-02T16:41:52.568" v="455"/>
+          <ac:spMkLst>
+            <pc:docMk/>
+            <pc:sldMk cId="1630456672" sldId="283"/>
+            <ac:spMk id="124" creationId="{35DB3719-6FDC-4E5D-891D-FF40B7300F64}"/>
+          </ac:spMkLst>
+        </pc:spChg>
+        <pc:spChg chg="add">
+          <ac:chgData name="Kelly Marques" userId="S::1397012@sga.pucminas.br::e60ab76c-a77f-40f7-b755-8286a6e0b93a" providerId="AD" clId="Web-{37B229F7-8667-E45D-5224-775EABC887EB}" dt="2022-12-02T16:41:52.568" v="455"/>
+          <ac:spMkLst>
+            <pc:docMk/>
+            <pc:sldMk cId="1630456672" sldId="283"/>
+            <ac:spMk id="126" creationId="{E0CBAC23-2E3F-4A90-BA59-F8299F6A5439}"/>
+          </ac:spMkLst>
+        </pc:spChg>
+        <pc:grpChg chg="del">
+          <ac:chgData name="Kelly Marques" userId="S::1397012@sga.pucminas.br::e60ab76c-a77f-40f7-b755-8286a6e0b93a" providerId="AD" clId="Web-{37B229F7-8667-E45D-5224-775EABC887EB}" dt="2022-12-02T16:41:52.568" v="455"/>
+          <ac:grpSpMkLst>
+            <pc:docMk/>
+            <pc:sldMk cId="1630456672" sldId="283"/>
+            <ac:grpSpMk id="68" creationId="{AE1C45F0-260A-458C-96ED-C1F6D2151219}"/>
+          </ac:grpSpMkLst>
+        </pc:grpChg>
+        <pc:graphicFrameChg chg="add">
+          <ac:chgData name="Kelly Marques" userId="S::1397012@sga.pucminas.br::e60ab76c-a77f-40f7-b755-8286a6e0b93a" providerId="AD" clId="Web-{37B229F7-8667-E45D-5224-775EABC887EB}" dt="2022-12-02T16:41:52.568" v="455"/>
+          <ac:graphicFrameMkLst>
+            <pc:docMk/>
+            <pc:sldMk cId="1630456672" sldId="283"/>
+            <ac:graphicFrameMk id="120" creationId="{983F93DC-50F7-1402-9AC3-FBF5617F9CE2}"/>
+          </ac:graphicFrameMkLst>
+        </pc:graphicFrameChg>
+        <pc:cxnChg chg="del">
+          <ac:chgData name="Kelly Marques" userId="S::1397012@sga.pucminas.br::e60ab76c-a77f-40f7-b755-8286a6e0b93a" providerId="AD" clId="Web-{37B229F7-8667-E45D-5224-775EABC887EB}" dt="2022-12-02T16:41:52.568" v="455"/>
+          <ac:cxnSpMkLst>
+            <pc:docMk/>
+            <pc:sldMk cId="1630456672" sldId="283"/>
+            <ac:cxnSpMk id="75" creationId="{6CF1BAF6-AD41-4082-B212-8A1F9A2E8779}"/>
+          </ac:cxnSpMkLst>
+        </pc:cxnChg>
+      </pc:sldChg>
+      <pc:sldChg chg="addSp delSp modSp">
+        <pc:chgData name="Kelly Marques" userId="S::1397012@sga.pucminas.br::e60ab76c-a77f-40f7-b755-8286a6e0b93a" providerId="AD" clId="Web-{37B229F7-8667-E45D-5224-775EABC887EB}" dt="2022-12-02T16:37:17.825" v="396"/>
+        <pc:sldMkLst>
+          <pc:docMk/>
+          <pc:sldMk cId="554501015" sldId="284"/>
+        </pc:sldMkLst>
+        <pc:spChg chg="mod">
+          <ac:chgData name="Kelly Marques" userId="S::1397012@sga.pucminas.br::e60ab76c-a77f-40f7-b755-8286a6e0b93a" providerId="AD" clId="Web-{37B229F7-8667-E45D-5224-775EABC887EB}" dt="2022-12-02T16:37:17.825" v="396"/>
+          <ac:spMkLst>
+            <pc:docMk/>
+            <pc:sldMk cId="554501015" sldId="284"/>
+            <ac:spMk id="2" creationId="{B5F78A2C-830C-FAD7-69AC-F340E519239E}"/>
+          </ac:spMkLst>
+        </pc:spChg>
+        <pc:spChg chg="del">
+          <ac:chgData name="Kelly Marques" userId="S::1397012@sga.pucminas.br::e60ab76c-a77f-40f7-b755-8286a6e0b93a" providerId="AD" clId="Web-{37B229F7-8667-E45D-5224-775EABC887EB}" dt="2022-12-02T16:37:17.825" v="396"/>
+          <ac:spMkLst>
+            <pc:docMk/>
+            <pc:sldMk cId="554501015" sldId="284"/>
+            <ac:spMk id="27" creationId="{56E9B3E6-E277-4D68-BA48-9CB43FFBD6E2}"/>
+          </ac:spMkLst>
+        </pc:spChg>
+        <pc:spChg chg="del">
+          <ac:chgData name="Kelly Marques" userId="S::1397012@sga.pucminas.br::e60ab76c-a77f-40f7-b755-8286a6e0b93a" providerId="AD" clId="Web-{37B229F7-8667-E45D-5224-775EABC887EB}" dt="2022-12-02T16:37:17.825" v="396"/>
+          <ac:spMkLst>
+            <pc:docMk/>
+            <pc:sldMk cId="554501015" sldId="284"/>
+            <ac:spMk id="34" creationId="{D5B0017B-2ECA-49AF-B397-DC140825DF8D}"/>
+          </ac:spMkLst>
+        </pc:spChg>
+        <pc:spChg chg="add">
+          <ac:chgData name="Kelly Marques" userId="S::1397012@sga.pucminas.br::e60ab76c-a77f-40f7-b755-8286a6e0b93a" providerId="AD" clId="Web-{37B229F7-8667-E45D-5224-775EABC887EB}" dt="2022-12-02T16:37:17.825" v="396"/>
+          <ac:spMkLst>
+            <pc:docMk/>
+            <pc:sldMk cId="554501015" sldId="284"/>
+            <ac:spMk id="41" creationId="{35DB3719-6FDC-4E5D-891D-FF40B7300F64}"/>
+          </ac:spMkLst>
+        </pc:spChg>
+        <pc:spChg chg="add">
+          <ac:chgData name="Kelly Marques" userId="S::1397012@sga.pucminas.br::e60ab76c-a77f-40f7-b755-8286a6e0b93a" providerId="AD" clId="Web-{37B229F7-8667-E45D-5224-775EABC887EB}" dt="2022-12-02T16:37:17.825" v="396"/>
+          <ac:spMkLst>
+            <pc:docMk/>
+            <pc:sldMk cId="554501015" sldId="284"/>
+            <ac:spMk id="43" creationId="{E0CBAC23-2E3F-4A90-BA59-F8299F6A5439}"/>
+          </ac:spMkLst>
+        </pc:spChg>
+        <pc:grpChg chg="del">
+          <ac:chgData name="Kelly Marques" userId="S::1397012@sga.pucminas.br::e60ab76c-a77f-40f7-b755-8286a6e0b93a" providerId="AD" clId="Web-{37B229F7-8667-E45D-5224-775EABC887EB}" dt="2022-12-02T16:37:17.825" v="396"/>
+          <ac:grpSpMkLst>
+            <pc:docMk/>
+            <pc:sldMk cId="554501015" sldId="284"/>
+            <ac:grpSpMk id="29" creationId="{AE1C45F0-260A-458C-96ED-C1F6D2151219}"/>
+          </ac:grpSpMkLst>
+        </pc:grpChg>
+        <pc:graphicFrameChg chg="mod modGraphic">
+          <ac:chgData name="Kelly Marques" userId="S::1397012@sga.pucminas.br::e60ab76c-a77f-40f7-b755-8286a6e0b93a" providerId="AD" clId="Web-{37B229F7-8667-E45D-5224-775EABC887EB}" dt="2022-12-02T16:37:17.825" v="396"/>
+          <ac:graphicFrameMkLst>
+            <pc:docMk/>
+            <pc:sldMk cId="554501015" sldId="284"/>
+            <ac:graphicFrameMk id="12" creationId="{92D74D84-E918-F8C0-2B80-35634E3D0D5E}"/>
+          </ac:graphicFrameMkLst>
+        </pc:graphicFrameChg>
+        <pc:cxnChg chg="del">
+          <ac:chgData name="Kelly Marques" userId="S::1397012@sga.pucminas.br::e60ab76c-a77f-40f7-b755-8286a6e0b93a" providerId="AD" clId="Web-{37B229F7-8667-E45D-5224-775EABC887EB}" dt="2022-12-02T16:37:17.825" v="396"/>
+          <ac:cxnSpMkLst>
+            <pc:docMk/>
+            <pc:sldMk cId="554501015" sldId="284"/>
+            <ac:cxnSpMk id="36" creationId="{6CF1BAF6-AD41-4082-B212-8A1F9A2E8779}"/>
+          </ac:cxnSpMkLst>
+        </pc:cxnChg>
+      </pc:sldChg>
+      <pc:sldChg chg="addSp delSp modSp">
+        <pc:chgData name="Kelly Marques" userId="S::1397012@sga.pucminas.br::e60ab76c-a77f-40f7-b755-8286a6e0b93a" providerId="AD" clId="Web-{37B229F7-8667-E45D-5224-775EABC887EB}" dt="2022-12-02T16:35:18.291" v="394" actId="1076"/>
+        <pc:sldMkLst>
+          <pc:docMk/>
+          <pc:sldMk cId="414140974" sldId="287"/>
+        </pc:sldMkLst>
+        <pc:spChg chg="mod">
+          <ac:chgData name="Kelly Marques" userId="S::1397012@sga.pucminas.br::e60ab76c-a77f-40f7-b755-8286a6e0b93a" providerId="AD" clId="Web-{37B229F7-8667-E45D-5224-775EABC887EB}" dt="2022-12-02T16:35:18.291" v="394" actId="1076"/>
+          <ac:spMkLst>
+            <pc:docMk/>
+            <pc:sldMk cId="414140974" sldId="287"/>
+            <ac:spMk id="2" creationId="{47DA741D-7571-8BD8-2005-E539AFE5B8D1}"/>
+          </ac:spMkLst>
+        </pc:spChg>
+        <pc:spChg chg="del">
+          <ac:chgData name="Kelly Marques" userId="S::1397012@sga.pucminas.br::e60ab76c-a77f-40f7-b755-8286a6e0b93a" providerId="AD" clId="Web-{37B229F7-8667-E45D-5224-775EABC887EB}" dt="2022-12-02T16:33:37.803" v="368"/>
+          <ac:spMkLst>
+            <pc:docMk/>
+            <pc:sldMk cId="414140974" sldId="287"/>
+            <ac:spMk id="22" creationId="{B6CDA21F-E7AF-4C75-8395-33F58D5B0E45}"/>
+          </ac:spMkLst>
+        </pc:spChg>
+        <pc:spChg chg="del">
+          <ac:chgData name="Kelly Marques" userId="S::1397012@sga.pucminas.br::e60ab76c-a77f-40f7-b755-8286a6e0b93a" providerId="AD" clId="Web-{37B229F7-8667-E45D-5224-775EABC887EB}" dt="2022-12-02T16:33:37.803" v="368"/>
+          <ac:spMkLst>
+            <pc:docMk/>
+            <pc:sldMk cId="414140974" sldId="287"/>
+            <ac:spMk id="25" creationId="{D5B0017B-2ECA-49AF-B397-DC140825DF8D}"/>
+          </ac:spMkLst>
+        </pc:spChg>
+        <pc:spChg chg="add del mod">
+          <ac:chgData name="Kelly Marques" userId="S::1397012@sga.pucminas.br::e60ab76c-a77f-40f7-b755-8286a6e0b93a" providerId="AD" clId="Web-{37B229F7-8667-E45D-5224-775EABC887EB}" dt="2022-12-02T16:33:53.444" v="373"/>
+          <ac:spMkLst>
+            <pc:docMk/>
+            <pc:sldMk cId="414140974" sldId="287"/>
+            <ac:spMk id="30" creationId="{70C0973E-F2C9-7F66-2518-981F60847666}"/>
+          </ac:spMkLst>
+        </pc:spChg>
+        <pc:spChg chg="add del">
+          <ac:chgData name="Kelly Marques" userId="S::1397012@sga.pucminas.br::e60ab76c-a77f-40f7-b755-8286a6e0b93a" providerId="AD" clId="Web-{37B229F7-8667-E45D-5224-775EABC887EB}" dt="2022-12-02T16:34:15.492" v="377"/>
+          <ac:spMkLst>
+            <pc:docMk/>
+            <pc:sldMk cId="414140974" sldId="287"/>
+            <ac:spMk id="33" creationId="{A8908DB7-C3A6-4FCB-9820-CEE02B398C4A}"/>
+          </ac:spMkLst>
+        </pc:spChg>
+        <pc:spChg chg="add del">
+          <ac:chgData name="Kelly Marques" userId="S::1397012@sga.pucminas.br::e60ab76c-a77f-40f7-b755-8286a6e0b93a" providerId="AD" clId="Web-{37B229F7-8667-E45D-5224-775EABC887EB}" dt="2022-12-02T16:34:15.492" v="377"/>
+          <ac:spMkLst>
+            <pc:docMk/>
+            <pc:sldMk cId="414140974" sldId="287"/>
+            <ac:spMk id="35" creationId="{535742DD-1B16-4E9D-B715-0D74B4574A68}"/>
+          </ac:spMkLst>
+        </pc:spChg>
+        <pc:spChg chg="add del">
+          <ac:chgData name="Kelly Marques" userId="S::1397012@sga.pucminas.br::e60ab76c-a77f-40f7-b755-8286a6e0b93a" providerId="AD" clId="Web-{37B229F7-8667-E45D-5224-775EABC887EB}" dt="2022-12-02T16:34:46.243" v="386"/>
+          <ac:spMkLst>
+            <pc:docMk/>
+            <pc:sldMk cId="414140974" sldId="287"/>
+            <ac:spMk id="40" creationId="{93245F62-CCC4-49E4-B95B-EA6C1E790510}"/>
+          </ac:spMkLst>
+        </pc:spChg>
+        <pc:spChg chg="add del">
+          <ac:chgData name="Kelly Marques" userId="S::1397012@sga.pucminas.br::e60ab76c-a77f-40f7-b755-8286a6e0b93a" providerId="AD" clId="Web-{37B229F7-8667-E45D-5224-775EABC887EB}" dt="2022-12-02T16:34:46.243" v="386"/>
+          <ac:spMkLst>
+            <pc:docMk/>
+            <pc:sldMk cId="414140974" sldId="287"/>
+            <ac:spMk id="42" creationId="{E6C0DD6B-6AA3-448F-9B99-8386295BC1B4}"/>
+          </ac:spMkLst>
+        </pc:spChg>
+        <pc:spChg chg="add">
+          <ac:chgData name="Kelly Marques" userId="S::1397012@sga.pucminas.br::e60ab76c-a77f-40f7-b755-8286a6e0b93a" providerId="AD" clId="Web-{37B229F7-8667-E45D-5224-775EABC887EB}" dt="2022-12-02T16:34:46.243" v="386"/>
+          <ac:spMkLst>
+            <pc:docMk/>
+            <pc:sldMk cId="414140974" sldId="287"/>
+            <ac:spMk id="47" creationId="{C59AB4C8-9178-4F7A-8404-6890510B5917}"/>
+          </ac:spMkLst>
+        </pc:spChg>
+        <pc:spChg chg="add">
+          <ac:chgData name="Kelly Marques" userId="S::1397012@sga.pucminas.br::e60ab76c-a77f-40f7-b755-8286a6e0b93a" providerId="AD" clId="Web-{37B229F7-8667-E45D-5224-775EABC887EB}" dt="2022-12-02T16:34:46.243" v="386"/>
+          <ac:spMkLst>
+            <pc:docMk/>
+            <pc:sldMk cId="414140974" sldId="287"/>
+            <ac:spMk id="49" creationId="{4CFDFB37-4BC7-42C6-915D-A6609139BFE7}"/>
+          </ac:spMkLst>
+        </pc:spChg>
+        <pc:grpChg chg="del">
+          <ac:chgData name="Kelly Marques" userId="S::1397012@sga.pucminas.br::e60ab76c-a77f-40f7-b755-8286a6e0b93a" providerId="AD" clId="Web-{37B229F7-8667-E45D-5224-775EABC887EB}" dt="2022-12-02T16:33:37.803" v="368"/>
+          <ac:grpSpMkLst>
+            <pc:docMk/>
+            <pc:sldMk cId="414140974" sldId="287"/>
+            <ac:grpSpMk id="23" creationId="{AE1C45F0-260A-458C-96ED-C1F6D2151219}"/>
+          </ac:grpSpMkLst>
+        </pc:grpChg>
+        <pc:picChg chg="mod">
+          <ac:chgData name="Kelly Marques" userId="S::1397012@sga.pucminas.br::e60ab76c-a77f-40f7-b755-8286a6e0b93a" providerId="AD" clId="Web-{37B229F7-8667-E45D-5224-775EABC887EB}" dt="2022-12-02T16:35:14.384" v="393" actId="1076"/>
+          <ac:picMkLst>
+            <pc:docMk/>
+            <pc:sldMk cId="414140974" sldId="287"/>
+            <ac:picMk id="4" creationId="{4462CFC0-8074-D0D8-1750-BCE90ED0C952}"/>
+          </ac:picMkLst>
+        </pc:picChg>
+        <pc:cxnChg chg="del">
+          <ac:chgData name="Kelly Marques" userId="S::1397012@sga.pucminas.br::e60ab76c-a77f-40f7-b755-8286a6e0b93a" providerId="AD" clId="Web-{37B229F7-8667-E45D-5224-775EABC887EB}" dt="2022-12-02T16:33:37.803" v="368"/>
+          <ac:cxnSpMkLst>
+            <pc:docMk/>
+            <pc:sldMk cId="414140974" sldId="287"/>
+            <ac:cxnSpMk id="26" creationId="{6CF1BAF6-AD41-4082-B212-8A1F9A2E8779}"/>
+          </ac:cxnSpMkLst>
+        </pc:cxnChg>
+      </pc:sldChg>
+      <pc:sldChg chg="addSp delSp modSp">
+        <pc:chgData name="Kelly Marques" userId="S::1397012@sga.pucminas.br::e60ab76c-a77f-40f7-b755-8286a6e0b93a" providerId="AD" clId="Web-{37B229F7-8667-E45D-5224-775EABC887EB}" dt="2022-12-02T16:40:14.487" v="448" actId="1076"/>
+        <pc:sldMkLst>
+          <pc:docMk/>
+          <pc:sldMk cId="2219606751" sldId="289"/>
+        </pc:sldMkLst>
+        <pc:spChg chg="mod">
+          <ac:chgData name="Kelly Marques" userId="S::1397012@sga.pucminas.br::e60ab76c-a77f-40f7-b755-8286a6e0b93a" providerId="AD" clId="Web-{37B229F7-8667-E45D-5224-775EABC887EB}" dt="2022-12-02T16:40:14.487" v="448" actId="1076"/>
+          <ac:spMkLst>
+            <pc:docMk/>
+            <pc:sldMk cId="2219606751" sldId="289"/>
+            <ac:spMk id="2" creationId="{47DA741D-7571-8BD8-2005-E539AFE5B8D1}"/>
+          </ac:spMkLst>
+        </pc:spChg>
+        <pc:spChg chg="add del">
+          <ac:chgData name="Kelly Marques" userId="S::1397012@sga.pucminas.br::e60ab76c-a77f-40f7-b755-8286a6e0b93a" providerId="AD" clId="Web-{37B229F7-8667-E45D-5224-775EABC887EB}" dt="2022-12-02T16:38:10.655" v="411"/>
+          <ac:spMkLst>
+            <pc:docMk/>
+            <pc:sldMk cId="2219606751" sldId="289"/>
+            <ac:spMk id="22" creationId="{B6CDA21F-E7AF-4C75-8395-33F58D5B0E45}"/>
+          </ac:spMkLst>
+        </pc:spChg>
+        <pc:spChg chg="add del">
+          <ac:chgData name="Kelly Marques" userId="S::1397012@sga.pucminas.br::e60ab76c-a77f-40f7-b755-8286a6e0b93a" providerId="AD" clId="Web-{37B229F7-8667-E45D-5224-775EABC887EB}" dt="2022-12-02T16:38:10.655" v="411"/>
+          <ac:spMkLst>
+            <pc:docMk/>
+            <pc:sldMk cId="2219606751" sldId="289"/>
+            <ac:spMk id="25" creationId="{D5B0017B-2ECA-49AF-B397-DC140825DF8D}"/>
+          </ac:spMkLst>
+        </pc:spChg>
+        <pc:spChg chg="add">
+          <ac:chgData name="Kelly Marques" userId="S::1397012@sga.pucminas.br::e60ab76c-a77f-40f7-b755-8286a6e0b93a" providerId="AD" clId="Web-{37B229F7-8667-E45D-5224-775EABC887EB}" dt="2022-12-02T16:38:10.655" v="411"/>
+          <ac:spMkLst>
+            <pc:docMk/>
+            <pc:sldMk cId="2219606751" sldId="289"/>
+            <ac:spMk id="28" creationId="{45D37F4E-DDB4-456B-97E0-9937730A039F}"/>
+          </ac:spMkLst>
+        </pc:spChg>
+        <pc:spChg chg="add">
+          <ac:chgData name="Kelly Marques" userId="S::1397012@sga.pucminas.br::e60ab76c-a77f-40f7-b755-8286a6e0b93a" providerId="AD" clId="Web-{37B229F7-8667-E45D-5224-775EABC887EB}" dt="2022-12-02T16:38:10.655" v="411"/>
+          <ac:spMkLst>
+            <pc:docMk/>
+            <pc:sldMk cId="2219606751" sldId="289"/>
+            <ac:spMk id="29" creationId="{B2DD41CD-8F47-4F56-AD12-4E2FF7696987}"/>
+          </ac:spMkLst>
+        </pc:spChg>
+        <pc:spChg chg="add del mod">
+          <ac:chgData name="Kelly Marques" userId="S::1397012@sga.pucminas.br::e60ab76c-a77f-40f7-b755-8286a6e0b93a" providerId="AD" clId="Web-{37B229F7-8667-E45D-5224-775EABC887EB}" dt="2022-12-02T16:37:47.357" v="404"/>
+          <ac:spMkLst>
+            <pc:docMk/>
+            <pc:sldMk cId="2219606751" sldId="289"/>
+            <ac:spMk id="30" creationId="{6F1EC8CF-56DB-F852-7981-FEF7BF95EDD1}"/>
+          </ac:spMkLst>
+        </pc:spChg>
+        <pc:spChg chg="add del mod">
+          <ac:chgData name="Kelly Marques" userId="S::1397012@sga.pucminas.br::e60ab76c-a77f-40f7-b755-8286a6e0b93a" providerId="AD" clId="Web-{37B229F7-8667-E45D-5224-775EABC887EB}" dt="2022-12-02T16:38:16.546" v="414"/>
+          <ac:spMkLst>
+            <pc:docMk/>
+            <pc:sldMk cId="2219606751" sldId="289"/>
+            <ac:spMk id="31" creationId="{3DEDDC64-91D2-D9CA-A959-61ADDD3E1C10}"/>
+          </ac:spMkLst>
+        </pc:spChg>
+        <pc:spChg chg="add del">
+          <ac:chgData name="Kelly Marques" userId="S::1397012@sga.pucminas.br::e60ab76c-a77f-40f7-b755-8286a6e0b93a" providerId="AD" clId="Web-{37B229F7-8667-E45D-5224-775EABC887EB}" dt="2022-12-02T16:37:47.357" v="404"/>
+          <ac:spMkLst>
+            <pc:docMk/>
+            <pc:sldMk cId="2219606751" sldId="289"/>
+            <ac:spMk id="33" creationId="{45D37F4E-DDB4-456B-97E0-9937730A039F}"/>
+          </ac:spMkLst>
+        </pc:spChg>
+        <pc:spChg chg="add del">
+          <ac:chgData name="Kelly Marques" userId="S::1397012@sga.pucminas.br::e60ab76c-a77f-40f7-b755-8286a6e0b93a" providerId="AD" clId="Web-{37B229F7-8667-E45D-5224-775EABC887EB}" dt="2022-12-02T16:37:47.357" v="404"/>
+          <ac:spMkLst>
+            <pc:docMk/>
+            <pc:sldMk cId="2219606751" sldId="289"/>
+            <ac:spMk id="35" creationId="{B2DD41CD-8F47-4F56-AD12-4E2FF7696987}"/>
+          </ac:spMkLst>
+        </pc:spChg>
+        <pc:grpChg chg="add del">
+          <ac:chgData name="Kelly Marques" userId="S::1397012@sga.pucminas.br::e60ab76c-a77f-40f7-b755-8286a6e0b93a" providerId="AD" clId="Web-{37B229F7-8667-E45D-5224-775EABC887EB}" dt="2022-12-02T16:38:10.655" v="411"/>
+          <ac:grpSpMkLst>
+            <pc:docMk/>
+            <pc:sldMk cId="2219606751" sldId="289"/>
+            <ac:grpSpMk id="23" creationId="{AE1C45F0-260A-458C-96ED-C1F6D2151219}"/>
+          </ac:grpSpMkLst>
+        </pc:grpChg>
+        <pc:picChg chg="del mod">
+          <ac:chgData name="Kelly Marques" userId="S::1397012@sga.pucminas.br::e60ab76c-a77f-40f7-b755-8286a6e0b93a" providerId="AD" clId="Web-{37B229F7-8667-E45D-5224-775EABC887EB}" dt="2022-12-02T16:38:12.952" v="412"/>
+          <ac:picMkLst>
+            <pc:docMk/>
+            <pc:sldMk cId="2219606751" sldId="289"/>
+            <ac:picMk id="4" creationId="{FF216823-C715-B740-8B94-ABF63095DCEA}"/>
+          </ac:picMkLst>
+        </pc:picChg>
+        <pc:picChg chg="add del">
+          <ac:chgData name="Kelly Marques" userId="S::1397012@sga.pucminas.br::e60ab76c-a77f-40f7-b755-8286a6e0b93a" providerId="AD" clId="Web-{37B229F7-8667-E45D-5224-775EABC887EB}" dt="2022-12-02T16:38:00.733" v="409"/>
+          <ac:picMkLst>
+            <pc:docMk/>
+            <pc:sldMk cId="2219606751" sldId="289"/>
+            <ac:picMk id="5" creationId="{7EE8FA19-BB7D-6FDA-9496-D8672559F5FB}"/>
+          </ac:picMkLst>
+        </pc:picChg>
+        <pc:picChg chg="add mod">
+          <ac:chgData name="Kelly Marques" userId="S::1397012@sga.pucminas.br::e60ab76c-a77f-40f7-b755-8286a6e0b93a" providerId="AD" clId="Web-{37B229F7-8667-E45D-5224-775EABC887EB}" dt="2022-12-02T16:38:36.703" v="423" actId="1076"/>
+          <ac:picMkLst>
+            <pc:docMk/>
+            <pc:sldMk cId="2219606751" sldId="289"/>
+            <ac:picMk id="6" creationId="{05577403-24E4-1C01-7341-802878045E27}"/>
+          </ac:picMkLst>
+        </pc:picChg>
+        <pc:cxnChg chg="add del">
+          <ac:chgData name="Kelly Marques" userId="S::1397012@sga.pucminas.br::e60ab76c-a77f-40f7-b755-8286a6e0b93a" providerId="AD" clId="Web-{37B229F7-8667-E45D-5224-775EABC887EB}" dt="2022-12-02T16:38:10.655" v="411"/>
+          <ac:cxnSpMkLst>
+            <pc:docMk/>
+            <pc:sldMk cId="2219606751" sldId="289"/>
+            <ac:cxnSpMk id="26" creationId="{6CF1BAF6-AD41-4082-B212-8A1F9A2E8779}"/>
+          </ac:cxnSpMkLst>
+        </pc:cxnChg>
+      </pc:sldChg>
+      <pc:sldChg chg="addSp delSp modSp">
+        <pc:chgData name="Kelly Marques" userId="S::1397012@sga.pucminas.br::e60ab76c-a77f-40f7-b755-8286a6e0b93a" providerId="AD" clId="Web-{37B229F7-8667-E45D-5224-775EABC887EB}" dt="2022-12-02T16:32:29.004" v="364"/>
+        <pc:sldMkLst>
+          <pc:docMk/>
+          <pc:sldMk cId="1768574585" sldId="296"/>
+        </pc:sldMkLst>
+        <pc:spChg chg="mod">
+          <ac:chgData name="Kelly Marques" userId="S::1397012@sga.pucminas.br::e60ab76c-a77f-40f7-b755-8286a6e0b93a" providerId="AD" clId="Web-{37B229F7-8667-E45D-5224-775EABC887EB}" dt="2022-12-02T16:32:29.004" v="364"/>
+          <ac:spMkLst>
+            <pc:docMk/>
+            <pc:sldMk cId="1768574585" sldId="296"/>
+            <ac:spMk id="2" creationId="{47DA741D-7571-8BD8-2005-E539AFE5B8D1}"/>
+          </ac:spMkLst>
+        </pc:spChg>
+        <pc:spChg chg="mod">
+          <ac:chgData name="Kelly Marques" userId="S::1397012@sga.pucminas.br::e60ab76c-a77f-40f7-b755-8286a6e0b93a" providerId="AD" clId="Web-{37B229F7-8667-E45D-5224-775EABC887EB}" dt="2022-12-02T16:32:29.004" v="364"/>
+          <ac:spMkLst>
+            <pc:docMk/>
+            <pc:sldMk cId="1768574585" sldId="296"/>
+            <ac:spMk id="3" creationId="{EE114D47-0E6B-8A69-3A30-26904E21DDE5}"/>
+          </ac:spMkLst>
+        </pc:spChg>
+        <pc:spChg chg="del">
+          <ac:chgData name="Kelly Marques" userId="S::1397012@sga.pucminas.br::e60ab76c-a77f-40f7-b755-8286a6e0b93a" providerId="AD" clId="Web-{37B229F7-8667-E45D-5224-775EABC887EB}" dt="2022-12-02T16:31:42.237" v="354"/>
+          <ac:spMkLst>
+            <pc:docMk/>
+            <pc:sldMk cId="1768574585" sldId="296"/>
+            <ac:spMk id="22" creationId="{B6CDA21F-E7AF-4C75-8395-33F58D5B0E45}"/>
+          </ac:spMkLst>
+        </pc:spChg>
+        <pc:spChg chg="del">
+          <ac:chgData name="Kelly Marques" userId="S::1397012@sga.pucminas.br::e60ab76c-a77f-40f7-b755-8286a6e0b93a" providerId="AD" clId="Web-{37B229F7-8667-E45D-5224-775EABC887EB}" dt="2022-12-02T16:31:42.237" v="354"/>
+          <ac:spMkLst>
+            <pc:docMk/>
+            <pc:sldMk cId="1768574585" sldId="296"/>
+            <ac:spMk id="25" creationId="{D5B0017B-2ECA-49AF-B397-DC140825DF8D}"/>
+          </ac:spMkLst>
+        </pc:spChg>
+        <pc:spChg chg="add del">
+          <ac:chgData name="Kelly Marques" userId="S::1397012@sga.pucminas.br::e60ab76c-a77f-40f7-b755-8286a6e0b93a" providerId="AD" clId="Web-{37B229F7-8667-E45D-5224-775EABC887EB}" dt="2022-12-02T16:32:29.004" v="364"/>
+          <ac:spMkLst>
+            <pc:docMk/>
+            <pc:sldMk cId="1768574585" sldId="296"/>
+            <ac:spMk id="31" creationId="{100EDD19-6802-4EC3-95CE-CFFAB042CFD6}"/>
+          </ac:spMkLst>
+        </pc:spChg>
+        <pc:spChg chg="add del">
+          <ac:chgData name="Kelly Marques" userId="S::1397012@sga.pucminas.br::e60ab76c-a77f-40f7-b755-8286a6e0b93a" providerId="AD" clId="Web-{37B229F7-8667-E45D-5224-775EABC887EB}" dt="2022-12-02T16:32:29.004" v="364"/>
+          <ac:spMkLst>
+            <pc:docMk/>
+            <pc:sldMk cId="1768574585" sldId="296"/>
+            <ac:spMk id="33" creationId="{DB17E863-922E-4C26-BD64-E8FD41D28661}"/>
+          </ac:spMkLst>
+        </pc:spChg>
+        <pc:spChg chg="add">
+          <ac:chgData name="Kelly Marques" userId="S::1397012@sga.pucminas.br::e60ab76c-a77f-40f7-b755-8286a6e0b93a" providerId="AD" clId="Web-{37B229F7-8667-E45D-5224-775EABC887EB}" dt="2022-12-02T16:32:29.004" v="364"/>
+          <ac:spMkLst>
+            <pc:docMk/>
+            <pc:sldMk cId="1768574585" sldId="296"/>
+            <ac:spMk id="38" creationId="{C05CBC3C-2E5A-4839-8B9B-2E5A6ADF0F58}"/>
+          </ac:spMkLst>
+        </pc:spChg>
+        <pc:spChg chg="add">
+          <ac:chgData name="Kelly Marques" userId="S::1397012@sga.pucminas.br::e60ab76c-a77f-40f7-b755-8286a6e0b93a" providerId="AD" clId="Web-{37B229F7-8667-E45D-5224-775EABC887EB}" dt="2022-12-02T16:32:29.004" v="364"/>
+          <ac:spMkLst>
+            <pc:docMk/>
+            <pc:sldMk cId="1768574585" sldId="296"/>
+            <ac:spMk id="40" creationId="{827FF362-FC97-4BF5-949B-D4ADFA26E457}"/>
+          </ac:spMkLst>
+        </pc:spChg>
+        <pc:grpChg chg="del">
+          <ac:chgData name="Kelly Marques" userId="S::1397012@sga.pucminas.br::e60ab76c-a77f-40f7-b755-8286a6e0b93a" providerId="AD" clId="Web-{37B229F7-8667-E45D-5224-775EABC887EB}" dt="2022-12-02T16:31:42.237" v="354"/>
+          <ac:grpSpMkLst>
+            <pc:docMk/>
+            <pc:sldMk cId="1768574585" sldId="296"/>
+            <ac:grpSpMk id="23" creationId="{AE1C45F0-260A-458C-96ED-C1F6D2151219}"/>
+          </ac:grpSpMkLst>
+        </pc:grpChg>
+        <pc:cxnChg chg="del">
+          <ac:chgData name="Kelly Marques" userId="S::1397012@sga.pucminas.br::e60ab76c-a77f-40f7-b755-8286a6e0b93a" providerId="AD" clId="Web-{37B229F7-8667-E45D-5224-775EABC887EB}" dt="2022-12-02T16:31:42.237" v="354"/>
+          <ac:cxnSpMkLst>
+            <pc:docMk/>
+            <pc:sldMk cId="1768574585" sldId="296"/>
+            <ac:cxnSpMk id="26" creationId="{6CF1BAF6-AD41-4082-B212-8A1F9A2E8779}"/>
+          </ac:cxnSpMkLst>
+        </pc:cxnChg>
+      </pc:sldChg>
+      <pc:sldChg chg="addSp delSp modSp addAnim">
+        <pc:chgData name="Kelly Marques" userId="S::1397012@sga.pucminas.br::e60ab76c-a77f-40f7-b755-8286a6e0b93a" providerId="AD" clId="Web-{37B229F7-8667-E45D-5224-775EABC887EB}" dt="2022-12-02T16:32:32.973" v="365"/>
+        <pc:sldMkLst>
+          <pc:docMk/>
+          <pc:sldMk cId="2727639725" sldId="297"/>
+        </pc:sldMkLst>
+        <pc:spChg chg="mod">
+          <ac:chgData name="Kelly Marques" userId="S::1397012@sga.pucminas.br::e60ab76c-a77f-40f7-b755-8286a6e0b93a" providerId="AD" clId="Web-{37B229F7-8667-E45D-5224-775EABC887EB}" dt="2022-12-02T16:32:32.973" v="365"/>
+          <ac:spMkLst>
+            <pc:docMk/>
+            <pc:sldMk cId="2727639725" sldId="297"/>
+            <ac:spMk id="2" creationId="{47DA741D-7571-8BD8-2005-E539AFE5B8D1}"/>
+          </ac:spMkLst>
+        </pc:spChg>
+        <pc:spChg chg="mod">
+          <ac:chgData name="Kelly Marques" userId="S::1397012@sga.pucminas.br::e60ab76c-a77f-40f7-b755-8286a6e0b93a" providerId="AD" clId="Web-{37B229F7-8667-E45D-5224-775EABC887EB}" dt="2022-12-02T16:32:32.973" v="365"/>
+          <ac:spMkLst>
+            <pc:docMk/>
+            <pc:sldMk cId="2727639725" sldId="297"/>
+            <ac:spMk id="3" creationId="{EE114D47-0E6B-8A69-3A30-26904E21DDE5}"/>
+          </ac:spMkLst>
+        </pc:spChg>
+        <pc:spChg chg="del">
+          <ac:chgData name="Kelly Marques" userId="S::1397012@sga.pucminas.br::e60ab76c-a77f-40f7-b755-8286a6e0b93a" providerId="AD" clId="Web-{37B229F7-8667-E45D-5224-775EABC887EB}" dt="2022-12-02T16:32:22.488" v="362"/>
+          <ac:spMkLst>
+            <pc:docMk/>
+            <pc:sldMk cId="2727639725" sldId="297"/>
+            <ac:spMk id="22" creationId="{B6CDA21F-E7AF-4C75-8395-33F58D5B0E45}"/>
+          </ac:spMkLst>
+        </pc:spChg>
+        <pc:spChg chg="del">
+          <ac:chgData name="Kelly Marques" userId="S::1397012@sga.pucminas.br::e60ab76c-a77f-40f7-b755-8286a6e0b93a" providerId="AD" clId="Web-{37B229F7-8667-E45D-5224-775EABC887EB}" dt="2022-12-02T16:32:22.488" v="362"/>
+          <ac:spMkLst>
+            <pc:docMk/>
+            <pc:sldMk cId="2727639725" sldId="297"/>
+            <ac:spMk id="25" creationId="{D5B0017B-2ECA-49AF-B397-DC140825DF8D}"/>
+          </ac:spMkLst>
+        </pc:spChg>
+        <pc:spChg chg="add del">
+          <ac:chgData name="Kelly Marques" userId="S::1397012@sga.pucminas.br::e60ab76c-a77f-40f7-b755-8286a6e0b93a" providerId="AD" clId="Web-{37B229F7-8667-E45D-5224-775EABC887EB}" dt="2022-12-02T16:32:32.973" v="365"/>
+          <ac:spMkLst>
+            <pc:docMk/>
+            <pc:sldMk cId="2727639725" sldId="297"/>
+            <ac:spMk id="31" creationId="{777A147A-9ED8-46B4-8660-1B3C2AA880B5}"/>
+          </ac:spMkLst>
+        </pc:spChg>
+        <pc:spChg chg="add del">
+          <ac:chgData name="Kelly Marques" userId="S::1397012@sga.pucminas.br::e60ab76c-a77f-40f7-b755-8286a6e0b93a" providerId="AD" clId="Web-{37B229F7-8667-E45D-5224-775EABC887EB}" dt="2022-12-02T16:32:32.973" v="365"/>
+          <ac:spMkLst>
+            <pc:docMk/>
+            <pc:sldMk cId="2727639725" sldId="297"/>
+            <ac:spMk id="33" creationId="{5D6C15A0-C087-4593-8414-2B4EC1CDC3DE}"/>
+          </ac:spMkLst>
+        </pc:spChg>
+        <pc:spChg chg="add">
+          <ac:chgData name="Kelly Marques" userId="S::1397012@sga.pucminas.br::e60ab76c-a77f-40f7-b755-8286a6e0b93a" providerId="AD" clId="Web-{37B229F7-8667-E45D-5224-775EABC887EB}" dt="2022-12-02T16:32:32.973" v="365"/>
+          <ac:spMkLst>
+            <pc:docMk/>
+            <pc:sldMk cId="2727639725" sldId="297"/>
+            <ac:spMk id="38" creationId="{C05CBC3C-2E5A-4839-8B9B-2E5A6ADF0F58}"/>
+          </ac:spMkLst>
+        </pc:spChg>
+        <pc:spChg chg="add">
+          <ac:chgData name="Kelly Marques" userId="S::1397012@sga.pucminas.br::e60ab76c-a77f-40f7-b755-8286a6e0b93a" providerId="AD" clId="Web-{37B229F7-8667-E45D-5224-775EABC887EB}" dt="2022-12-02T16:32:32.973" v="365"/>
+          <ac:spMkLst>
+            <pc:docMk/>
+            <pc:sldMk cId="2727639725" sldId="297"/>
+            <ac:spMk id="40" creationId="{827FF362-FC97-4BF5-949B-D4ADFA26E457}"/>
+          </ac:spMkLst>
+        </pc:spChg>
+        <pc:grpChg chg="del">
+          <ac:chgData name="Kelly Marques" userId="S::1397012@sga.pucminas.br::e60ab76c-a77f-40f7-b755-8286a6e0b93a" providerId="AD" clId="Web-{37B229F7-8667-E45D-5224-775EABC887EB}" dt="2022-12-02T16:32:22.488" v="362"/>
+          <ac:grpSpMkLst>
+            <pc:docMk/>
+            <pc:sldMk cId="2727639725" sldId="297"/>
+            <ac:grpSpMk id="23" creationId="{AE1C45F0-260A-458C-96ED-C1F6D2151219}"/>
+          </ac:grpSpMkLst>
+        </pc:grpChg>
+        <pc:cxnChg chg="del">
+          <ac:chgData name="Kelly Marques" userId="S::1397012@sga.pucminas.br::e60ab76c-a77f-40f7-b755-8286a6e0b93a" providerId="AD" clId="Web-{37B229F7-8667-E45D-5224-775EABC887EB}" dt="2022-12-02T16:32:22.488" v="362"/>
+          <ac:cxnSpMkLst>
+            <pc:docMk/>
+            <pc:sldMk cId="2727639725" sldId="297"/>
+            <ac:cxnSpMk id="26" creationId="{6CF1BAF6-AD41-4082-B212-8A1F9A2E8779}"/>
+          </ac:cxnSpMkLst>
+        </pc:cxnChg>
+      </pc:sldChg>
+      <pc:sldChg chg="addSp delSp modSp">
+        <pc:chgData name="Kelly Marques" userId="S::1397012@sga.pucminas.br::e60ab76c-a77f-40f7-b755-8286a6e0b93a" providerId="AD" clId="Web-{37B229F7-8667-E45D-5224-775EABC887EB}" dt="2022-12-02T16:32:38.723" v="366"/>
+        <pc:sldMkLst>
+          <pc:docMk/>
+          <pc:sldMk cId="3104000574" sldId="298"/>
+        </pc:sldMkLst>
+        <pc:spChg chg="mod">
+          <ac:chgData name="Kelly Marques" userId="S::1397012@sga.pucminas.br::e60ab76c-a77f-40f7-b755-8286a6e0b93a" providerId="AD" clId="Web-{37B229F7-8667-E45D-5224-775EABC887EB}" dt="2022-12-02T16:32:38.723" v="366"/>
+          <ac:spMkLst>
+            <pc:docMk/>
+            <pc:sldMk cId="3104000574" sldId="298"/>
+            <ac:spMk id="2" creationId="{47DA741D-7571-8BD8-2005-E539AFE5B8D1}"/>
+          </ac:spMkLst>
+        </pc:spChg>
+        <pc:spChg chg="mod">
+          <ac:chgData name="Kelly Marques" userId="S::1397012@sga.pucminas.br::e60ab76c-a77f-40f7-b755-8286a6e0b93a" providerId="AD" clId="Web-{37B229F7-8667-E45D-5224-775EABC887EB}" dt="2022-12-02T16:32:38.723" v="366"/>
+          <ac:spMkLst>
+            <pc:docMk/>
+            <pc:sldMk cId="3104000574" sldId="298"/>
+            <ac:spMk id="3" creationId="{EE114D47-0E6B-8A69-3A30-26904E21DDE5}"/>
+          </ac:spMkLst>
+        </pc:spChg>
+        <pc:spChg chg="del">
+          <ac:chgData name="Kelly Marques" userId="S::1397012@sga.pucminas.br::e60ab76c-a77f-40f7-b755-8286a6e0b93a" providerId="AD" clId="Web-{37B229F7-8667-E45D-5224-775EABC887EB}" dt="2022-12-02T16:32:38.723" v="366"/>
+          <ac:spMkLst>
+            <pc:docMk/>
+            <pc:sldMk cId="3104000574" sldId="298"/>
+            <ac:spMk id="22" creationId="{B6CDA21F-E7AF-4C75-8395-33F58D5B0E45}"/>
+          </ac:spMkLst>
+        </pc:spChg>
+        <pc:spChg chg="del">
+          <ac:chgData name="Kelly Marques" userId="S::1397012@sga.pucminas.br::e60ab76c-a77f-40f7-b755-8286a6e0b93a" providerId="AD" clId="Web-{37B229F7-8667-E45D-5224-775EABC887EB}" dt="2022-12-02T16:32:38.723" v="366"/>
+          <ac:spMkLst>
+            <pc:docMk/>
+            <pc:sldMk cId="3104000574" sldId="298"/>
+            <ac:spMk id="25" creationId="{D5B0017B-2ECA-49AF-B397-DC140825DF8D}"/>
+          </ac:spMkLst>
+        </pc:spChg>
+        <pc:spChg chg="add">
+          <ac:chgData name="Kelly Marques" userId="S::1397012@sga.pucminas.br::e60ab76c-a77f-40f7-b755-8286a6e0b93a" providerId="AD" clId="Web-{37B229F7-8667-E45D-5224-775EABC887EB}" dt="2022-12-02T16:32:38.723" v="366"/>
+          <ac:spMkLst>
+            <pc:docMk/>
+            <pc:sldMk cId="3104000574" sldId="298"/>
+            <ac:spMk id="31" creationId="{C05CBC3C-2E5A-4839-8B9B-2E5A6ADF0F58}"/>
+          </ac:spMkLst>
+        </pc:spChg>
+        <pc:spChg chg="add">
+          <ac:chgData name="Kelly Marques" userId="S::1397012@sga.pucminas.br::e60ab76c-a77f-40f7-b755-8286a6e0b93a" providerId="AD" clId="Web-{37B229F7-8667-E45D-5224-775EABC887EB}" dt="2022-12-02T16:32:38.723" v="366"/>
+          <ac:spMkLst>
+            <pc:docMk/>
+            <pc:sldMk cId="3104000574" sldId="298"/>
+            <ac:spMk id="33" creationId="{827FF362-FC97-4BF5-949B-D4ADFA26E457}"/>
+          </ac:spMkLst>
+        </pc:spChg>
+        <pc:grpChg chg="del">
+          <ac:chgData name="Kelly Marques" userId="S::1397012@sga.pucminas.br::e60ab76c-a77f-40f7-b755-8286a6e0b93a" providerId="AD" clId="Web-{37B229F7-8667-E45D-5224-775EABC887EB}" dt="2022-12-02T16:32:38.723" v="366"/>
+          <ac:grpSpMkLst>
+            <pc:docMk/>
+            <pc:sldMk cId="3104000574" sldId="298"/>
+            <ac:grpSpMk id="23" creationId="{AE1C45F0-260A-458C-96ED-C1F6D2151219}"/>
+          </ac:grpSpMkLst>
+        </pc:grpChg>
+        <pc:cxnChg chg="del">
+          <ac:chgData name="Kelly Marques" userId="S::1397012@sga.pucminas.br::e60ab76c-a77f-40f7-b755-8286a6e0b93a" providerId="AD" clId="Web-{37B229F7-8667-E45D-5224-775EABC887EB}" dt="2022-12-02T16:32:38.723" v="366"/>
+          <ac:cxnSpMkLst>
+            <pc:docMk/>
+            <pc:sldMk cId="3104000574" sldId="298"/>
+            <ac:cxnSpMk id="26" creationId="{6CF1BAF6-AD41-4082-B212-8A1F9A2E8779}"/>
+          </ac:cxnSpMkLst>
+        </pc:cxnChg>
+      </pc:sldChg>
+      <pc:sldChg chg="addSp delSp modSp">
+        <pc:chgData name="Kelly Marques" userId="S::1397012@sga.pucminas.br::e60ab76c-a77f-40f7-b755-8286a6e0b93a" providerId="AD" clId="Web-{37B229F7-8667-E45D-5224-775EABC887EB}" dt="2022-12-02T16:31:19.033" v="353" actId="1076"/>
+        <pc:sldMkLst>
+          <pc:docMk/>
+          <pc:sldMk cId="3244081491" sldId="299"/>
+        </pc:sldMkLst>
+        <pc:spChg chg="mod">
+          <ac:chgData name="Kelly Marques" userId="S::1397012@sga.pucminas.br::e60ab76c-a77f-40f7-b755-8286a6e0b93a" providerId="AD" clId="Web-{37B229F7-8667-E45D-5224-775EABC887EB}" dt="2022-12-02T16:31:19.033" v="353" actId="1076"/>
+          <ac:spMkLst>
+            <pc:docMk/>
+            <pc:sldMk cId="3244081491" sldId="299"/>
+            <ac:spMk id="2" creationId="{47DA741D-7571-8BD8-2005-E539AFE5B8D1}"/>
+          </ac:spMkLst>
+        </pc:spChg>
+        <pc:spChg chg="mod">
+          <ac:chgData name="Kelly Marques" userId="S::1397012@sga.pucminas.br::e60ab76c-a77f-40f7-b755-8286a6e0b93a" providerId="AD" clId="Web-{37B229F7-8667-E45D-5224-775EABC887EB}" dt="2022-12-02T16:31:12.768" v="352"/>
+          <ac:spMkLst>
+            <pc:docMk/>
+            <pc:sldMk cId="3244081491" sldId="299"/>
+            <ac:spMk id="3" creationId="{EE114D47-0E6B-8A69-3A30-26904E21DDE5}"/>
+          </ac:spMkLst>
+        </pc:spChg>
+        <pc:spChg chg="del">
+          <ac:chgData name="Kelly Marques" userId="S::1397012@sga.pucminas.br::e60ab76c-a77f-40f7-b755-8286a6e0b93a" providerId="AD" clId="Web-{37B229F7-8667-E45D-5224-775EABC887EB}" dt="2022-12-02T16:30:42.001" v="347"/>
+          <ac:spMkLst>
+            <pc:docMk/>
+            <pc:sldMk cId="3244081491" sldId="299"/>
+            <ac:spMk id="22" creationId="{B6CDA21F-E7AF-4C75-8395-33F58D5B0E45}"/>
+          </ac:spMkLst>
+        </pc:spChg>
+        <pc:spChg chg="del">
+          <ac:chgData name="Kelly Marques" userId="S::1397012@sga.pucminas.br::e60ab76c-a77f-40f7-b755-8286a6e0b93a" providerId="AD" clId="Web-{37B229F7-8667-E45D-5224-775EABC887EB}" dt="2022-12-02T16:30:42.001" v="347"/>
+          <ac:spMkLst>
+            <pc:docMk/>
+            <pc:sldMk cId="3244081491" sldId="299"/>
+            <ac:spMk id="25" creationId="{D5B0017B-2ECA-49AF-B397-DC140825DF8D}"/>
+          </ac:spMkLst>
+        </pc:spChg>
+        <pc:spChg chg="add del">
+          <ac:chgData name="Kelly Marques" userId="S::1397012@sga.pucminas.br::e60ab76c-a77f-40f7-b755-8286a6e0b93a" providerId="AD" clId="Web-{37B229F7-8667-E45D-5224-775EABC887EB}" dt="2022-12-02T16:31:12.768" v="352"/>
+          <ac:spMkLst>
+            <pc:docMk/>
+            <pc:sldMk cId="3244081491" sldId="299"/>
+            <ac:spMk id="32" creationId="{F13C74B1-5B17-4795-BED0-7140497B445A}"/>
+          </ac:spMkLst>
+        </pc:spChg>
+        <pc:spChg chg="add del">
+          <ac:chgData name="Kelly Marques" userId="S::1397012@sga.pucminas.br::e60ab76c-a77f-40f7-b755-8286a6e0b93a" providerId="AD" clId="Web-{37B229F7-8667-E45D-5224-775EABC887EB}" dt="2022-12-02T16:31:12.768" v="352"/>
+          <ac:spMkLst>
+            <pc:docMk/>
+            <pc:sldMk cId="3244081491" sldId="299"/>
+            <ac:spMk id="34" creationId="{D4974D33-8DC5-464E-8C6D-BE58F0669C17}"/>
+          </ac:spMkLst>
+        </pc:spChg>
+        <pc:spChg chg="add">
+          <ac:chgData name="Kelly Marques" userId="S::1397012@sga.pucminas.br::e60ab76c-a77f-40f7-b755-8286a6e0b93a" providerId="AD" clId="Web-{37B229F7-8667-E45D-5224-775EABC887EB}" dt="2022-12-02T16:31:12.768" v="352"/>
+          <ac:spMkLst>
+            <pc:docMk/>
+            <pc:sldMk cId="3244081491" sldId="299"/>
+            <ac:spMk id="39" creationId="{743AA782-23D1-4521-8CAD-47662984AA08}"/>
+          </ac:spMkLst>
+        </pc:spChg>
+        <pc:spChg chg="add">
+          <ac:chgData name="Kelly Marques" userId="S::1397012@sga.pucminas.br::e60ab76c-a77f-40f7-b755-8286a6e0b93a" providerId="AD" clId="Web-{37B229F7-8667-E45D-5224-775EABC887EB}" dt="2022-12-02T16:31:12.768" v="352"/>
+          <ac:spMkLst>
+            <pc:docMk/>
+            <pc:sldMk cId="3244081491" sldId="299"/>
+            <ac:spMk id="41" creationId="{71877DBC-BB60-40F0-AC93-2ACDBAAE60CE}"/>
+          </ac:spMkLst>
+        </pc:spChg>
+        <pc:grpChg chg="del">
+          <ac:chgData name="Kelly Marques" userId="S::1397012@sga.pucminas.br::e60ab76c-a77f-40f7-b755-8286a6e0b93a" providerId="AD" clId="Web-{37B229F7-8667-E45D-5224-775EABC887EB}" dt="2022-12-02T16:30:42.001" v="347"/>
+          <ac:grpSpMkLst>
+            <pc:docMk/>
+            <pc:sldMk cId="3244081491" sldId="299"/>
+            <ac:grpSpMk id="23" creationId="{AE1C45F0-260A-458C-96ED-C1F6D2151219}"/>
+          </ac:grpSpMkLst>
+        </pc:grpChg>
+        <pc:picChg chg="add mod">
+          <ac:chgData name="Kelly Marques" userId="S::1397012@sga.pucminas.br::e60ab76c-a77f-40f7-b755-8286a6e0b93a" providerId="AD" clId="Web-{37B229F7-8667-E45D-5224-775EABC887EB}" dt="2022-12-02T16:31:12.768" v="352"/>
+          <ac:picMkLst>
+            <pc:docMk/>
+            <pc:sldMk cId="3244081491" sldId="299"/>
+            <ac:picMk id="28" creationId="{C184A116-8237-1972-A7F2-AE633C210AF4}"/>
+          </ac:picMkLst>
+        </pc:picChg>
+        <pc:cxnChg chg="del">
+          <ac:chgData name="Kelly Marques" userId="S::1397012@sga.pucminas.br::e60ab76c-a77f-40f7-b755-8286a6e0b93a" providerId="AD" clId="Web-{37B229F7-8667-E45D-5224-775EABC887EB}" dt="2022-12-02T16:30:42.001" v="347"/>
+          <ac:cxnSpMkLst>
+            <pc:docMk/>
+            <pc:sldMk cId="3244081491" sldId="299"/>
+            <ac:cxnSpMk id="26" creationId="{6CF1BAF6-AD41-4082-B212-8A1F9A2E8779}"/>
+          </ac:cxnSpMkLst>
+        </pc:cxnChg>
+      </pc:sldChg>
+      <pc:sldChg chg="modSp add del replId">
+        <pc:chgData name="Kelly Marques" userId="S::1397012@sga.pucminas.br::e60ab76c-a77f-40f7-b755-8286a6e0b93a" providerId="AD" clId="Web-{37B229F7-8667-E45D-5224-775EABC887EB}" dt="2022-12-02T15:39:16.935" v="7"/>
+        <pc:sldMkLst>
+          <pc:docMk/>
+          <pc:sldMk cId="1622436482" sldId="300"/>
+        </pc:sldMkLst>
+        <pc:spChg chg="mod">
+          <ac:chgData name="Kelly Marques" userId="S::1397012@sga.pucminas.br::e60ab76c-a77f-40f7-b755-8286a6e0b93a" providerId="AD" clId="Web-{37B229F7-8667-E45D-5224-775EABC887EB}" dt="2022-12-02T15:39:15.184" v="4" actId="1076"/>
+          <ac:spMkLst>
+            <pc:docMk/>
+            <pc:sldMk cId="1622436482" sldId="300"/>
+            <ac:spMk id="2" creationId="{42A502EF-5B0D-DDA1-15BE-046D93F687B5}"/>
+          </ac:spMkLst>
+        </pc:spChg>
+      </pc:sldChg>
+      <pc:sldChg chg="addSp delSp modSp add replId">
+        <pc:chgData name="Kelly Marques" userId="S::1397012@sga.pucminas.br::e60ab76c-a77f-40f7-b755-8286a6e0b93a" providerId="AD" clId="Web-{37B229F7-8667-E45D-5224-775EABC887EB}" dt="2022-12-02T15:55:46.594" v="211" actId="1076"/>
+        <pc:sldMkLst>
+          <pc:docMk/>
+          <pc:sldMk cId="1899196696" sldId="300"/>
+        </pc:sldMkLst>
+        <pc:spChg chg="mod">
+          <ac:chgData name="Kelly Marques" userId="S::1397012@sga.pucminas.br::e60ab76c-a77f-40f7-b755-8286a6e0b93a" providerId="AD" clId="Web-{37B229F7-8667-E45D-5224-775EABC887EB}" dt="2022-12-02T15:55:46.594" v="211" actId="1076"/>
+          <ac:spMkLst>
+            <pc:docMk/>
+            <pc:sldMk cId="1899196696" sldId="300"/>
+            <ac:spMk id="2" creationId="{42A502EF-5B0D-DDA1-15BE-046D93F687B5}"/>
+          </ac:spMkLst>
+        </pc:spChg>
+        <pc:spChg chg="del">
+          <ac:chgData name="Kelly Marques" userId="S::1397012@sga.pucminas.br::e60ab76c-a77f-40f7-b755-8286a6e0b93a" providerId="AD" clId="Web-{37B229F7-8667-E45D-5224-775EABC887EB}" dt="2022-12-02T15:48:44.204" v="95"/>
+          <ac:spMkLst>
+            <pc:docMk/>
+            <pc:sldMk cId="1899196696" sldId="300"/>
+            <ac:spMk id="66" creationId="{56E9B3E6-E277-4D68-BA48-9CB43FFBD6E2}"/>
+          </ac:spMkLst>
+        </pc:spChg>
+        <pc:spChg chg="del">
+          <ac:chgData name="Kelly Marques" userId="S::1397012@sga.pucminas.br::e60ab76c-a77f-40f7-b755-8286a6e0b93a" providerId="AD" clId="Web-{37B229F7-8667-E45D-5224-775EABC887EB}" dt="2022-12-02T15:48:44.204" v="95"/>
+          <ac:spMkLst>
+            <pc:docMk/>
+            <pc:sldMk cId="1899196696" sldId="300"/>
+            <ac:spMk id="73" creationId="{D5B0017B-2ECA-49AF-B397-DC140825DF8D}"/>
+          </ac:spMkLst>
+        </pc:spChg>
+        <pc:spChg chg="del">
+          <ac:chgData name="Kelly Marques" userId="S::1397012@sga.pucminas.br::e60ab76c-a77f-40f7-b755-8286a6e0b93a" providerId="AD" clId="Web-{37B229F7-8667-E45D-5224-775EABC887EB}" dt="2022-12-02T15:47:35.702" v="88"/>
+          <ac:spMkLst>
+            <pc:docMk/>
+            <pc:sldMk cId="1899196696" sldId="300"/>
+            <ac:spMk id="117" creationId="{2EF38B55-93F3-A25B-6F38-1170C68B5110}"/>
+          </ac:spMkLst>
+        </pc:spChg>
+        <pc:spChg chg="del">
+          <ac:chgData name="Kelly Marques" userId="S::1397012@sga.pucminas.br::e60ab76c-a77f-40f7-b755-8286a6e0b93a" providerId="AD" clId="Web-{37B229F7-8667-E45D-5224-775EABC887EB}" dt="2022-12-02T15:50:28.099" v="150"/>
+          <ac:spMkLst>
+            <pc:docMk/>
+            <pc:sldMk cId="1899196696" sldId="300"/>
+            <ac:spMk id="118" creationId="{D882115C-6BFA-C9AC-0B4B-42ACEC5DAAFF}"/>
+          </ac:spMkLst>
+        </pc:spChg>
+        <pc:spChg chg="add mod">
+          <ac:chgData name="Kelly Marques" userId="S::1397012@sga.pucminas.br::e60ab76c-a77f-40f7-b755-8286a6e0b93a" providerId="AD" clId="Web-{37B229F7-8667-E45D-5224-775EABC887EB}" dt="2022-12-02T15:55:30.109" v="208" actId="1076"/>
+          <ac:spMkLst>
+            <pc:docMk/>
+            <pc:sldMk cId="1899196696" sldId="300"/>
+            <ac:spMk id="122" creationId="{A20ED0D4-92B2-DD24-F49E-79148F607876}"/>
+          </ac:spMkLst>
+        </pc:spChg>
+        <pc:spChg chg="add">
+          <ac:chgData name="Kelly Marques" userId="S::1397012@sga.pucminas.br::e60ab76c-a77f-40f7-b755-8286a6e0b93a" providerId="AD" clId="Web-{37B229F7-8667-E45D-5224-775EABC887EB}" dt="2022-12-02T15:48:44.204" v="95"/>
+          <ac:spMkLst>
+            <pc:docMk/>
+            <pc:sldMk cId="1899196696" sldId="300"/>
+            <ac:spMk id="125" creationId="{2B97F24A-32CE-4C1C-A50D-3016B394DCFB}"/>
+          </ac:spMkLst>
+        </pc:spChg>
+        <pc:spChg chg="add">
+          <ac:chgData name="Kelly Marques" userId="S::1397012@sga.pucminas.br::e60ab76c-a77f-40f7-b755-8286a6e0b93a" providerId="AD" clId="Web-{37B229F7-8667-E45D-5224-775EABC887EB}" dt="2022-12-02T15:48:44.204" v="95"/>
+          <ac:spMkLst>
+            <pc:docMk/>
+            <pc:sldMk cId="1899196696" sldId="300"/>
+            <ac:spMk id="127" creationId="{CD8B4F24-440B-49E9-B85D-733523DC064B}"/>
+          </ac:spMkLst>
+        </pc:spChg>
+        <pc:grpChg chg="del">
+          <ac:chgData name="Kelly Marques" userId="S::1397012@sga.pucminas.br::e60ab76c-a77f-40f7-b755-8286a6e0b93a" providerId="AD" clId="Web-{37B229F7-8667-E45D-5224-775EABC887EB}" dt="2022-12-02T15:48:44.204" v="95"/>
+          <ac:grpSpMkLst>
+            <pc:docMk/>
+            <pc:sldMk cId="1899196696" sldId="300"/>
+            <ac:grpSpMk id="68" creationId="{AE1C45F0-260A-458C-96ED-C1F6D2151219}"/>
+          </ac:grpSpMkLst>
+        </pc:grpChg>
+        <pc:picChg chg="add mod ord">
+          <ac:chgData name="Kelly Marques" userId="S::1397012@sga.pucminas.br::e60ab76c-a77f-40f7-b755-8286a6e0b93a" providerId="AD" clId="Web-{37B229F7-8667-E45D-5224-775EABC887EB}" dt="2022-12-02T15:48:44.204" v="95"/>
+          <ac:picMkLst>
+            <pc:docMk/>
+            <pc:sldMk cId="1899196696" sldId="300"/>
+            <ac:picMk id="3" creationId="{718AA734-1CDE-8750-8376-40E2C3D298D3}"/>
+          </ac:picMkLst>
+        </pc:picChg>
+        <pc:cxnChg chg="del">
+          <ac:chgData name="Kelly Marques" userId="S::1397012@sga.pucminas.br::e60ab76c-a77f-40f7-b755-8286a6e0b93a" providerId="AD" clId="Web-{37B229F7-8667-E45D-5224-775EABC887EB}" dt="2022-12-02T15:48:44.204" v="95"/>
+          <ac:cxnSpMkLst>
+            <pc:docMk/>
+            <pc:sldMk cId="1899196696" sldId="300"/>
+            <ac:cxnSpMk id="75" creationId="{6CF1BAF6-AD41-4082-B212-8A1F9A2E8779}"/>
+          </ac:cxnSpMkLst>
+        </pc:cxnChg>
+      </pc:sldChg>
+      <pc:sldChg chg="addSp delSp modSp add replId">
+        <pc:chgData name="Kelly Marques" userId="S::1397012@sga.pucminas.br::e60ab76c-a77f-40f7-b755-8286a6e0b93a" providerId="AD" clId="Web-{37B229F7-8667-E45D-5224-775EABC887EB}" dt="2022-12-02T16:41:26.739" v="454" actId="14100"/>
+        <pc:sldMkLst>
+          <pc:docMk/>
+          <pc:sldMk cId="150605408" sldId="301"/>
+        </pc:sldMkLst>
+        <pc:spChg chg="mod">
+          <ac:chgData name="Kelly Marques" userId="S::1397012@sga.pucminas.br::e60ab76c-a77f-40f7-b755-8286a6e0b93a" providerId="AD" clId="Web-{37B229F7-8667-E45D-5224-775EABC887EB}" dt="2022-12-02T16:41:23.520" v="453"/>
+          <ac:spMkLst>
+            <pc:docMk/>
+            <pc:sldMk cId="150605408" sldId="301"/>
+            <ac:spMk id="2" creationId="{42A502EF-5B0D-DDA1-15BE-046D93F687B5}"/>
+          </ac:spMkLst>
+        </pc:spChg>
+        <pc:spChg chg="add mod ord">
+          <ac:chgData name="Kelly Marques" userId="S::1397012@sga.pucminas.br::e60ab76c-a77f-40f7-b755-8286a6e0b93a" providerId="AD" clId="Web-{37B229F7-8667-E45D-5224-775EABC887EB}" dt="2022-12-02T16:41:23.520" v="453"/>
+          <ac:spMkLst>
+            <pc:docMk/>
+            <pc:sldMk cId="150605408" sldId="301"/>
+            <ac:spMk id="4" creationId="{A1F3D054-B039-0108-216E-4D604C62FFC9}"/>
+          </ac:spMkLst>
+        </pc:spChg>
+        <pc:spChg chg="del">
+          <ac:chgData name="Kelly Marques" userId="S::1397012@sga.pucminas.br::e60ab76c-a77f-40f7-b755-8286a6e0b93a" providerId="AD" clId="Web-{37B229F7-8667-E45D-5224-775EABC887EB}" dt="2022-12-02T16:41:23.520" v="453"/>
+          <ac:spMkLst>
+            <pc:docMk/>
+            <pc:sldMk cId="150605408" sldId="301"/>
+            <ac:spMk id="66" creationId="{56E9B3E6-E277-4D68-BA48-9CB43FFBD6E2}"/>
+          </ac:spMkLst>
+        </pc:spChg>
+        <pc:spChg chg="del">
+          <ac:chgData name="Kelly Marques" userId="S::1397012@sga.pucminas.br::e60ab76c-a77f-40f7-b755-8286a6e0b93a" providerId="AD" clId="Web-{37B229F7-8667-E45D-5224-775EABC887EB}" dt="2022-12-02T16:41:23.520" v="453"/>
+          <ac:spMkLst>
+            <pc:docMk/>
+            <pc:sldMk cId="150605408" sldId="301"/>
+            <ac:spMk id="73" creationId="{D5B0017B-2ECA-49AF-B397-DC140825DF8D}"/>
+          </ac:spMkLst>
+        </pc:spChg>
+        <pc:spChg chg="del">
+          <ac:chgData name="Kelly Marques" userId="S::1397012@sga.pucminas.br::e60ab76c-a77f-40f7-b755-8286a6e0b93a" providerId="AD" clId="Web-{37B229F7-8667-E45D-5224-775EABC887EB}" dt="2022-12-02T15:52:03.508" v="164"/>
+          <ac:spMkLst>
+            <pc:docMk/>
+            <pc:sldMk cId="150605408" sldId="301"/>
+            <ac:spMk id="117" creationId="{2EF38B55-93F3-A25B-6F38-1170C68B5110}"/>
+          </ac:spMkLst>
+        </pc:spChg>
+        <pc:spChg chg="add">
+          <ac:chgData name="Kelly Marques" userId="S::1397012@sga.pucminas.br::e60ab76c-a77f-40f7-b755-8286a6e0b93a" providerId="AD" clId="Web-{37B229F7-8667-E45D-5224-775EABC887EB}" dt="2022-12-02T16:41:23.520" v="453"/>
+          <ac:spMkLst>
+            <pc:docMk/>
+            <pc:sldMk cId="150605408" sldId="301"/>
+            <ac:spMk id="123" creationId="{32AEEBC8-9D30-42EF-95F2-386C2653FBF0}"/>
+          </ac:spMkLst>
+        </pc:spChg>
+        <pc:spChg chg="add">
+          <ac:chgData name="Kelly Marques" userId="S::1397012@sga.pucminas.br::e60ab76c-a77f-40f7-b755-8286a6e0b93a" providerId="AD" clId="Web-{37B229F7-8667-E45D-5224-775EABC887EB}" dt="2022-12-02T16:41:23.520" v="453"/>
+          <ac:spMkLst>
+            <pc:docMk/>
+            <pc:sldMk cId="150605408" sldId="301"/>
+            <ac:spMk id="125" creationId="{2E92FA66-67D7-4CB4-94D3-E643A9AD4757}"/>
+          </ac:spMkLst>
+        </pc:spChg>
+        <pc:grpChg chg="del">
+          <ac:chgData name="Kelly Marques" userId="S::1397012@sga.pucminas.br::e60ab76c-a77f-40f7-b755-8286a6e0b93a" providerId="AD" clId="Web-{37B229F7-8667-E45D-5224-775EABC887EB}" dt="2022-12-02T16:41:23.520" v="453"/>
+          <ac:grpSpMkLst>
+            <pc:docMk/>
+            <pc:sldMk cId="150605408" sldId="301"/>
+            <ac:grpSpMk id="68" creationId="{AE1C45F0-260A-458C-96ED-C1F6D2151219}"/>
+          </ac:grpSpMkLst>
+        </pc:grpChg>
+        <pc:picChg chg="add mod ord">
+          <ac:chgData name="Kelly Marques" userId="S::1397012@sga.pucminas.br::e60ab76c-a77f-40f7-b755-8286a6e0b93a" providerId="AD" clId="Web-{37B229F7-8667-E45D-5224-775EABC887EB}" dt="2022-12-02T16:41:26.739" v="454" actId="14100"/>
+          <ac:picMkLst>
+            <pc:docMk/>
+            <pc:sldMk cId="150605408" sldId="301"/>
+            <ac:picMk id="3" creationId="{C40F36FA-1D0E-63C4-C99A-B6283EC1C053}"/>
+          </ac:picMkLst>
+        </pc:picChg>
+        <pc:cxnChg chg="del">
+          <ac:chgData name="Kelly Marques" userId="S::1397012@sga.pucminas.br::e60ab76c-a77f-40f7-b755-8286a6e0b93a" providerId="AD" clId="Web-{37B229F7-8667-E45D-5224-775EABC887EB}" dt="2022-12-02T16:41:23.520" v="453"/>
+          <ac:cxnSpMkLst>
+            <pc:docMk/>
+            <pc:sldMk cId="150605408" sldId="301"/>
+            <ac:cxnSpMk id="75" creationId="{6CF1BAF6-AD41-4082-B212-8A1F9A2E8779}"/>
+          </ac:cxnSpMkLst>
+        </pc:cxnChg>
+      </pc:sldChg>
+      <pc:sldChg chg="add del replId">
+        <pc:chgData name="Kelly Marques" userId="S::1397012@sga.pucminas.br::e60ab76c-a77f-40f7-b755-8286a6e0b93a" providerId="AD" clId="Web-{37B229F7-8667-E45D-5224-775EABC887EB}" dt="2022-12-02T15:39:16.466" v="6"/>
+        <pc:sldMkLst>
+          <pc:docMk/>
+          <pc:sldMk cId="1570477393" sldId="301"/>
+        </pc:sldMkLst>
+      </pc:sldChg>
+      <pc:sldChg chg="add del replId">
+        <pc:chgData name="Kelly Marques" userId="S::1397012@sga.pucminas.br::e60ab76c-a77f-40f7-b755-8286a6e0b93a" providerId="AD" clId="Web-{37B229F7-8667-E45D-5224-775EABC887EB}" dt="2022-12-02T15:39:15.684" v="5"/>
+        <pc:sldMkLst>
+          <pc:docMk/>
+          <pc:sldMk cId="684731180" sldId="302"/>
+        </pc:sldMkLst>
+      </pc:sldChg>
+      <pc:sldChg chg="addSp delSp modSp add ord replId">
+        <pc:chgData name="Kelly Marques" userId="S::1397012@sga.pucminas.br::e60ab76c-a77f-40f7-b755-8286a6e0b93a" providerId="AD" clId="Web-{37B229F7-8667-E45D-5224-775EABC887EB}" dt="2022-12-02T16:41:00.941" v="452" actId="20577"/>
+        <pc:sldMkLst>
+          <pc:docMk/>
+          <pc:sldMk cId="1139981739" sldId="302"/>
+        </pc:sldMkLst>
+        <pc:spChg chg="mod">
+          <ac:chgData name="Kelly Marques" userId="S::1397012@sga.pucminas.br::e60ab76c-a77f-40f7-b755-8286a6e0b93a" providerId="AD" clId="Web-{37B229F7-8667-E45D-5224-775EABC887EB}" dt="2022-12-02T16:40:53.253" v="450"/>
+          <ac:spMkLst>
+            <pc:docMk/>
+            <pc:sldMk cId="1139981739" sldId="302"/>
+            <ac:spMk id="2" creationId="{42A502EF-5B0D-DDA1-15BE-046D93F687B5}"/>
+          </ac:spMkLst>
+        </pc:spChg>
+        <pc:spChg chg="add mod ord">
+          <ac:chgData name="Kelly Marques" userId="S::1397012@sga.pucminas.br::e60ab76c-a77f-40f7-b755-8286a6e0b93a" providerId="AD" clId="Web-{37B229F7-8667-E45D-5224-775EABC887EB}" dt="2022-12-02T16:41:00.941" v="452" actId="20577"/>
+          <ac:spMkLst>
+            <pc:docMk/>
+            <pc:sldMk cId="1139981739" sldId="302"/>
+            <ac:spMk id="4" creationId="{B01107AD-772C-2EC9-C0F9-2D876AE1A206}"/>
+          </ac:spMkLst>
+        </pc:spChg>
+        <pc:spChg chg="del">
+          <ac:chgData name="Kelly Marques" userId="S::1397012@sga.pucminas.br::e60ab76c-a77f-40f7-b755-8286a6e0b93a" providerId="AD" clId="Web-{37B229F7-8667-E45D-5224-775EABC887EB}" dt="2022-12-02T16:40:53.253" v="450"/>
+          <ac:spMkLst>
+            <pc:docMk/>
+            <pc:sldMk cId="1139981739" sldId="302"/>
+            <ac:spMk id="66" creationId="{56E9B3E6-E277-4D68-BA48-9CB43FFBD6E2}"/>
+          </ac:spMkLst>
+        </pc:spChg>
+        <pc:spChg chg="del">
+          <ac:chgData name="Kelly Marques" userId="S::1397012@sga.pucminas.br::e60ab76c-a77f-40f7-b755-8286a6e0b93a" providerId="AD" clId="Web-{37B229F7-8667-E45D-5224-775EABC887EB}" dt="2022-12-02T16:40:53.253" v="450"/>
+          <ac:spMkLst>
+            <pc:docMk/>
+            <pc:sldMk cId="1139981739" sldId="302"/>
+            <ac:spMk id="73" creationId="{D5B0017B-2ECA-49AF-B397-DC140825DF8D}"/>
+          </ac:spMkLst>
+        </pc:spChg>
+        <pc:spChg chg="del">
+          <ac:chgData name="Kelly Marques" userId="S::1397012@sga.pucminas.br::e60ab76c-a77f-40f7-b755-8286a6e0b93a" providerId="AD" clId="Web-{37B229F7-8667-E45D-5224-775EABC887EB}" dt="2022-12-02T15:39:41.873" v="11"/>
+          <ac:spMkLst>
+            <pc:docMk/>
+            <pc:sldMk cId="1139981739" sldId="302"/>
+            <ac:spMk id="117" creationId="{2EF38B55-93F3-A25B-6F38-1170C68B5110}"/>
+          </ac:spMkLst>
+        </pc:spChg>
+        <pc:spChg chg="add">
+          <ac:chgData name="Kelly Marques" userId="S::1397012@sga.pucminas.br::e60ab76c-a77f-40f7-b755-8286a6e0b93a" providerId="AD" clId="Web-{37B229F7-8667-E45D-5224-775EABC887EB}" dt="2022-12-02T16:40:53.253" v="450"/>
+          <ac:spMkLst>
+            <pc:docMk/>
+            <pc:sldMk cId="1139981739" sldId="302"/>
+            <ac:spMk id="123" creationId="{32AEEBC8-9D30-42EF-95F2-386C2653FBF0}"/>
+          </ac:spMkLst>
+        </pc:spChg>
+        <pc:spChg chg="add">
+          <ac:chgData name="Kelly Marques" userId="S::1397012@sga.pucminas.br::e60ab76c-a77f-40f7-b755-8286a6e0b93a" providerId="AD" clId="Web-{37B229F7-8667-E45D-5224-775EABC887EB}" dt="2022-12-02T16:40:53.253" v="450"/>
+          <ac:spMkLst>
+            <pc:docMk/>
+            <pc:sldMk cId="1139981739" sldId="302"/>
+            <ac:spMk id="125" creationId="{2E92FA66-67D7-4CB4-94D3-E643A9AD4757}"/>
+          </ac:spMkLst>
+        </pc:spChg>
+        <pc:grpChg chg="del">
+          <ac:chgData name="Kelly Marques" userId="S::1397012@sga.pucminas.br::e60ab76c-a77f-40f7-b755-8286a6e0b93a" providerId="AD" clId="Web-{37B229F7-8667-E45D-5224-775EABC887EB}" dt="2022-12-02T16:40:53.253" v="450"/>
+          <ac:grpSpMkLst>
+            <pc:docMk/>
+            <pc:sldMk cId="1139981739" sldId="302"/>
+            <ac:grpSpMk id="68" creationId="{AE1C45F0-260A-458C-96ED-C1F6D2151219}"/>
+          </ac:grpSpMkLst>
+        </pc:grpChg>
+        <pc:picChg chg="add mod ord">
+          <ac:chgData name="Kelly Marques" userId="S::1397012@sga.pucminas.br::e60ab76c-a77f-40f7-b755-8286a6e0b93a" providerId="AD" clId="Web-{37B229F7-8667-E45D-5224-775EABC887EB}" dt="2022-12-02T16:40:53.253" v="450"/>
+          <ac:picMkLst>
+            <pc:docMk/>
+            <pc:sldMk cId="1139981739" sldId="302"/>
+            <ac:picMk id="3" creationId="{42938B35-A0F1-EE50-0D2B-CC95AEF96339}"/>
+          </ac:picMkLst>
+        </pc:picChg>
+        <pc:cxnChg chg="del">
+          <ac:chgData name="Kelly Marques" userId="S::1397012@sga.pucminas.br::e60ab76c-a77f-40f7-b755-8286a6e0b93a" providerId="AD" clId="Web-{37B229F7-8667-E45D-5224-775EABC887EB}" dt="2022-12-02T16:40:53.253" v="450"/>
+          <ac:cxnSpMkLst>
+            <pc:docMk/>
+            <pc:sldMk cId="1139981739" sldId="302"/>
+            <ac:cxnSpMk id="75" creationId="{6CF1BAF6-AD41-4082-B212-8A1F9A2E8779}"/>
+          </ac:cxnSpMkLst>
+        </pc:cxnChg>
+      </pc:sldChg>
+      <pc:sldChg chg="addSp delSp modSp add replId">
+        <pc:chgData name="Kelly Marques" userId="S::1397012@sga.pucminas.br::e60ab76c-a77f-40f7-b755-8286a6e0b93a" providerId="AD" clId="Web-{37B229F7-8667-E45D-5224-775EABC887EB}" dt="2022-12-02T16:27:49.806" v="334" actId="1076"/>
+        <pc:sldMkLst>
+          <pc:docMk/>
+          <pc:sldMk cId="3407971302" sldId="303"/>
+        </pc:sldMkLst>
+        <pc:spChg chg="mod">
+          <ac:chgData name="Kelly Marques" userId="S::1397012@sga.pucminas.br::e60ab76c-a77f-40f7-b755-8286a6e0b93a" providerId="AD" clId="Web-{37B229F7-8667-E45D-5224-775EABC887EB}" dt="2022-12-02T16:27:34.493" v="332" actId="1076"/>
+          <ac:spMkLst>
+            <pc:docMk/>
+            <pc:sldMk cId="3407971302" sldId="303"/>
+            <ac:spMk id="2" creationId="{42A502EF-5B0D-DDA1-15BE-046D93F687B5}"/>
+          </ac:spMkLst>
+        </pc:spChg>
+        <pc:spChg chg="add del mod">
+          <ac:chgData name="Kelly Marques" userId="S::1397012@sga.pucminas.br::e60ab76c-a77f-40f7-b755-8286a6e0b93a" providerId="AD" clId="Web-{37B229F7-8667-E45D-5224-775EABC887EB}" dt="2022-12-02T16:24:55.739" v="316"/>
+          <ac:spMkLst>
+            <pc:docMk/>
+            <pc:sldMk cId="3407971302" sldId="303"/>
+            <ac:spMk id="4" creationId="{03C097D5-FEF7-EBFC-EDBF-CB81E7F16ECE}"/>
+          </ac:spMkLst>
+        </pc:spChg>
+        <pc:spChg chg="add del mod">
+          <ac:chgData name="Kelly Marques" userId="S::1397012@sga.pucminas.br::e60ab76c-a77f-40f7-b755-8286a6e0b93a" providerId="AD" clId="Web-{37B229F7-8667-E45D-5224-775EABC887EB}" dt="2022-12-02T16:26:39.023" v="321"/>
+          <ac:spMkLst>
+            <pc:docMk/>
+            <pc:sldMk cId="3407971302" sldId="303"/>
+            <ac:spMk id="6" creationId="{4D0C2A77-364F-867E-60CB-582CE294C80E}"/>
+          </ac:spMkLst>
+        </pc:spChg>
+        <pc:spChg chg="del">
+          <ac:chgData name="Kelly Marques" userId="S::1397012@sga.pucminas.br::e60ab76c-a77f-40f7-b755-8286a6e0b93a" providerId="AD" clId="Web-{37B229F7-8667-E45D-5224-775EABC887EB}" dt="2022-12-02T16:26:53.477" v="323"/>
+          <ac:spMkLst>
+            <pc:docMk/>
+            <pc:sldMk cId="3407971302" sldId="303"/>
+            <ac:spMk id="66" creationId="{56E9B3E6-E277-4D68-BA48-9CB43FFBD6E2}"/>
+          </ac:spMkLst>
+        </pc:spChg>
+        <pc:spChg chg="del">
+          <ac:chgData name="Kelly Marques" userId="S::1397012@sga.pucminas.br::e60ab76c-a77f-40f7-b755-8286a6e0b93a" providerId="AD" clId="Web-{37B229F7-8667-E45D-5224-775EABC887EB}" dt="2022-12-02T16:26:53.477" v="323"/>
+          <ac:spMkLst>
+            <pc:docMk/>
+            <pc:sldMk cId="3407971302" sldId="303"/>
+            <ac:spMk id="73" creationId="{D5B0017B-2ECA-49AF-B397-DC140825DF8D}"/>
+          </ac:spMkLst>
+        </pc:spChg>
+        <pc:spChg chg="del mod">
+          <ac:chgData name="Kelly Marques" userId="S::1397012@sga.pucminas.br::e60ab76c-a77f-40f7-b755-8286a6e0b93a" providerId="AD" clId="Web-{37B229F7-8667-E45D-5224-775EABC887EB}" dt="2022-12-02T16:04:34.409" v="315"/>
+          <ac:spMkLst>
+            <pc:docMk/>
+            <pc:sldMk cId="3407971302" sldId="303"/>
+            <ac:spMk id="117" creationId="{2EF38B55-93F3-A25B-6F38-1170C68B5110}"/>
+          </ac:spMkLst>
+        </pc:spChg>
+        <pc:spChg chg="ord">
+          <ac:chgData name="Kelly Marques" userId="S::1397012@sga.pucminas.br::e60ab76c-a77f-40f7-b755-8286a6e0b93a" providerId="AD" clId="Web-{37B229F7-8667-E45D-5224-775EABC887EB}" dt="2022-12-02T16:26:53.477" v="323"/>
+          <ac:spMkLst>
+            <pc:docMk/>
+            <pc:sldMk cId="3407971302" sldId="303"/>
+            <ac:spMk id="118" creationId="{D882115C-6BFA-C9AC-0B4B-42ACEC5DAAFF}"/>
+          </ac:spMkLst>
+        </pc:spChg>
+        <pc:spChg chg="add">
+          <ac:chgData name="Kelly Marques" userId="S::1397012@sga.pucminas.br::e60ab76c-a77f-40f7-b755-8286a6e0b93a" providerId="AD" clId="Web-{37B229F7-8667-E45D-5224-775EABC887EB}" dt="2022-12-02T16:26:53.477" v="323"/>
+          <ac:spMkLst>
+            <pc:docMk/>
+            <pc:sldMk cId="3407971302" sldId="303"/>
+            <ac:spMk id="123" creationId="{665DBBEF-238B-476B-96AB-8AAC3224ECEA}"/>
+          </ac:spMkLst>
+        </pc:spChg>
+        <pc:spChg chg="add">
+          <ac:chgData name="Kelly Marques" userId="S::1397012@sga.pucminas.br::e60ab76c-a77f-40f7-b755-8286a6e0b93a" providerId="AD" clId="Web-{37B229F7-8667-E45D-5224-775EABC887EB}" dt="2022-12-02T16:26:53.477" v="323"/>
+          <ac:spMkLst>
+            <pc:docMk/>
+            <pc:sldMk cId="3407971302" sldId="303"/>
+            <ac:spMk id="125" creationId="{3FCFB1DE-0B7E-48CC-BA90-B2AB0889F9D6}"/>
+          </ac:spMkLst>
+        </pc:spChg>
+        <pc:grpChg chg="del">
+          <ac:chgData name="Kelly Marques" userId="S::1397012@sga.pucminas.br::e60ab76c-a77f-40f7-b755-8286a6e0b93a" providerId="AD" clId="Web-{37B229F7-8667-E45D-5224-775EABC887EB}" dt="2022-12-02T16:26:53.477" v="323"/>
+          <ac:grpSpMkLst>
+            <pc:docMk/>
+            <pc:sldMk cId="3407971302" sldId="303"/>
+            <ac:grpSpMk id="68" creationId="{AE1C45F0-260A-458C-96ED-C1F6D2151219}"/>
+          </ac:grpSpMkLst>
+        </pc:grpChg>
+        <pc:picChg chg="add del mod ord">
+          <ac:chgData name="Kelly Marques" userId="S::1397012@sga.pucminas.br::e60ab76c-a77f-40f7-b755-8286a6e0b93a" providerId="AD" clId="Web-{37B229F7-8667-E45D-5224-775EABC887EB}" dt="2022-12-02T16:26:25.507" v="320"/>
+          <ac:picMkLst>
+            <pc:docMk/>
+            <pc:sldMk cId="3407971302" sldId="303"/>
+            <ac:picMk id="3" creationId="{2247842D-A56C-FB30-598F-1B0BEB4DFD65}"/>
+          </ac:picMkLst>
+        </pc:picChg>
+        <pc:picChg chg="add mod ord">
+          <ac:chgData name="Kelly Marques" userId="S::1397012@sga.pucminas.br::e60ab76c-a77f-40f7-b755-8286a6e0b93a" providerId="AD" clId="Web-{37B229F7-8667-E45D-5224-775EABC887EB}" dt="2022-12-02T16:27:49.806" v="334" actId="1076"/>
+          <ac:picMkLst>
+            <pc:docMk/>
+            <pc:sldMk cId="3407971302" sldId="303"/>
+            <ac:picMk id="7" creationId="{FAF19CE2-56A4-8E65-5544-440ACBB675A9}"/>
+          </ac:picMkLst>
+        </pc:picChg>
+        <pc:cxnChg chg="del">
+          <ac:chgData name="Kelly Marques" userId="S::1397012@sga.pucminas.br::e60ab76c-a77f-40f7-b755-8286a6e0b93a" providerId="AD" clId="Web-{37B229F7-8667-E45D-5224-775EABC887EB}" dt="2022-12-02T16:26:53.477" v="323"/>
+          <ac:cxnSpMkLst>
+            <pc:docMk/>
+            <pc:sldMk cId="3407971302" sldId="303"/>
+            <ac:cxnSpMk id="75" creationId="{6CF1BAF6-AD41-4082-B212-8A1F9A2E8779}"/>
+          </ac:cxnSpMkLst>
+        </pc:cxnChg>
+      </pc:sldChg>
+      <pc:sldChg chg="addSp delSp modSp add del replId">
+        <pc:chgData name="Kelly Marques" userId="S::1397012@sga.pucminas.br::e60ab76c-a77f-40f7-b755-8286a6e0b93a" providerId="AD" clId="Web-{37B229F7-8667-E45D-5224-775EABC887EB}" dt="2022-12-02T16:38:46.781" v="427"/>
+        <pc:sldMkLst>
+          <pc:docMk/>
+          <pc:sldMk cId="1955627620" sldId="304"/>
+        </pc:sldMkLst>
+        <pc:spChg chg="add mod">
+          <ac:chgData name="Kelly Marques" userId="S::1397012@sga.pucminas.br::e60ab76c-a77f-40f7-b755-8286a6e0b93a" providerId="AD" clId="Web-{37B229F7-8667-E45D-5224-775EABC887EB}" dt="2022-12-02T16:38:20.155" v="415"/>
+          <ac:spMkLst>
+            <pc:docMk/>
+            <pc:sldMk cId="1955627620" sldId="304"/>
+            <ac:spMk id="5" creationId="{37C96A15-2DFE-8A4E-CFBB-5C77E2778ACC}"/>
+          </ac:spMkLst>
+        </pc:spChg>
+        <pc:picChg chg="del">
+          <ac:chgData name="Kelly Marques" userId="S::1397012@sga.pucminas.br::e60ab76c-a77f-40f7-b755-8286a6e0b93a" providerId="AD" clId="Web-{37B229F7-8667-E45D-5224-775EABC887EB}" dt="2022-12-02T16:38:20.155" v="415"/>
+          <ac:picMkLst>
+            <pc:docMk/>
+            <pc:sldMk cId="1955627620" sldId="304"/>
+            <ac:picMk id="4" creationId="{FF216823-C715-B740-8B94-ABF63095DCEA}"/>
+          </ac:picMkLst>
+        </pc:picChg>
+      </pc:sldChg>
+      <pc:sldChg chg="addSp delSp modSp add ord replId">
+        <pc:chgData name="Kelly Marques" userId="S::1397012@sga.pucminas.br::e60ab76c-a77f-40f7-b755-8286a6e0b93a" providerId="AD" clId="Web-{37B229F7-8667-E45D-5224-775EABC887EB}" dt="2022-12-02T16:45:29.402" v="482" actId="20577"/>
+        <pc:sldMkLst>
+          <pc:docMk/>
+          <pc:sldMk cId="2270643915" sldId="304"/>
+        </pc:sldMkLst>
+        <pc:spChg chg="mod">
+          <ac:chgData name="Kelly Marques" userId="S::1397012@sga.pucminas.br::e60ab76c-a77f-40f7-b755-8286a6e0b93a" providerId="AD" clId="Web-{37B229F7-8667-E45D-5224-775EABC887EB}" dt="2022-12-02T16:45:29.402" v="482" actId="20577"/>
+          <ac:spMkLst>
+            <pc:docMk/>
+            <pc:sldMk cId="2270643915" sldId="304"/>
+            <ac:spMk id="2" creationId="{B5F78A2C-830C-FAD7-69AC-F340E519239E}"/>
+          </ac:spMkLst>
+        </pc:spChg>
+        <pc:spChg chg="del">
+          <ac:chgData name="Kelly Marques" userId="S::1397012@sga.pucminas.br::e60ab76c-a77f-40f7-b755-8286a6e0b93a" providerId="AD" clId="Web-{37B229F7-8667-E45D-5224-775EABC887EB}" dt="2022-12-02T16:44:55.870" v="474"/>
+          <ac:spMkLst>
+            <pc:docMk/>
+            <pc:sldMk cId="2270643915" sldId="304"/>
+            <ac:spMk id="41" creationId="{35DB3719-6FDC-4E5D-891D-FF40B7300F64}"/>
+          </ac:spMkLst>
+        </pc:spChg>
+        <pc:spChg chg="del">
+          <ac:chgData name="Kelly Marques" userId="S::1397012@sga.pucminas.br::e60ab76c-a77f-40f7-b755-8286a6e0b93a" providerId="AD" clId="Web-{37B229F7-8667-E45D-5224-775EABC887EB}" dt="2022-12-02T16:44:55.870" v="474"/>
+          <ac:spMkLst>
+            <pc:docMk/>
+            <pc:sldMk cId="2270643915" sldId="304"/>
+            <ac:spMk id="43" creationId="{E0CBAC23-2E3F-4A90-BA59-F8299F6A5439}"/>
+          </ac:spMkLst>
+        </pc:spChg>
+        <pc:spChg chg="add del">
+          <ac:chgData name="Kelly Marques" userId="S::1397012@sga.pucminas.br::e60ab76c-a77f-40f7-b755-8286a6e0b93a" providerId="AD" clId="Web-{37B229F7-8667-E45D-5224-775EABC887EB}" dt="2022-12-02T16:45:07.980" v="475"/>
+          <ac:spMkLst>
+            <pc:docMk/>
+            <pc:sldMk cId="2270643915" sldId="304"/>
+            <ac:spMk id="48" creationId="{2E442304-DDBD-4F7B-8017-36BCC863FB40}"/>
+          </ac:spMkLst>
+        </pc:spChg>
+        <pc:spChg chg="add del">
+          <ac:chgData name="Kelly Marques" userId="S::1397012@sga.pucminas.br::e60ab76c-a77f-40f7-b755-8286a6e0b93a" providerId="AD" clId="Web-{37B229F7-8667-E45D-5224-775EABC887EB}" dt="2022-12-02T16:45:07.980" v="475"/>
+          <ac:spMkLst>
+            <pc:docMk/>
+            <pc:sldMk cId="2270643915" sldId="304"/>
+            <ac:spMk id="50" creationId="{5E107275-3853-46FD-A241-DE4355A42675}"/>
+          </ac:spMkLst>
+        </pc:spChg>
+        <pc:spChg chg="add">
+          <ac:chgData name="Kelly Marques" userId="S::1397012@sga.pucminas.br::e60ab76c-a77f-40f7-b755-8286a6e0b93a" providerId="AD" clId="Web-{37B229F7-8667-E45D-5224-775EABC887EB}" dt="2022-12-02T16:45:07.980" v="475"/>
+          <ac:spMkLst>
+            <pc:docMk/>
+            <pc:sldMk cId="2270643915" sldId="304"/>
+            <ac:spMk id="55" creationId="{2E442304-DDBD-4F7B-8017-36BCC863FB40}"/>
+          </ac:spMkLst>
+        </pc:spChg>
+        <pc:spChg chg="add">
+          <ac:chgData name="Kelly Marques" userId="S::1397012@sga.pucminas.br::e60ab76c-a77f-40f7-b755-8286a6e0b93a" providerId="AD" clId="Web-{37B229F7-8667-E45D-5224-775EABC887EB}" dt="2022-12-02T16:45:07.980" v="475"/>
+          <ac:spMkLst>
+            <pc:docMk/>
+            <pc:sldMk cId="2270643915" sldId="304"/>
+            <ac:spMk id="57" creationId="{5E107275-3853-46FD-A241-DE4355A42675}"/>
+          </ac:spMkLst>
+        </pc:spChg>
+        <pc:graphicFrameChg chg="mod modGraphic">
+          <ac:chgData name="Kelly Marques" userId="S::1397012@sga.pucminas.br::e60ab76c-a77f-40f7-b755-8286a6e0b93a" providerId="AD" clId="Web-{37B229F7-8667-E45D-5224-775EABC887EB}" dt="2022-12-02T16:45:07.980" v="475"/>
+          <ac:graphicFrameMkLst>
+            <pc:docMk/>
+            <pc:sldMk cId="2270643915" sldId="304"/>
+            <ac:graphicFrameMk id="12" creationId="{92D74D84-E918-F8C0-2B80-35634E3D0D5E}"/>
+          </ac:graphicFrameMkLst>
+        </pc:graphicFrameChg>
+      </pc:sldChg>
+      <pc:sldChg chg="addSp delSp modSp add del replId">
+        <pc:chgData name="Kelly Marques" userId="S::1397012@sga.pucminas.br::e60ab76c-a77f-40f7-b755-8286a6e0b93a" providerId="AD" clId="Web-{37B229F7-8667-E45D-5224-775EABC887EB}" dt="2022-12-02T16:39:35.767" v="441"/>
+        <pc:sldMkLst>
+          <pc:docMk/>
+          <pc:sldMk cId="3890155294" sldId="304"/>
+        </pc:sldMkLst>
+        <pc:spChg chg="add mod">
+          <ac:chgData name="Kelly Marques" userId="S::1397012@sga.pucminas.br::e60ab76c-a77f-40f7-b755-8286a6e0b93a" providerId="AD" clId="Web-{37B229F7-8667-E45D-5224-775EABC887EB}" dt="2022-12-02T16:39:14.157" v="434"/>
+          <ac:spMkLst>
+            <pc:docMk/>
+            <pc:sldMk cId="3890155294" sldId="304"/>
+            <ac:spMk id="5" creationId="{9AFBD7D1-D5D5-39F7-25F0-A1B34CA082D2}"/>
+          </ac:spMkLst>
+        </pc:spChg>
+        <pc:picChg chg="del">
+          <ac:chgData name="Kelly Marques" userId="S::1397012@sga.pucminas.br::e60ab76c-a77f-40f7-b755-8286a6e0b93a" providerId="AD" clId="Web-{37B229F7-8667-E45D-5224-775EABC887EB}" dt="2022-12-02T16:39:14.157" v="434"/>
+          <ac:picMkLst>
+            <pc:docMk/>
+            <pc:sldMk cId="3890155294" sldId="304"/>
+            <ac:picMk id="3" creationId="{A1D52AB3-7563-BB65-C64E-1B1DDEC5C457}"/>
+          </ac:picMkLst>
+        </pc:picChg>
+      </pc:sldChg>
+    </pc:docChg>
+  </pc:docChgLst>
+  <pc:docChgLst>
+    <pc:chgData name="Kelly Marques" userId="S::1397012@sga.pucminas.br::e60ab76c-a77f-40f7-b755-8286a6e0b93a" providerId="AD" clId="Web-{C256C433-4753-4F14-9CE4-45E7C6599264}"/>
+    <pc:docChg chg="addSld delSld modSld sldOrd">
+      <pc:chgData name="Kelly Marques" userId="S::1397012@sga.pucminas.br::e60ab76c-a77f-40f7-b755-8286a6e0b93a" providerId="AD" clId="Web-{C256C433-4753-4F14-9CE4-45E7C6599264}" dt="2022-12-02T15:33:41.588" v="280" actId="20577"/>
+      <pc:docMkLst>
+        <pc:docMk/>
+      </pc:docMkLst>
+      <pc:sldChg chg="modSp">
+        <pc:chgData name="Kelly Marques" userId="S::1397012@sga.pucminas.br::e60ab76c-a77f-40f7-b755-8286a6e0b93a" providerId="AD" clId="Web-{C256C433-4753-4F14-9CE4-45E7C6599264}" dt="2022-12-02T15:23:20.620" v="214" actId="20577"/>
+        <pc:sldMkLst>
+          <pc:docMk/>
+          <pc:sldMk cId="109857222" sldId="256"/>
+        </pc:sldMkLst>
+        <pc:spChg chg="mod">
+          <ac:chgData name="Kelly Marques" userId="S::1397012@sga.pucminas.br::e60ab76c-a77f-40f7-b755-8286a6e0b93a" providerId="AD" clId="Web-{C256C433-4753-4F14-9CE4-45E7C6599264}" dt="2022-12-02T15:23:20.620" v="214" actId="20577"/>
+          <ac:spMkLst>
+            <pc:docMk/>
+            <pc:sldMk cId="109857222" sldId="256"/>
+            <ac:spMk id="2" creationId="{00000000-0000-0000-0000-000000000000}"/>
+          </ac:spMkLst>
+        </pc:spChg>
+      </pc:sldChg>
+      <pc:sldChg chg="modSp">
+        <pc:chgData name="Kelly Marques" userId="S::1397012@sga.pucminas.br::e60ab76c-a77f-40f7-b755-8286a6e0b93a" providerId="AD" clId="Web-{C256C433-4753-4F14-9CE4-45E7C6599264}" dt="2022-12-02T15:33:41.588" v="280" actId="20577"/>
+        <pc:sldMkLst>
+          <pc:docMk/>
+          <pc:sldMk cId="2317321323" sldId="257"/>
+        </pc:sldMkLst>
+        <pc:spChg chg="mod">
+          <ac:chgData name="Kelly Marques" userId="S::1397012@sga.pucminas.br::e60ab76c-a77f-40f7-b755-8286a6e0b93a" providerId="AD" clId="Web-{C256C433-4753-4F14-9CE4-45E7C6599264}" dt="2022-12-02T15:33:23.385" v="278" actId="20577"/>
+          <ac:spMkLst>
+            <pc:docMk/>
+            <pc:sldMk cId="2317321323" sldId="257"/>
+            <ac:spMk id="2" creationId="{DDF21FF1-3B50-93E7-A99C-3A17E127F8CD}"/>
+          </ac:spMkLst>
+        </pc:spChg>
+        <pc:spChg chg="mod">
+          <ac:chgData name="Kelly Marques" userId="S::1397012@sga.pucminas.br::e60ab76c-a77f-40f7-b755-8286a6e0b93a" providerId="AD" clId="Web-{C256C433-4753-4F14-9CE4-45E7C6599264}" dt="2022-12-02T15:33:41.588" v="280" actId="20577"/>
+          <ac:spMkLst>
+            <pc:docMk/>
+            <pc:sldMk cId="2317321323" sldId="257"/>
+            <ac:spMk id="208" creationId="{49FD1C0C-0984-DE63-F39D-65AC66C2479D}"/>
+          </ac:spMkLst>
+        </pc:spChg>
+      </pc:sldChg>
+      <pc:sldChg chg="modSp">
+        <pc:chgData name="Kelly Marques" userId="S::1397012@sga.pucminas.br::e60ab76c-a77f-40f7-b755-8286a6e0b93a" providerId="AD" clId="Web-{C256C433-4753-4F14-9CE4-45E7C6599264}" dt="2022-12-02T15:25:58.858" v="230" actId="1076"/>
+        <pc:sldMkLst>
+          <pc:docMk/>
+          <pc:sldMk cId="244457365" sldId="261"/>
+        </pc:sldMkLst>
+        <pc:spChg chg="mod">
+          <ac:chgData name="Kelly Marques" userId="S::1397012@sga.pucminas.br::e60ab76c-a77f-40f7-b755-8286a6e0b93a" providerId="AD" clId="Web-{C256C433-4753-4F14-9CE4-45E7C6599264}" dt="2022-12-02T15:25:58.858" v="230" actId="1076"/>
+          <ac:spMkLst>
+            <pc:docMk/>
+            <pc:sldMk cId="244457365" sldId="261"/>
+            <ac:spMk id="2" creationId="{B5F78A2C-830C-FAD7-69AC-F340E519239E}"/>
+          </ac:spMkLst>
+        </pc:spChg>
+      </pc:sldChg>
+      <pc:sldChg chg="modSp">
+        <pc:chgData name="Kelly Marques" userId="S::1397012@sga.pucminas.br::e60ab76c-a77f-40f7-b755-8286a6e0b93a" providerId="AD" clId="Web-{C256C433-4753-4F14-9CE4-45E7C6599264}" dt="2022-12-02T15:32:43.634" v="271" actId="20577"/>
+        <pc:sldMkLst>
+          <pc:docMk/>
+          <pc:sldMk cId="324000678" sldId="265"/>
+        </pc:sldMkLst>
+        <pc:spChg chg="mod">
+          <ac:chgData name="Kelly Marques" userId="S::1397012@sga.pucminas.br::e60ab76c-a77f-40f7-b755-8286a6e0b93a" providerId="AD" clId="Web-{C256C433-4753-4F14-9CE4-45E7C6599264}" dt="2022-12-02T15:32:43.634" v="271" actId="20577"/>
+          <ac:spMkLst>
+            <pc:docMk/>
+            <pc:sldMk cId="324000678" sldId="265"/>
+            <ac:spMk id="2" creationId="{B1F8E90E-6D63-842F-D328-EFE9C53DA3E4}"/>
+          </ac:spMkLst>
+        </pc:spChg>
+        <pc:graphicFrameChg chg="mod modGraphic">
+          <ac:chgData name="Kelly Marques" userId="S::1397012@sga.pucminas.br::e60ab76c-a77f-40f7-b755-8286a6e0b93a" providerId="AD" clId="Web-{C256C433-4753-4F14-9CE4-45E7C6599264}" dt="2022-12-02T15:22:44.962" v="211" actId="20577"/>
+          <ac:graphicFrameMkLst>
+            <pc:docMk/>
+            <pc:sldMk cId="324000678" sldId="265"/>
+            <ac:graphicFrameMk id="12" creationId="{06DA6910-0667-7A9D-7C22-F5F1A6D7C37C}"/>
+          </ac:graphicFrameMkLst>
+        </pc:graphicFrameChg>
+      </pc:sldChg>
+      <pc:sldChg chg="del">
+        <pc:chgData name="Kelly Marques" userId="S::1397012@sga.pucminas.br::e60ab76c-a77f-40f7-b755-8286a6e0b93a" providerId="AD" clId="Web-{C256C433-4753-4F14-9CE4-45E7C6599264}" dt="2022-12-02T14:54:39.842" v="85"/>
+        <pc:sldMkLst>
+          <pc:docMk/>
+          <pc:sldMk cId="4116822951" sldId="268"/>
+        </pc:sldMkLst>
+      </pc:sldChg>
+      <pc:sldChg chg="modSp">
+        <pc:chgData name="Kelly Marques" userId="S::1397012@sga.pucminas.br::e60ab76c-a77f-40f7-b755-8286a6e0b93a" providerId="AD" clId="Web-{C256C433-4753-4F14-9CE4-45E7C6599264}" dt="2022-12-02T15:30:46.271" v="254" actId="1076"/>
+        <pc:sldMkLst>
+          <pc:docMk/>
+          <pc:sldMk cId="4034381633" sldId="270"/>
+        </pc:sldMkLst>
+        <pc:spChg chg="mod">
+          <ac:chgData name="Kelly Marques" userId="S::1397012@sga.pucminas.br::e60ab76c-a77f-40f7-b755-8286a6e0b93a" providerId="AD" clId="Web-{C256C433-4753-4F14-9CE4-45E7C6599264}" dt="2022-12-02T15:30:46.271" v="254" actId="1076"/>
+          <ac:spMkLst>
+            <pc:docMk/>
+            <pc:sldMk cId="4034381633" sldId="270"/>
+            <ac:spMk id="2" creationId="{42A502EF-5B0D-DDA1-15BE-046D93F687B5}"/>
+          </ac:spMkLst>
+        </pc:spChg>
+      </pc:sldChg>
+      <pc:sldChg chg="modSp">
+        <pc:chgData name="Kelly Marques" userId="S::1397012@sga.pucminas.br::e60ab76c-a77f-40f7-b755-8286a6e0b93a" providerId="AD" clId="Web-{C256C433-4753-4F14-9CE4-45E7C6599264}" dt="2022-12-02T15:30:28.599" v="252" actId="20577"/>
+        <pc:sldMkLst>
+          <pc:docMk/>
+          <pc:sldMk cId="2984336382" sldId="271"/>
+        </pc:sldMkLst>
+        <pc:spChg chg="mod">
+          <ac:chgData name="Kelly Marques" userId="S::1397012@sga.pucminas.br::e60ab76c-a77f-40f7-b755-8286a6e0b93a" providerId="AD" clId="Web-{C256C433-4753-4F14-9CE4-45E7C6599264}" dt="2022-12-02T15:30:28.599" v="252" actId="20577"/>
+          <ac:spMkLst>
+            <pc:docMk/>
+            <pc:sldMk cId="2984336382" sldId="271"/>
+            <ac:spMk id="2" creationId="{EA9D96AA-72F8-0C58-9E5C-6D64E7124521}"/>
+          </ac:spMkLst>
+        </pc:spChg>
+        <pc:picChg chg="mod">
+          <ac:chgData name="Kelly Marques" userId="S::1397012@sga.pucminas.br::e60ab76c-a77f-40f7-b755-8286a6e0b93a" providerId="AD" clId="Web-{C256C433-4753-4F14-9CE4-45E7C6599264}" dt="2022-12-02T15:19:30.707" v="174" actId="1076"/>
+          <ac:picMkLst>
+            <pc:docMk/>
+            <pc:sldMk cId="2984336382" sldId="271"/>
+            <ac:picMk id="3" creationId="{A1D52AB3-7563-BB65-C64E-1B1DDEC5C457}"/>
+          </ac:picMkLst>
+        </pc:picChg>
+      </pc:sldChg>
+      <pc:sldChg chg="del">
+        <pc:chgData name="Kelly Marques" userId="S::1397012@sga.pucminas.br::e60ab76c-a77f-40f7-b755-8286a6e0b93a" providerId="AD" clId="Web-{C256C433-4753-4F14-9CE4-45E7C6599264}" dt="2022-12-02T15:17:01.188" v="157"/>
+        <pc:sldMkLst>
+          <pc:docMk/>
+          <pc:sldMk cId="1585285494" sldId="273"/>
+        </pc:sldMkLst>
+      </pc:sldChg>
+      <pc:sldChg chg="modSp">
+        <pc:chgData name="Kelly Marques" userId="S::1397012@sga.pucminas.br::e60ab76c-a77f-40f7-b755-8286a6e0b93a" providerId="AD" clId="Web-{C256C433-4753-4F14-9CE4-45E7C6599264}" dt="2022-12-02T15:31:08.053" v="256" actId="1076"/>
+        <pc:sldMkLst>
+          <pc:docMk/>
+          <pc:sldMk cId="266013506" sldId="279"/>
+        </pc:sldMkLst>
+        <pc:spChg chg="mod">
+          <ac:chgData name="Kelly Marques" userId="S::1397012@sga.pucminas.br::e60ab76c-a77f-40f7-b755-8286a6e0b93a" providerId="AD" clId="Web-{C256C433-4753-4F14-9CE4-45E7C6599264}" dt="2022-12-02T15:31:08.053" v="256" actId="1076"/>
+          <ac:spMkLst>
+            <pc:docMk/>
+            <pc:sldMk cId="266013506" sldId="279"/>
+            <ac:spMk id="2" creationId="{42A502EF-5B0D-DDA1-15BE-046D93F687B5}"/>
+          </ac:spMkLst>
+        </pc:spChg>
+        <pc:spChg chg="mod">
+          <ac:chgData name="Kelly Marques" userId="S::1397012@sga.pucminas.br::e60ab76c-a77f-40f7-b755-8286a6e0b93a" providerId="AD" clId="Web-{C256C433-4753-4F14-9CE4-45E7C6599264}" dt="2022-12-02T15:19:00.785" v="170" actId="14100"/>
+          <ac:spMkLst>
+            <pc:docMk/>
+            <pc:sldMk cId="266013506" sldId="279"/>
+            <ac:spMk id="117" creationId="{2EF38B55-93F3-A25B-6F38-1170C68B5110}"/>
+          </ac:spMkLst>
+        </pc:spChg>
+      </pc:sldChg>
+      <pc:sldChg chg="delSp modSp">
+        <pc:chgData name="Kelly Marques" userId="S::1397012@sga.pucminas.br::e60ab76c-a77f-40f7-b755-8286a6e0b93a" providerId="AD" clId="Web-{C256C433-4753-4F14-9CE4-45E7C6599264}" dt="2022-12-02T15:18:45.347" v="169" actId="1076"/>
+        <pc:sldMkLst>
+          <pc:docMk/>
+          <pc:sldMk cId="190200610" sldId="280"/>
+        </pc:sldMkLst>
+        <pc:spChg chg="mod">
+          <ac:chgData name="Kelly Marques" userId="S::1397012@sga.pucminas.br::e60ab76c-a77f-40f7-b755-8286a6e0b93a" providerId="AD" clId="Web-{C256C433-4753-4F14-9CE4-45E7C6599264}" dt="2022-12-02T15:18:45.347" v="169" actId="1076"/>
+          <ac:spMkLst>
+            <pc:docMk/>
+            <pc:sldMk cId="190200610" sldId="280"/>
+            <ac:spMk id="2" creationId="{42A502EF-5B0D-DDA1-15BE-046D93F687B5}"/>
+          </ac:spMkLst>
+        </pc:spChg>
+        <pc:spChg chg="del mod">
+          <ac:chgData name="Kelly Marques" userId="S::1397012@sga.pucminas.br::e60ab76c-a77f-40f7-b755-8286a6e0b93a" providerId="AD" clId="Web-{C256C433-4753-4F14-9CE4-45E7C6599264}" dt="2022-12-02T15:18:42.066" v="168"/>
+          <ac:spMkLst>
+            <pc:docMk/>
+            <pc:sldMk cId="190200610" sldId="280"/>
+            <ac:spMk id="117" creationId="{2EF38B55-93F3-A25B-6F38-1170C68B5110}"/>
+          </ac:spMkLst>
+        </pc:spChg>
+      </pc:sldChg>
+      <pc:sldChg chg="modSp">
+        <pc:chgData name="Kelly Marques" userId="S::1397012@sga.pucminas.br::e60ab76c-a77f-40f7-b755-8286a6e0b93a" providerId="AD" clId="Web-{C256C433-4753-4F14-9CE4-45E7C6599264}" dt="2022-12-02T15:31:36.319" v="261" actId="1076"/>
+        <pc:sldMkLst>
+          <pc:docMk/>
+          <pc:sldMk cId="2128551846" sldId="281"/>
+        </pc:sldMkLst>
+        <pc:spChg chg="mod">
+          <ac:chgData name="Kelly Marques" userId="S::1397012@sga.pucminas.br::e60ab76c-a77f-40f7-b755-8286a6e0b93a" providerId="AD" clId="Web-{C256C433-4753-4F14-9CE4-45E7C6599264}" dt="2022-12-02T15:31:36.319" v="261" actId="1076"/>
+          <ac:spMkLst>
+            <pc:docMk/>
+            <pc:sldMk cId="2128551846" sldId="281"/>
+            <ac:spMk id="2" creationId="{42A502EF-5B0D-DDA1-15BE-046D93F687B5}"/>
+          </ac:spMkLst>
+        </pc:spChg>
+        <pc:spChg chg="mod">
+          <ac:chgData name="Kelly Marques" userId="S::1397012@sga.pucminas.br::e60ab76c-a77f-40f7-b755-8286a6e0b93a" providerId="AD" clId="Web-{C256C433-4753-4F14-9CE4-45E7C6599264}" dt="2022-12-02T15:19:15.285" v="172" actId="14100"/>
+          <ac:spMkLst>
+            <pc:docMk/>
+            <pc:sldMk cId="2128551846" sldId="281"/>
+            <ac:spMk id="117" creationId="{2EF38B55-93F3-A25B-6F38-1170C68B5110}"/>
+          </ac:spMkLst>
+        </pc:spChg>
+      </pc:sldChg>
+      <pc:sldChg chg="modSp">
+        <pc:chgData name="Kelly Marques" userId="S::1397012@sga.pucminas.br::e60ab76c-a77f-40f7-b755-8286a6e0b93a" providerId="AD" clId="Web-{C256C433-4753-4F14-9CE4-45E7C6599264}" dt="2022-12-02T15:32:51.618" v="272" actId="20577"/>
+        <pc:sldMkLst>
+          <pc:docMk/>
+          <pc:sldMk cId="2501799751" sldId="282"/>
+        </pc:sldMkLst>
+        <pc:spChg chg="mod">
+          <ac:chgData name="Kelly Marques" userId="S::1397012@sga.pucminas.br::e60ab76c-a77f-40f7-b755-8286a6e0b93a" providerId="AD" clId="Web-{C256C433-4753-4F14-9CE4-45E7C6599264}" dt="2022-12-02T15:32:51.618" v="272" actId="20577"/>
+          <ac:spMkLst>
+            <pc:docMk/>
+            <pc:sldMk cId="2501799751" sldId="282"/>
+            <ac:spMk id="2" creationId="{47DA741D-7571-8BD8-2005-E539AFE5B8D1}"/>
+          </ac:spMkLst>
+        </pc:spChg>
+      </pc:sldChg>
+      <pc:sldChg chg="modSp">
+        <pc:chgData name="Kelly Marques" userId="S::1397012@sga.pucminas.br::e60ab76c-a77f-40f7-b755-8286a6e0b93a" providerId="AD" clId="Web-{C256C433-4753-4F14-9CE4-45E7C6599264}" dt="2022-12-02T15:31:21.444" v="258" actId="1076"/>
+        <pc:sldMkLst>
+          <pc:docMk/>
+          <pc:sldMk cId="1630456672" sldId="283"/>
+        </pc:sldMkLst>
+        <pc:spChg chg="mod">
+          <ac:chgData name="Kelly Marques" userId="S::1397012@sga.pucminas.br::e60ab76c-a77f-40f7-b755-8286a6e0b93a" providerId="AD" clId="Web-{C256C433-4753-4F14-9CE4-45E7C6599264}" dt="2022-12-02T15:31:21.444" v="258" actId="1076"/>
+          <ac:spMkLst>
+            <pc:docMk/>
+            <pc:sldMk cId="1630456672" sldId="283"/>
+            <ac:spMk id="2" creationId="{42A502EF-5B0D-DDA1-15BE-046D93F687B5}"/>
+          </ac:spMkLst>
+        </pc:spChg>
+        <pc:spChg chg="mod">
+          <ac:chgData name="Kelly Marques" userId="S::1397012@sga.pucminas.br::e60ab76c-a77f-40f7-b755-8286a6e0b93a" providerId="AD" clId="Web-{C256C433-4753-4F14-9CE4-45E7C6599264}" dt="2022-12-02T15:19:07.019" v="171" actId="14100"/>
+          <ac:spMkLst>
+            <pc:docMk/>
+            <pc:sldMk cId="1630456672" sldId="283"/>
+            <ac:spMk id="117" creationId="{2EF38B55-93F3-A25B-6F38-1170C68B5110}"/>
+          </ac:spMkLst>
+        </pc:spChg>
+      </pc:sldChg>
+      <pc:sldChg chg="modSp">
+        <pc:chgData name="Kelly Marques" userId="S::1397012@sga.pucminas.br::e60ab76c-a77f-40f7-b755-8286a6e0b93a" providerId="AD" clId="Web-{C256C433-4753-4F14-9CE4-45E7C6599264}" dt="2022-12-02T15:30:06.567" v="249" actId="20577"/>
+        <pc:sldMkLst>
+          <pc:docMk/>
+          <pc:sldMk cId="554501015" sldId="284"/>
+        </pc:sldMkLst>
+        <pc:spChg chg="mod">
+          <ac:chgData name="Kelly Marques" userId="S::1397012@sga.pucminas.br::e60ab76c-a77f-40f7-b755-8286a6e0b93a" providerId="AD" clId="Web-{C256C433-4753-4F14-9CE4-45E7C6599264}" dt="2022-12-02T15:30:06.567" v="249" actId="20577"/>
+          <ac:spMkLst>
+            <pc:docMk/>
+            <pc:sldMk cId="554501015" sldId="284"/>
+            <ac:spMk id="2" creationId="{B5F78A2C-830C-FAD7-69AC-F340E519239E}"/>
+          </ac:spMkLst>
+        </pc:spChg>
+      </pc:sldChg>
+      <pc:sldChg chg="modSp">
+        <pc:chgData name="Kelly Marques" userId="S::1397012@sga.pucminas.br::e60ab76c-a77f-40f7-b755-8286a6e0b93a" providerId="AD" clId="Web-{C256C433-4753-4F14-9CE4-45E7C6599264}" dt="2022-12-02T15:32:26.899" v="268" actId="20577"/>
+        <pc:sldMkLst>
+          <pc:docMk/>
+          <pc:sldMk cId="3422282412" sldId="285"/>
+        </pc:sldMkLst>
+        <pc:spChg chg="mod">
+          <ac:chgData name="Kelly Marques" userId="S::1397012@sga.pucminas.br::e60ab76c-a77f-40f7-b755-8286a6e0b93a" providerId="AD" clId="Web-{C256C433-4753-4F14-9CE4-45E7C6599264}" dt="2022-12-02T15:32:26.899" v="268" actId="20577"/>
+          <ac:spMkLst>
+            <pc:docMk/>
+            <pc:sldMk cId="3422282412" sldId="285"/>
+            <ac:spMk id="2" creationId="{47DA741D-7571-8BD8-2005-E539AFE5B8D1}"/>
+          </ac:spMkLst>
+        </pc:spChg>
+      </pc:sldChg>
+      <pc:sldChg chg="modSp">
+        <pc:chgData name="Kelly Marques" userId="S::1397012@sga.pucminas.br::e60ab76c-a77f-40f7-b755-8286a6e0b93a" providerId="AD" clId="Web-{C256C433-4753-4F14-9CE4-45E7C6599264}" dt="2022-12-02T15:32:17.539" v="267" actId="20577"/>
+        <pc:sldMkLst>
+          <pc:docMk/>
+          <pc:sldMk cId="3252955047" sldId="286"/>
+        </pc:sldMkLst>
+        <pc:spChg chg="mod">
+          <ac:chgData name="Kelly Marques" userId="S::1397012@sga.pucminas.br::e60ab76c-a77f-40f7-b755-8286a6e0b93a" providerId="AD" clId="Web-{C256C433-4753-4F14-9CE4-45E7C6599264}" dt="2022-12-02T15:32:17.539" v="267" actId="20577"/>
+          <ac:spMkLst>
+            <pc:docMk/>
+            <pc:sldMk cId="3252955047" sldId="286"/>
+            <ac:spMk id="2" creationId="{47DA741D-7571-8BD8-2005-E539AFE5B8D1}"/>
+          </ac:spMkLst>
+        </pc:spChg>
+        <pc:picChg chg="mod">
+          <ac:chgData name="Kelly Marques" userId="S::1397012@sga.pucminas.br::e60ab76c-a77f-40f7-b755-8286a6e0b93a" providerId="AD" clId="Web-{C256C433-4753-4F14-9CE4-45E7C6599264}" dt="2022-12-02T15:20:18.037" v="183" actId="14100"/>
+          <ac:picMkLst>
+            <pc:docMk/>
+            <pc:sldMk cId="3252955047" sldId="286"/>
+            <ac:picMk id="4" creationId="{6711C4A3-FC06-51BC-A4E3-342F17344DFF}"/>
+          </ac:picMkLst>
+        </pc:picChg>
+      </pc:sldChg>
+      <pc:sldChg chg="modSp">
+        <pc:chgData name="Kelly Marques" userId="S::1397012@sga.pucminas.br::e60ab76c-a77f-40f7-b755-8286a6e0b93a" providerId="AD" clId="Web-{C256C433-4753-4F14-9CE4-45E7C6599264}" dt="2022-12-02T15:32:36.008" v="269" actId="20577"/>
+        <pc:sldMkLst>
+          <pc:docMk/>
+          <pc:sldMk cId="414140974" sldId="287"/>
+        </pc:sldMkLst>
+        <pc:spChg chg="mod">
+          <ac:chgData name="Kelly Marques" userId="S::1397012@sga.pucminas.br::e60ab76c-a77f-40f7-b755-8286a6e0b93a" providerId="AD" clId="Web-{C256C433-4753-4F14-9CE4-45E7C6599264}" dt="2022-12-02T15:32:36.008" v="269" actId="20577"/>
+          <ac:spMkLst>
+            <pc:docMk/>
+            <pc:sldMk cId="414140974" sldId="287"/>
+            <ac:spMk id="2" creationId="{47DA741D-7571-8BD8-2005-E539AFE5B8D1}"/>
+          </ac:spMkLst>
+        </pc:spChg>
+        <pc:picChg chg="mod">
+          <ac:chgData name="Kelly Marques" userId="S::1397012@sga.pucminas.br::e60ab76c-a77f-40f7-b755-8286a6e0b93a" providerId="AD" clId="Web-{C256C433-4753-4F14-9CE4-45E7C6599264}" dt="2022-12-02T15:20:34.615" v="186" actId="1076"/>
+          <ac:picMkLst>
+            <pc:docMk/>
+            <pc:sldMk cId="414140974" sldId="287"/>
+            <ac:picMk id="4" creationId="{4462CFC0-8074-D0D8-1750-BCE90ED0C952}"/>
+          </ac:picMkLst>
+        </pc:picChg>
+      </pc:sldChg>
+      <pc:sldChg chg="modSp">
+        <pc:chgData name="Kelly Marques" userId="S::1397012@sga.pucminas.br::e60ab76c-a77f-40f7-b755-8286a6e0b93a" providerId="AD" clId="Web-{C256C433-4753-4F14-9CE4-45E7C6599264}" dt="2022-12-02T15:29:46.785" v="248" actId="1076"/>
+        <pc:sldMkLst>
+          <pc:docMk/>
+          <pc:sldMk cId="2219606751" sldId="289"/>
+        </pc:sldMkLst>
+        <pc:spChg chg="mod">
+          <ac:chgData name="Kelly Marques" userId="S::1397012@sga.pucminas.br::e60ab76c-a77f-40f7-b755-8286a6e0b93a" providerId="AD" clId="Web-{C256C433-4753-4F14-9CE4-45E7C6599264}" dt="2022-12-02T15:29:46.785" v="248" actId="1076"/>
+          <ac:spMkLst>
+            <pc:docMk/>
+            <pc:sldMk cId="2219606751" sldId="289"/>
+            <ac:spMk id="2" creationId="{47DA741D-7571-8BD8-2005-E539AFE5B8D1}"/>
+          </ac:spMkLst>
+        </pc:spChg>
+      </pc:sldChg>
+      <pc:sldChg chg="modSp">
+        <pc:chgData name="Kelly Marques" userId="S::1397012@sga.pucminas.br::e60ab76c-a77f-40f7-b755-8286a6e0b93a" providerId="AD" clId="Web-{C256C433-4753-4F14-9CE4-45E7C6599264}" dt="2022-12-02T15:32:10.930" v="266" actId="20577"/>
+        <pc:sldMkLst>
+          <pc:docMk/>
+          <pc:sldMk cId="484280224" sldId="291"/>
+        </pc:sldMkLst>
+        <pc:spChg chg="mod">
+          <ac:chgData name="Kelly Marques" userId="S::1397012@sga.pucminas.br::e60ab76c-a77f-40f7-b755-8286a6e0b93a" providerId="AD" clId="Web-{C256C433-4753-4F14-9CE4-45E7C6599264}" dt="2022-12-02T15:32:10.930" v="266" actId="20577"/>
+          <ac:spMkLst>
+            <pc:docMk/>
+            <pc:sldMk cId="484280224" sldId="291"/>
+            <ac:spMk id="2" creationId="{47DA741D-7571-8BD8-2005-E539AFE5B8D1}"/>
+          </ac:spMkLst>
+        </pc:spChg>
+        <pc:picChg chg="mod">
+          <ac:chgData name="Kelly Marques" userId="S::1397012@sga.pucminas.br::e60ab76c-a77f-40f7-b755-8286a6e0b93a" providerId="AD" clId="Web-{C256C433-4753-4F14-9CE4-45E7C6599264}" dt="2022-12-02T15:20:06.068" v="182" actId="1076"/>
+          <ac:picMkLst>
+            <pc:docMk/>
+            <pc:sldMk cId="484280224" sldId="291"/>
+            <ac:picMk id="10" creationId="{5AFDC6D5-AC41-1709-9EF7-5F650A9B8AA4}"/>
+          </ac:picMkLst>
+        </pc:picChg>
+      </pc:sldChg>
+      <pc:sldChg chg="modSp">
+        <pc:chgData name="Kelly Marques" userId="S::1397012@sga.pucminas.br::e60ab76c-a77f-40f7-b755-8286a6e0b93a" providerId="AD" clId="Web-{C256C433-4753-4F14-9CE4-45E7C6599264}" dt="2022-12-02T15:31:52.476" v="263" actId="20577"/>
+        <pc:sldMkLst>
+          <pc:docMk/>
+          <pc:sldMk cId="2954503707" sldId="293"/>
+        </pc:sldMkLst>
+        <pc:spChg chg="mod">
+          <ac:chgData name="Kelly Marques" userId="S::1397012@sga.pucminas.br::e60ab76c-a77f-40f7-b755-8286a6e0b93a" providerId="AD" clId="Web-{C256C433-4753-4F14-9CE4-45E7C6599264}" dt="2022-12-02T15:31:52.476" v="263" actId="20577"/>
+          <ac:spMkLst>
+            <pc:docMk/>
+            <pc:sldMk cId="2954503707" sldId="293"/>
+            <ac:spMk id="2" creationId="{47DA741D-7571-8BD8-2005-E539AFE5B8D1}"/>
+          </ac:spMkLst>
+        </pc:spChg>
+        <pc:picChg chg="mod">
+          <ac:chgData name="Kelly Marques" userId="S::1397012@sga.pucminas.br::e60ab76c-a77f-40f7-b755-8286a6e0b93a" providerId="AD" clId="Web-{C256C433-4753-4F14-9CE4-45E7C6599264}" dt="2022-12-02T15:19:49.474" v="178" actId="1076"/>
+          <ac:picMkLst>
+            <pc:docMk/>
+            <pc:sldMk cId="2954503707" sldId="293"/>
+            <ac:picMk id="5" creationId="{2B6E0EEC-80BF-5E3B-8C9D-F0CE62379A31}"/>
+          </ac:picMkLst>
+        </pc:picChg>
+      </pc:sldChg>
+      <pc:sldChg chg="modSp">
+        <pc:chgData name="Kelly Marques" userId="S::1397012@sga.pucminas.br::e60ab76c-a77f-40f7-b755-8286a6e0b93a" providerId="AD" clId="Web-{C256C433-4753-4F14-9CE4-45E7C6599264}" dt="2022-12-02T15:32:03.101" v="264" actId="20577"/>
+        <pc:sldMkLst>
+          <pc:docMk/>
+          <pc:sldMk cId="580150624" sldId="294"/>
+        </pc:sldMkLst>
+        <pc:spChg chg="mod">
+          <ac:chgData name="Kelly Marques" userId="S::1397012@sga.pucminas.br::e60ab76c-a77f-40f7-b755-8286a6e0b93a" providerId="AD" clId="Web-{C256C433-4753-4F14-9CE4-45E7C6599264}" dt="2022-12-02T15:32:03.101" v="264" actId="20577"/>
+          <ac:spMkLst>
+            <pc:docMk/>
+            <pc:sldMk cId="580150624" sldId="294"/>
+            <ac:spMk id="2" creationId="{47DA741D-7571-8BD8-2005-E539AFE5B8D1}"/>
+          </ac:spMkLst>
+        </pc:spChg>
+        <pc:picChg chg="mod">
+          <ac:chgData name="Kelly Marques" userId="S::1397012@sga.pucminas.br::e60ab76c-a77f-40f7-b755-8286a6e0b93a" providerId="AD" clId="Web-{C256C433-4753-4F14-9CE4-45E7C6599264}" dt="2022-12-02T15:19:57.552" v="180" actId="1076"/>
+          <ac:picMkLst>
+            <pc:docMk/>
+            <pc:sldMk cId="580150624" sldId="294"/>
+            <ac:picMk id="6" creationId="{0B6D1C26-7DC2-FE09-4E87-2FBA1A5FFCA5}"/>
+          </ac:picMkLst>
+        </pc:picChg>
+      </pc:sldChg>
+      <pc:sldChg chg="del">
+        <pc:chgData name="Kelly Marques" userId="S::1397012@sga.pucminas.br::e60ab76c-a77f-40f7-b755-8286a6e0b93a" providerId="AD" clId="Web-{C256C433-4753-4F14-9CE4-45E7C6599264}" dt="2022-12-02T15:12:12.509" v="141"/>
+        <pc:sldMkLst>
+          <pc:docMk/>
+          <pc:sldMk cId="2431615796" sldId="295"/>
+        </pc:sldMkLst>
+      </pc:sldChg>
+      <pc:sldChg chg="modSp">
+        <pc:chgData name="Kelly Marques" userId="S::1397012@sga.pucminas.br::e60ab76c-a77f-40f7-b755-8286a6e0b93a" providerId="AD" clId="Web-{C256C433-4753-4F14-9CE4-45E7C6599264}" dt="2022-12-02T15:33:08.447" v="275" actId="20577"/>
+        <pc:sldMkLst>
+          <pc:docMk/>
+          <pc:sldMk cId="1768574585" sldId="296"/>
+        </pc:sldMkLst>
+        <pc:spChg chg="mod">
+          <ac:chgData name="Kelly Marques" userId="S::1397012@sga.pucminas.br::e60ab76c-a77f-40f7-b755-8286a6e0b93a" providerId="AD" clId="Web-{C256C433-4753-4F14-9CE4-45E7C6599264}" dt="2022-12-02T15:33:08.447" v="275" actId="20577"/>
+          <ac:spMkLst>
+            <pc:docMk/>
+            <pc:sldMk cId="1768574585" sldId="296"/>
+            <ac:spMk id="2" creationId="{47DA741D-7571-8BD8-2005-E539AFE5B8D1}"/>
+          </ac:spMkLst>
+        </pc:spChg>
+        <pc:spChg chg="mod">
+          <ac:chgData name="Kelly Marques" userId="S::1397012@sga.pucminas.br::e60ab76c-a77f-40f7-b755-8286a6e0b93a" providerId="AD" clId="Web-{C256C433-4753-4F14-9CE4-45E7C6599264}" dt="2022-12-02T15:04:26.216" v="99" actId="20577"/>
+          <ac:spMkLst>
+            <pc:docMk/>
+            <pc:sldMk cId="1768574585" sldId="296"/>
+            <ac:spMk id="3" creationId="{EE114D47-0E6B-8A69-3A30-26904E21DDE5}"/>
+          </ac:spMkLst>
+        </pc:spChg>
+      </pc:sldChg>
+      <pc:sldChg chg="modSp">
+        <pc:chgData name="Kelly Marques" userId="S::1397012@sga.pucminas.br::e60ab76c-a77f-40f7-b755-8286a6e0b93a" providerId="AD" clId="Web-{C256C433-4753-4F14-9CE4-45E7C6599264}" dt="2022-12-02T15:33:02.775" v="274" actId="20577"/>
+        <pc:sldMkLst>
+          <pc:docMk/>
+          <pc:sldMk cId="2727639725" sldId="297"/>
+        </pc:sldMkLst>
+        <pc:spChg chg="mod">
+          <ac:chgData name="Kelly Marques" userId="S::1397012@sga.pucminas.br::e60ab76c-a77f-40f7-b755-8286a6e0b93a" providerId="AD" clId="Web-{C256C433-4753-4F14-9CE4-45E7C6599264}" dt="2022-12-02T15:33:02.775" v="274" actId="20577"/>
+          <ac:spMkLst>
+            <pc:docMk/>
+            <pc:sldMk cId="2727639725" sldId="297"/>
+            <ac:spMk id="2" creationId="{47DA741D-7571-8BD8-2005-E539AFE5B8D1}"/>
+          </ac:spMkLst>
+        </pc:spChg>
+        <pc:spChg chg="mod">
+          <ac:chgData name="Kelly Marques" userId="S::1397012@sga.pucminas.br::e60ab76c-a77f-40f7-b755-8286a6e0b93a" providerId="AD" clId="Web-{C256C433-4753-4F14-9CE4-45E7C6599264}" dt="2022-12-02T15:23:37.573" v="215" actId="1076"/>
+          <ac:spMkLst>
+            <pc:docMk/>
+            <pc:sldMk cId="2727639725" sldId="297"/>
+            <ac:spMk id="3" creationId="{EE114D47-0E6B-8A69-3A30-26904E21DDE5}"/>
+          </ac:spMkLst>
+        </pc:spChg>
+      </pc:sldChg>
+      <pc:sldChg chg="modSp">
+        <pc:chgData name="Kelly Marques" userId="S::1397012@sga.pucminas.br::e60ab76c-a77f-40f7-b755-8286a6e0b93a" providerId="AD" clId="Web-{C256C433-4753-4F14-9CE4-45E7C6599264}" dt="2022-12-02T15:32:57.212" v="273" actId="20577"/>
+        <pc:sldMkLst>
+          <pc:docMk/>
+          <pc:sldMk cId="3104000574" sldId="298"/>
+        </pc:sldMkLst>
+        <pc:spChg chg="mod">
+          <ac:chgData name="Kelly Marques" userId="S::1397012@sga.pucminas.br::e60ab76c-a77f-40f7-b755-8286a6e0b93a" providerId="AD" clId="Web-{C256C433-4753-4F14-9CE4-45E7C6599264}" dt="2022-12-02T15:32:57.212" v="273" actId="20577"/>
+          <ac:spMkLst>
+            <pc:docMk/>
+            <pc:sldMk cId="3104000574" sldId="298"/>
+            <ac:spMk id="2" creationId="{47DA741D-7571-8BD8-2005-E539AFE5B8D1}"/>
+          </ac:spMkLst>
+        </pc:spChg>
+        <pc:spChg chg="mod">
+          <ac:chgData name="Kelly Marques" userId="S::1397012@sga.pucminas.br::e60ab76c-a77f-40f7-b755-8286a6e0b93a" providerId="AD" clId="Web-{C256C433-4753-4F14-9CE4-45E7C6599264}" dt="2022-12-02T15:04:59.670" v="103" actId="20577"/>
+          <ac:spMkLst>
+            <pc:docMk/>
+            <pc:sldMk cId="3104000574" sldId="298"/>
+            <ac:spMk id="3" creationId="{EE114D47-0E6B-8A69-3A30-26904E21DDE5}"/>
+          </ac:spMkLst>
+        </pc:spChg>
+      </pc:sldChg>
+      <pc:sldChg chg="modSp add ord replId">
+        <pc:chgData name="Kelly Marques" userId="S::1397012@sga.pucminas.br::e60ab76c-a77f-40f7-b755-8286a6e0b93a" providerId="AD" clId="Web-{C256C433-4753-4F14-9CE4-45E7C6599264}" dt="2022-12-02T15:33:16.228" v="276" actId="20577"/>
+        <pc:sldMkLst>
+          <pc:docMk/>
+          <pc:sldMk cId="3244081491" sldId="299"/>
+        </pc:sldMkLst>
+        <pc:spChg chg="mod">
+          <ac:chgData name="Kelly Marques" userId="S::1397012@sga.pucminas.br::e60ab76c-a77f-40f7-b755-8286a6e0b93a" providerId="AD" clId="Web-{C256C433-4753-4F14-9CE4-45E7C6599264}" dt="2022-12-02T15:33:16.228" v="276" actId="20577"/>
+          <ac:spMkLst>
+            <pc:docMk/>
+            <pc:sldMk cId="3244081491" sldId="299"/>
+            <ac:spMk id="2" creationId="{47DA741D-7571-8BD8-2005-E539AFE5B8D1}"/>
+          </ac:spMkLst>
+        </pc:spChg>
+        <pc:spChg chg="mod">
+          <ac:chgData name="Kelly Marques" userId="S::1397012@sga.pucminas.br::e60ab76c-a77f-40f7-b755-8286a6e0b93a" providerId="AD" clId="Web-{C256C433-4753-4F14-9CE4-45E7C6599264}" dt="2022-12-02T15:04:39.201" v="101" actId="20577"/>
+          <ac:spMkLst>
+            <pc:docMk/>
+            <pc:sldMk cId="3244081491" sldId="299"/>
+            <ac:spMk id="3" creationId="{EE114D47-0E6B-8A69-3A30-26904E21DDE5}"/>
+          </ac:spMkLst>
+        </pc:spChg>
+      </pc:sldChg>
+      <pc:sldChg chg="addSp delSp modSp add del ord replId">
+        <pc:chgData name="Kelly Marques" userId="S::1397012@sga.pucminas.br::e60ab76c-a77f-40f7-b755-8286a6e0b93a" providerId="AD" clId="Web-{C256C433-4753-4F14-9CE4-45E7C6599264}" dt="2022-12-02T15:12:06.790" v="140"/>
+        <pc:sldMkLst>
+          <pc:docMk/>
+          <pc:sldMk cId="2859927389" sldId="300"/>
+        </pc:sldMkLst>
+        <pc:spChg chg="add mod">
+          <ac:chgData name="Kelly Marques" userId="S::1397012@sga.pucminas.br::e60ab76c-a77f-40f7-b755-8286a6e0b93a" providerId="AD" clId="Web-{C256C433-4753-4F14-9CE4-45E7C6599264}" dt="2022-12-02T15:11:26.164" v="138"/>
+          <ac:spMkLst>
+            <pc:docMk/>
+            <pc:sldMk cId="2859927389" sldId="300"/>
+            <ac:spMk id="6" creationId="{F8A4C17C-9F74-1FFD-3460-CC4EE4A44BA0}"/>
+          </ac:spMkLst>
+        </pc:spChg>
+        <pc:graphicFrameChg chg="del">
+          <ac:chgData name="Kelly Marques" userId="S::1397012@sga.pucminas.br::e60ab76c-a77f-40f7-b755-8286a6e0b93a" providerId="AD" clId="Web-{C256C433-4753-4F14-9CE4-45E7C6599264}" dt="2022-12-02T15:11:26.164" v="138"/>
+          <ac:graphicFrameMkLst>
+            <pc:docMk/>
+            <pc:sldMk cId="2859927389" sldId="300"/>
+            <ac:graphicFrameMk id="12" creationId="{06DA6910-0667-7A9D-7C22-F5F1A6D7C37C}"/>
+          </ac:graphicFrameMkLst>
+        </pc:graphicFrameChg>
+      </pc:sldChg>
+    </pc:docChg>
+  </pc:docChgLst>
+  <pc:docChgLst>
+    <pc:chgData name="Kelly Marques" userId="S::1397012@sga.pucminas.br::e60ab76c-a77f-40f7-b755-8286a6e0b93a" providerId="AD" clId="Web-{C93C0001-BB75-4191-BDEC-3789BDF1E389}"/>
+    <pc:docChg chg="addSld delSld modSld">
+      <pc:chgData name="Kelly Marques" userId="S::1397012@sga.pucminas.br::e60ab76c-a77f-40f7-b755-8286a6e0b93a" providerId="AD" clId="Web-{C93C0001-BB75-4191-BDEC-3789BDF1E389}" dt="2022-12-01T18:54:27.172" v="42" actId="20577"/>
+      <pc:docMkLst>
+        <pc:docMk/>
+      </pc:docMkLst>
+      <pc:sldChg chg="modSp">
+        <pc:chgData name="Kelly Marques" userId="S::1397012@sga.pucminas.br::e60ab76c-a77f-40f7-b755-8286a6e0b93a" providerId="AD" clId="Web-{C93C0001-BB75-4191-BDEC-3789BDF1E389}" dt="2022-12-01T18:12:21.392" v="2" actId="1076"/>
+        <pc:sldMkLst>
+          <pc:docMk/>
+          <pc:sldMk cId="2317321323" sldId="257"/>
+        </pc:sldMkLst>
+        <pc:spChg chg="mod">
+          <ac:chgData name="Kelly Marques" userId="S::1397012@sga.pucminas.br::e60ab76c-a77f-40f7-b755-8286a6e0b93a" providerId="AD" clId="Web-{C93C0001-BB75-4191-BDEC-3789BDF1E389}" dt="2022-12-01T18:12:21.392" v="2" actId="1076"/>
+          <ac:spMkLst>
+            <pc:docMk/>
+            <pc:sldMk cId="2317321323" sldId="257"/>
+            <ac:spMk id="208" creationId="{49FD1C0C-0984-DE63-F39D-65AC66C2479D}"/>
+          </ac:spMkLst>
+        </pc:spChg>
+      </pc:sldChg>
+      <pc:sldChg chg="del">
+        <pc:chgData name="Kelly Marques" userId="S::1397012@sga.pucminas.br::e60ab76c-a77f-40f7-b755-8286a6e0b93a" providerId="AD" clId="Web-{C93C0001-BB75-4191-BDEC-3789BDF1E389}" dt="2022-12-01T18:27:13.190" v="31"/>
+        <pc:sldMkLst>
+          <pc:docMk/>
+          <pc:sldMk cId="1188150266" sldId="258"/>
+        </pc:sldMkLst>
+      </pc:sldChg>
+      <pc:sldChg chg="modSp">
+        <pc:chgData name="Kelly Marques" userId="S::1397012@sga.pucminas.br::e60ab76c-a77f-40f7-b755-8286a6e0b93a" providerId="AD" clId="Web-{C93C0001-BB75-4191-BDEC-3789BDF1E389}" dt="2022-12-01T18:54:27.172" v="42" actId="20577"/>
+        <pc:sldMkLst>
+          <pc:docMk/>
+          <pc:sldMk cId="554501015" sldId="284"/>
+        </pc:sldMkLst>
+        <pc:graphicFrameChg chg="modGraphic">
+          <ac:chgData name="Kelly Marques" userId="S::1397012@sga.pucminas.br::e60ab76c-a77f-40f7-b755-8286a6e0b93a" providerId="AD" clId="Web-{C93C0001-BB75-4191-BDEC-3789BDF1E389}" dt="2022-12-01T18:54:27.172" v="42" actId="20577"/>
+          <ac:graphicFrameMkLst>
+            <pc:docMk/>
+            <pc:sldMk cId="554501015" sldId="284"/>
+            <ac:graphicFrameMk id="12" creationId="{92D74D84-E918-F8C0-2B80-35634E3D0D5E}"/>
+          </ac:graphicFrameMkLst>
+        </pc:graphicFrameChg>
+      </pc:sldChg>
+      <pc:sldChg chg="modSp">
+        <pc:chgData name="Kelly Marques" userId="S::1397012@sga.pucminas.br::e60ab76c-a77f-40f7-b755-8286a6e0b93a" providerId="AD" clId="Web-{C93C0001-BB75-4191-BDEC-3789BDF1E389}" dt="2022-12-01T18:39:38.701" v="35" actId="1076"/>
+        <pc:sldMkLst>
+          <pc:docMk/>
+          <pc:sldMk cId="3252955047" sldId="286"/>
+        </pc:sldMkLst>
+        <pc:picChg chg="mod">
+          <ac:chgData name="Kelly Marques" userId="S::1397012@sga.pucminas.br::e60ab76c-a77f-40f7-b755-8286a6e0b93a" providerId="AD" clId="Web-{C93C0001-BB75-4191-BDEC-3789BDF1E389}" dt="2022-12-01T18:39:38.701" v="35" actId="1076"/>
+          <ac:picMkLst>
+            <pc:docMk/>
+            <pc:sldMk cId="3252955047" sldId="286"/>
+            <ac:picMk id="4" creationId="{6711C4A3-FC06-51BC-A4E3-342F17344DFF}"/>
+          </ac:picMkLst>
+        </pc:picChg>
+      </pc:sldChg>
+      <pc:sldChg chg="modSp">
+        <pc:chgData name="Kelly Marques" userId="S::1397012@sga.pucminas.br::e60ab76c-a77f-40f7-b755-8286a6e0b93a" providerId="AD" clId="Web-{C93C0001-BB75-4191-BDEC-3789BDF1E389}" dt="2022-12-01T18:39:54.592" v="39" actId="1076"/>
+        <pc:sldMkLst>
+          <pc:docMk/>
+          <pc:sldMk cId="414140974" sldId="287"/>
+        </pc:sldMkLst>
+        <pc:spChg chg="mod">
+          <ac:chgData name="Kelly Marques" userId="S::1397012@sga.pucminas.br::e60ab76c-a77f-40f7-b755-8286a6e0b93a" providerId="AD" clId="Web-{C93C0001-BB75-4191-BDEC-3789BDF1E389}" dt="2022-12-01T18:38:46.793" v="33" actId="1076"/>
+          <ac:spMkLst>
+            <pc:docMk/>
+            <pc:sldMk cId="414140974" sldId="287"/>
+            <ac:spMk id="2" creationId="{47DA741D-7571-8BD8-2005-E539AFE5B8D1}"/>
+          </ac:spMkLst>
+        </pc:spChg>
+        <pc:picChg chg="mod">
+          <ac:chgData name="Kelly Marques" userId="S::1397012@sga.pucminas.br::e60ab76c-a77f-40f7-b755-8286a6e0b93a" providerId="AD" clId="Web-{C93C0001-BB75-4191-BDEC-3789BDF1E389}" dt="2022-12-01T18:39:54.592" v="39" actId="1076"/>
+          <ac:picMkLst>
+            <pc:docMk/>
+            <pc:sldMk cId="414140974" sldId="287"/>
+            <ac:picMk id="4" creationId="{4462CFC0-8074-D0D8-1750-BCE90ED0C952}"/>
+          </ac:picMkLst>
+        </pc:picChg>
+      </pc:sldChg>
+      <pc:sldChg chg="modSp add replId">
+        <pc:chgData name="Kelly Marques" userId="S::1397012@sga.pucminas.br::e60ab76c-a77f-40f7-b755-8286a6e0b93a" providerId="AD" clId="Web-{C93C0001-BB75-4191-BDEC-3789BDF1E389}" dt="2022-12-01T18:15:15.945" v="20" actId="20577"/>
+        <pc:sldMkLst>
+          <pc:docMk/>
+          <pc:sldMk cId="1768574585" sldId="296"/>
+        </pc:sldMkLst>
+        <pc:spChg chg="mod">
+          <ac:chgData name="Kelly Marques" userId="S::1397012@sga.pucminas.br::e60ab76c-a77f-40f7-b755-8286a6e0b93a" providerId="AD" clId="Web-{C93C0001-BB75-4191-BDEC-3789BDF1E389}" dt="2022-12-01T18:15:15.945" v="20" actId="20577"/>
+          <ac:spMkLst>
+            <pc:docMk/>
+            <pc:sldMk cId="1768574585" sldId="296"/>
+            <ac:spMk id="2" creationId="{47DA741D-7571-8BD8-2005-E539AFE5B8D1}"/>
+          </ac:spMkLst>
+        </pc:spChg>
+      </pc:sldChg>
+      <pc:sldChg chg="add del replId">
+        <pc:chgData name="Kelly Marques" userId="S::1397012@sga.pucminas.br::e60ab76c-a77f-40f7-b755-8286a6e0b93a" providerId="AD" clId="Web-{C93C0001-BB75-4191-BDEC-3789BDF1E389}" dt="2022-12-01T18:14:29.990" v="6"/>
+        <pc:sldMkLst>
+          <pc:docMk/>
+          <pc:sldMk cId="2472042377" sldId="296"/>
+        </pc:sldMkLst>
+      </pc:sldChg>
+      <pc:sldChg chg="add del replId">
+        <pc:chgData name="Kelly Marques" userId="S::1397012@sga.pucminas.br::e60ab76c-a77f-40f7-b755-8286a6e0b93a" providerId="AD" clId="Web-{C93C0001-BB75-4191-BDEC-3789BDF1E389}" dt="2022-12-01T18:14:27.381" v="5"/>
+        <pc:sldMkLst>
+          <pc:docMk/>
+          <pc:sldMk cId="2710912045" sldId="297"/>
+        </pc:sldMkLst>
+      </pc:sldChg>
+      <pc:sldChg chg="modSp add replId">
+        <pc:chgData name="Kelly Marques" userId="S::1397012@sga.pucminas.br::e60ab76c-a77f-40f7-b755-8286a6e0b93a" providerId="AD" clId="Web-{C93C0001-BB75-4191-BDEC-3789BDF1E389}" dt="2022-12-01T18:15:36.665" v="26" actId="20577"/>
+        <pc:sldMkLst>
+          <pc:docMk/>
+          <pc:sldMk cId="2727639725" sldId="297"/>
+        </pc:sldMkLst>
+        <pc:spChg chg="mod">
+          <ac:chgData name="Kelly Marques" userId="S::1397012@sga.pucminas.br::e60ab76c-a77f-40f7-b755-8286a6e0b93a" providerId="AD" clId="Web-{C93C0001-BB75-4191-BDEC-3789BDF1E389}" dt="2022-12-01T18:15:36.665" v="26" actId="20577"/>
+          <ac:spMkLst>
+            <pc:docMk/>
+            <pc:sldMk cId="2727639725" sldId="297"/>
+            <ac:spMk id="2" creationId="{47DA741D-7571-8BD8-2005-E539AFE5B8D1}"/>
+          </ac:spMkLst>
+        </pc:spChg>
+      </pc:sldChg>
+      <pc:sldChg chg="modSp add replId">
+        <pc:chgData name="Kelly Marques" userId="S::1397012@sga.pucminas.br::e60ab76c-a77f-40f7-b755-8286a6e0b93a" providerId="AD" clId="Web-{C93C0001-BB75-4191-BDEC-3789BDF1E389}" dt="2022-12-01T18:17:43.966" v="30" actId="20577"/>
+        <pc:sldMkLst>
+          <pc:docMk/>
+          <pc:sldMk cId="3104000574" sldId="298"/>
+        </pc:sldMkLst>
+        <pc:spChg chg="mod">
+          <ac:chgData name="Kelly Marques" userId="S::1397012@sga.pucminas.br::e60ab76c-a77f-40f7-b755-8286a6e0b93a" providerId="AD" clId="Web-{C93C0001-BB75-4191-BDEC-3789BDF1E389}" dt="2022-12-01T18:17:43.966" v="30" actId="20577"/>
+          <ac:spMkLst>
+            <pc:docMk/>
+            <pc:sldMk cId="3104000574" sldId="298"/>
+            <ac:spMk id="2" creationId="{47DA741D-7571-8BD8-2005-E539AFE5B8D1}"/>
+          </ac:spMkLst>
+        </pc:spChg>
+      </pc:sldChg>
+    </pc:docChg>
+  </pc:docChgLst>
+  <pc:docChgLst>
+    <pc:chgData name="Kelly Marques" userId="S::1397012@sga.pucminas.br::e60ab76c-a77f-40f7-b755-8286a6e0b93a" providerId="AD" clId="Web-{CAFC9092-39F6-AFEE-43FF-F69E1F27E225}"/>
+    <pc:docChg chg="addSld delSld modSld">
+      <pc:chgData name="Kelly Marques" userId="S::1397012@sga.pucminas.br::e60ab76c-a77f-40f7-b755-8286a6e0b93a" providerId="AD" clId="Web-{CAFC9092-39F6-AFEE-43FF-F69E1F27E225}" dt="2022-11-25T10:34:06.234" v="4"/>
+      <pc:docMkLst>
+        <pc:docMk/>
+      </pc:docMkLst>
+      <pc:sldChg chg="modSp">
+        <pc:chgData name="Kelly Marques" userId="S::1397012@sga.pucminas.br::e60ab76c-a77f-40f7-b755-8286a6e0b93a" providerId="AD" clId="Web-{CAFC9092-39F6-AFEE-43FF-F69E1F27E225}" dt="2022-11-25T10:26:17.097" v="2" actId="20577"/>
+        <pc:sldMkLst>
+          <pc:docMk/>
+          <pc:sldMk cId="580150624" sldId="294"/>
+        </pc:sldMkLst>
+        <pc:spChg chg="mod">
+          <ac:chgData name="Kelly Marques" userId="S::1397012@sga.pucminas.br::e60ab76c-a77f-40f7-b755-8286a6e0b93a" providerId="AD" clId="Web-{CAFC9092-39F6-AFEE-43FF-F69E1F27E225}" dt="2022-11-25T10:26:17.097" v="2" actId="20577"/>
+          <ac:spMkLst>
+            <pc:docMk/>
+            <pc:sldMk cId="580150624" sldId="294"/>
+            <ac:spMk id="2" creationId="{47DA741D-7571-8BD8-2005-E539AFE5B8D1}"/>
+          </ac:spMkLst>
+        </pc:spChg>
+      </pc:sldChg>
+      <pc:sldChg chg="new del">
+        <pc:chgData name="Kelly Marques" userId="S::1397012@sga.pucminas.br::e60ab76c-a77f-40f7-b755-8286a6e0b93a" providerId="AD" clId="Web-{CAFC9092-39F6-AFEE-43FF-F69E1F27E225}" dt="2022-11-25T10:34:06.234" v="4"/>
+        <pc:sldMkLst>
+          <pc:docMk/>
+          <pc:sldMk cId="3508065885" sldId="296"/>
+        </pc:sldMkLst>
+      </pc:sldChg>
+    </pc:docChg>
+  </pc:docChgLst>
+  <pc:docChgLst>
+    <pc:chgData name="Kelly Marques" userId="S::1397012@sga.pucminas.br::e60ab76c-a77f-40f7-b755-8286a6e0b93a" providerId="AD" clId="Web-{3EA3DE71-0D97-C90A-BDD5-DA05C43FDD50}"/>
+    <pc:docChg chg="addSld delSld modSld">
+      <pc:chgData name="Kelly Marques" userId="S::1397012@sga.pucminas.br::e60ab76c-a77f-40f7-b755-8286a6e0b93a" providerId="AD" clId="Web-{3EA3DE71-0D97-C90A-BDD5-DA05C43FDD50}" dt="2022-12-02T17:08:44.104" v="203"/>
+      <pc:docMkLst>
+        <pc:docMk/>
+      </pc:docMkLst>
+      <pc:sldChg chg="addSp delSp modSp">
+        <pc:chgData name="Kelly Marques" userId="S::1397012@sga.pucminas.br::e60ab76c-a77f-40f7-b755-8286a6e0b93a" providerId="AD" clId="Web-{3EA3DE71-0D97-C90A-BDD5-DA05C43FDD50}" dt="2022-12-02T17:00:56.760" v="186" actId="20577"/>
+        <pc:sldMkLst>
+          <pc:docMk/>
+          <pc:sldMk cId="109857222" sldId="256"/>
+        </pc:sldMkLst>
+        <pc:spChg chg="mod">
+          <ac:chgData name="Kelly Marques" userId="S::1397012@sga.pucminas.br::e60ab76c-a77f-40f7-b755-8286a6e0b93a" providerId="AD" clId="Web-{3EA3DE71-0D97-C90A-BDD5-DA05C43FDD50}" dt="2022-12-02T17:00:56.760" v="186" actId="20577"/>
+          <ac:spMkLst>
+            <pc:docMk/>
+            <pc:sldMk cId="109857222" sldId="256"/>
+            <ac:spMk id="2" creationId="{00000000-0000-0000-0000-000000000000}"/>
+          </ac:spMkLst>
+        </pc:spChg>
+        <pc:spChg chg="mod">
+          <ac:chgData name="Kelly Marques" userId="S::1397012@sga.pucminas.br::e60ab76c-a77f-40f7-b755-8286a6e0b93a" providerId="AD" clId="Web-{3EA3DE71-0D97-C90A-BDD5-DA05C43FDD50}" dt="2022-12-02T16:55:15.516" v="92"/>
+          <ac:spMkLst>
+            <pc:docMk/>
+            <pc:sldMk cId="109857222" sldId="256"/>
+            <ac:spMk id="3" creationId="{00000000-0000-0000-0000-000000000000}"/>
+          </ac:spMkLst>
+        </pc:spChg>
+        <pc:spChg chg="add del">
+          <ac:chgData name="Kelly Marques" userId="S::1397012@sga.pucminas.br::e60ab76c-a77f-40f7-b755-8286a6e0b93a" providerId="AD" clId="Web-{3EA3DE71-0D97-C90A-BDD5-DA05C43FDD50}" dt="2022-12-02T16:55:15.516" v="92"/>
+          <ac:spMkLst>
+            <pc:docMk/>
+            <pc:sldMk cId="109857222" sldId="256"/>
+            <ac:spMk id="274" creationId="{798FE0E0-D95D-46EF-A375-475D4DB0ED45}"/>
+          </ac:spMkLst>
+        </pc:spChg>
+        <pc:spChg chg="add del">
+          <ac:chgData name="Kelly Marques" userId="S::1397012@sga.pucminas.br::e60ab76c-a77f-40f7-b755-8286a6e0b93a" providerId="AD" clId="Web-{3EA3DE71-0D97-C90A-BDD5-DA05C43FDD50}" dt="2022-12-02T16:55:15.516" v="92"/>
+          <ac:spMkLst>
+            <pc:docMk/>
+            <pc:sldMk cId="109857222" sldId="256"/>
+            <ac:spMk id="276" creationId="{2D82A42F-AEBE-4065-9792-036A904D8564}"/>
+          </ac:spMkLst>
+        </pc:spChg>
+        <pc:spChg chg="add del">
+          <ac:chgData name="Kelly Marques" userId="S::1397012@sga.pucminas.br::e60ab76c-a77f-40f7-b755-8286a6e0b93a" providerId="AD" clId="Web-{3EA3DE71-0D97-C90A-BDD5-DA05C43FDD50}" dt="2022-12-02T16:55:08.188" v="89"/>
+          <ac:spMkLst>
+            <pc:docMk/>
+            <pc:sldMk cId="109857222" sldId="256"/>
+            <ac:spMk id="281" creationId="{9B7AD9F6-8CE7-4299-8FC6-328F4DCD3FF9}"/>
+          </ac:spMkLst>
+        </pc:spChg>
+        <pc:spChg chg="add del">
+          <ac:chgData name="Kelly Marques" userId="S::1397012@sga.pucminas.br::e60ab76c-a77f-40f7-b755-8286a6e0b93a" providerId="AD" clId="Web-{3EA3DE71-0D97-C90A-BDD5-DA05C43FDD50}" dt="2022-12-02T16:55:08.188" v="89"/>
+          <ac:spMkLst>
+            <pc:docMk/>
+            <pc:sldMk cId="109857222" sldId="256"/>
+            <ac:spMk id="283" creationId="{F49775AF-8896-43EE-92C6-83497D6DC56F}"/>
+          </ac:spMkLst>
+        </pc:spChg>
+        <pc:spChg chg="add del">
+          <ac:chgData name="Kelly Marques" userId="S::1397012@sga.pucminas.br::e60ab76c-a77f-40f7-b755-8286a6e0b93a" providerId="AD" clId="Web-{3EA3DE71-0D97-C90A-BDD5-DA05C43FDD50}" dt="2022-12-02T16:55:15.516" v="91"/>
+          <ac:spMkLst>
+            <pc:docMk/>
+            <pc:sldMk cId="109857222" sldId="256"/>
+            <ac:spMk id="285" creationId="{798FE0E0-D95D-46EF-A375-475D4DB0ED45}"/>
+          </ac:spMkLst>
+        </pc:spChg>
+        <pc:spChg chg="add del">
+          <ac:chgData name="Kelly Marques" userId="S::1397012@sga.pucminas.br::e60ab76c-a77f-40f7-b755-8286a6e0b93a" providerId="AD" clId="Web-{3EA3DE71-0D97-C90A-BDD5-DA05C43FDD50}" dt="2022-12-02T16:55:15.516" v="91"/>
+          <ac:spMkLst>
+            <pc:docMk/>
+            <pc:sldMk cId="109857222" sldId="256"/>
+            <ac:spMk id="286" creationId="{2D82A42F-AEBE-4065-9792-036A904D8564}"/>
+          </ac:spMkLst>
+        </pc:spChg>
+        <pc:spChg chg="add">
+          <ac:chgData name="Kelly Marques" userId="S::1397012@sga.pucminas.br::e60ab76c-a77f-40f7-b755-8286a6e0b93a" providerId="AD" clId="Web-{3EA3DE71-0D97-C90A-BDD5-DA05C43FDD50}" dt="2022-12-02T16:55:15.516" v="92"/>
+          <ac:spMkLst>
+            <pc:docMk/>
+            <pc:sldMk cId="109857222" sldId="256"/>
+            <ac:spMk id="288" creationId="{9B7AD9F6-8CE7-4299-8FC6-328F4DCD3FF9}"/>
+          </ac:spMkLst>
+        </pc:spChg>
+        <pc:spChg chg="add">
+          <ac:chgData name="Kelly Marques" userId="S::1397012@sga.pucminas.br::e60ab76c-a77f-40f7-b755-8286a6e0b93a" providerId="AD" clId="Web-{3EA3DE71-0D97-C90A-BDD5-DA05C43FDD50}" dt="2022-12-02T16:55:15.516" v="92"/>
+          <ac:spMkLst>
+            <pc:docMk/>
+            <pc:sldMk cId="109857222" sldId="256"/>
+            <ac:spMk id="289" creationId="{F49775AF-8896-43EE-92C6-83497D6DC56F}"/>
+          </ac:spMkLst>
+        </pc:spChg>
+        <pc:picChg chg="mod">
+          <ac:chgData name="Kelly Marques" userId="S::1397012@sga.pucminas.br::e60ab76c-a77f-40f7-b755-8286a6e0b93a" providerId="AD" clId="Web-{3EA3DE71-0D97-C90A-BDD5-DA05C43FDD50}" dt="2022-12-02T16:55:15.516" v="92"/>
+          <ac:picMkLst>
+            <pc:docMk/>
+            <pc:sldMk cId="109857222" sldId="256"/>
+            <ac:picMk id="270" creationId="{ABC8C5D9-707C-577A-4729-3D6A17A2B5BA}"/>
+          </ac:picMkLst>
+        </pc:picChg>
+      </pc:sldChg>
+      <pc:sldChg chg="addSp delSp modSp">
+        <pc:chgData name="Kelly Marques" userId="S::1397012@sga.pucminas.br::e60ab76c-a77f-40f7-b755-8286a6e0b93a" providerId="AD" clId="Web-{3EA3DE71-0D97-C90A-BDD5-DA05C43FDD50}" dt="2022-12-02T16:55:40.517" v="95"/>
+        <pc:sldMkLst>
+          <pc:docMk/>
+          <pc:sldMk cId="2317321323" sldId="257"/>
+        </pc:sldMkLst>
+        <pc:spChg chg="mod">
+          <ac:chgData name="Kelly Marques" userId="S::1397012@sga.pucminas.br::e60ab76c-a77f-40f7-b755-8286a6e0b93a" providerId="AD" clId="Web-{3EA3DE71-0D97-C90A-BDD5-DA05C43FDD50}" dt="2022-12-02T16:55:40.517" v="95"/>
+          <ac:spMkLst>
+            <pc:docMk/>
+            <pc:sldMk cId="2317321323" sldId="257"/>
+            <ac:spMk id="2" creationId="{DDF21FF1-3B50-93E7-A99C-3A17E127F8CD}"/>
+          </ac:spMkLst>
+        </pc:spChg>
+        <pc:spChg chg="add del">
+          <ac:chgData name="Kelly Marques" userId="S::1397012@sga.pucminas.br::e60ab76c-a77f-40f7-b755-8286a6e0b93a" providerId="AD" clId="Web-{3EA3DE71-0D97-C90A-BDD5-DA05C43FDD50}" dt="2022-12-02T16:55:40.517" v="95"/>
+          <ac:spMkLst>
+            <pc:docMk/>
+            <pc:sldMk cId="2317321323" sldId="257"/>
+            <ac:spMk id="208" creationId="{49FD1C0C-0984-DE63-F39D-65AC66C2479D}"/>
+          </ac:spMkLst>
+        </pc:spChg>
+        <pc:spChg chg="add del">
+          <ac:chgData name="Kelly Marques" userId="S::1397012@sga.pucminas.br::e60ab76c-a77f-40f7-b755-8286a6e0b93a" providerId="AD" clId="Web-{3EA3DE71-0D97-C90A-BDD5-DA05C43FDD50}" dt="2022-12-02T16:55:40.517" v="95"/>
+          <ac:spMkLst>
+            <pc:docMk/>
+            <pc:sldMk cId="2317321323" sldId="257"/>
+            <ac:spMk id="245" creationId="{777A147A-9ED8-46B4-8660-1B3C2AA880B5}"/>
+          </ac:spMkLst>
+        </pc:spChg>
+        <pc:spChg chg="add del">
+          <ac:chgData name="Kelly Marques" userId="S::1397012@sga.pucminas.br::e60ab76c-a77f-40f7-b755-8286a6e0b93a" providerId="AD" clId="Web-{3EA3DE71-0D97-C90A-BDD5-DA05C43FDD50}" dt="2022-12-02T16:55:40.517" v="95"/>
+          <ac:spMkLst>
+            <pc:docMk/>
+            <pc:sldMk cId="2317321323" sldId="257"/>
+            <ac:spMk id="247" creationId="{5D6C15A0-C087-4593-8414-2B4EC1CDC3DE}"/>
+          </ac:spMkLst>
+        </pc:spChg>
+        <pc:spChg chg="add">
+          <ac:chgData name="Kelly Marques" userId="S::1397012@sga.pucminas.br::e60ab76c-a77f-40f7-b755-8286a6e0b93a" providerId="AD" clId="Web-{3EA3DE71-0D97-C90A-BDD5-DA05C43FDD50}" dt="2022-12-02T16:55:40.517" v="95"/>
+          <ac:spMkLst>
+            <pc:docMk/>
+            <pc:sldMk cId="2317321323" sldId="257"/>
+            <ac:spMk id="252" creationId="{777A147A-9ED8-46B4-8660-1B3C2AA880B5}"/>
+          </ac:spMkLst>
+        </pc:spChg>
+        <pc:spChg chg="add del">
+          <ac:chgData name="Kelly Marques" userId="S::1397012@sga.pucminas.br::e60ab76c-a77f-40f7-b755-8286a6e0b93a" providerId="AD" clId="Web-{3EA3DE71-0D97-C90A-BDD5-DA05C43FDD50}" dt="2022-12-02T16:55:40.517" v="94"/>
+          <ac:spMkLst>
+            <pc:docMk/>
+            <pc:sldMk cId="2317321323" sldId="257"/>
+            <ac:spMk id="253" creationId="{C05CBC3C-2E5A-4839-8B9B-2E5A6ADF0F58}"/>
+          </ac:spMkLst>
+        </pc:spChg>
+        <pc:spChg chg="add">
+          <ac:chgData name="Kelly Marques" userId="S::1397012@sga.pucminas.br::e60ab76c-a77f-40f7-b755-8286a6e0b93a" providerId="AD" clId="Web-{3EA3DE71-0D97-C90A-BDD5-DA05C43FDD50}" dt="2022-12-02T16:55:40.517" v="95"/>
+          <ac:spMkLst>
+            <pc:docMk/>
+            <pc:sldMk cId="2317321323" sldId="257"/>
+            <ac:spMk id="254" creationId="{5D6C15A0-C087-4593-8414-2B4EC1CDC3DE}"/>
+          </ac:spMkLst>
+        </pc:spChg>
+        <pc:spChg chg="add del">
+          <ac:chgData name="Kelly Marques" userId="S::1397012@sga.pucminas.br::e60ab76c-a77f-40f7-b755-8286a6e0b93a" providerId="AD" clId="Web-{3EA3DE71-0D97-C90A-BDD5-DA05C43FDD50}" dt="2022-12-02T16:55:40.517" v="94"/>
+          <ac:spMkLst>
+            <pc:docMk/>
+            <pc:sldMk cId="2317321323" sldId="257"/>
+            <ac:spMk id="255" creationId="{DB5B423A-57CC-4C58-AA26-8E2E862B03A0}"/>
+          </ac:spMkLst>
+        </pc:spChg>
+        <pc:spChg chg="add">
+          <ac:chgData name="Kelly Marques" userId="S::1397012@sga.pucminas.br::e60ab76c-a77f-40f7-b755-8286a6e0b93a" providerId="AD" clId="Web-{3EA3DE71-0D97-C90A-BDD5-DA05C43FDD50}" dt="2022-12-02T16:55:40.517" v="95"/>
+          <ac:spMkLst>
+            <pc:docMk/>
+            <pc:sldMk cId="2317321323" sldId="257"/>
+            <ac:spMk id="257" creationId="{49FD1C0C-0984-DE63-F39D-65AC66C2479D}"/>
+          </ac:spMkLst>
+        </pc:spChg>
+        <pc:graphicFrameChg chg="add del">
+          <ac:chgData name="Kelly Marques" userId="S::1397012@sga.pucminas.br::e60ab76c-a77f-40f7-b755-8286a6e0b93a" providerId="AD" clId="Web-{3EA3DE71-0D97-C90A-BDD5-DA05C43FDD50}" dt="2022-12-02T16:55:40.517" v="94"/>
+          <ac:graphicFrameMkLst>
+            <pc:docMk/>
+            <pc:sldMk cId="2317321323" sldId="257"/>
+            <ac:graphicFrameMk id="249" creationId="{39731843-4880-4997-E105-8C5338DF99D4}"/>
+          </ac:graphicFrameMkLst>
+        </pc:graphicFrameChg>
+      </pc:sldChg>
+      <pc:sldChg chg="addSp delSp modSp">
+        <pc:chgData name="Kelly Marques" userId="S::1397012@sga.pucminas.br::e60ab76c-a77f-40f7-b755-8286a6e0b93a" providerId="AD" clId="Web-{3EA3DE71-0D97-C90A-BDD5-DA05C43FDD50}" dt="2022-12-02T16:50:34.040" v="37"/>
+        <pc:sldMkLst>
+          <pc:docMk/>
+          <pc:sldMk cId="244457365" sldId="261"/>
+        </pc:sldMkLst>
+        <pc:spChg chg="mod">
+          <ac:chgData name="Kelly Marques" userId="S::1397012@sga.pucminas.br::e60ab76c-a77f-40f7-b755-8286a6e0b93a" providerId="AD" clId="Web-{3EA3DE71-0D97-C90A-BDD5-DA05C43FDD50}" dt="2022-12-02T16:48:45.177" v="26"/>
+          <ac:spMkLst>
+            <pc:docMk/>
+            <pc:sldMk cId="244457365" sldId="261"/>
+            <ac:spMk id="2" creationId="{B5F78A2C-830C-FAD7-69AC-F340E519239E}"/>
+          </ac:spMkLst>
+        </pc:spChg>
+        <pc:spChg chg="del">
+          <ac:chgData name="Kelly Marques" userId="S::1397012@sga.pucminas.br::e60ab76c-a77f-40f7-b755-8286a6e0b93a" providerId="AD" clId="Web-{3EA3DE71-0D97-C90A-BDD5-DA05C43FDD50}" dt="2022-12-02T16:47:50.488" v="21"/>
+          <ac:spMkLst>
+            <pc:docMk/>
+            <pc:sldMk cId="244457365" sldId="261"/>
+            <ac:spMk id="41" creationId="{35DB3719-6FDC-4E5D-891D-FF40B7300F64}"/>
+          </ac:spMkLst>
+        </pc:spChg>
+        <pc:spChg chg="del">
+          <ac:chgData name="Kelly Marques" userId="S::1397012@sga.pucminas.br::e60ab76c-a77f-40f7-b755-8286a6e0b93a" providerId="AD" clId="Web-{3EA3DE71-0D97-C90A-BDD5-DA05C43FDD50}" dt="2022-12-02T16:47:50.488" v="21"/>
+          <ac:spMkLst>
+            <pc:docMk/>
+            <pc:sldMk cId="244457365" sldId="261"/>
+            <ac:spMk id="43" creationId="{E0CBAC23-2E3F-4A90-BA59-F8299F6A5439}"/>
+          </ac:spMkLst>
+        </pc:spChg>
+        <pc:spChg chg="add del">
+          <ac:chgData name="Kelly Marques" userId="S::1397012@sga.pucminas.br::e60ab76c-a77f-40f7-b755-8286a6e0b93a" providerId="AD" clId="Web-{3EA3DE71-0D97-C90A-BDD5-DA05C43FDD50}" dt="2022-12-02T16:48:45.177" v="26"/>
+          <ac:spMkLst>
+            <pc:docMk/>
+            <pc:sldMk cId="244457365" sldId="261"/>
+            <ac:spMk id="48" creationId="{C05CBC3C-2E5A-4839-8B9B-2E5A6ADF0F58}"/>
+          </ac:spMkLst>
+        </pc:spChg>
+        <pc:spChg chg="add del">
+          <ac:chgData name="Kelly Marques" userId="S::1397012@sga.pucminas.br::e60ab76c-a77f-40f7-b755-8286a6e0b93a" providerId="AD" clId="Web-{3EA3DE71-0D97-C90A-BDD5-DA05C43FDD50}" dt="2022-12-02T16:48:45.177" v="26"/>
+          <ac:spMkLst>
+            <pc:docMk/>
+            <pc:sldMk cId="244457365" sldId="261"/>
+            <ac:spMk id="50" creationId="{DB5B423A-57CC-4C58-AA26-8E2E862B03A0}"/>
+          </ac:spMkLst>
+        </pc:spChg>
+        <pc:spChg chg="add">
+          <ac:chgData name="Kelly Marques" userId="S::1397012@sga.pucminas.br::e60ab76c-a77f-40f7-b755-8286a6e0b93a" providerId="AD" clId="Web-{3EA3DE71-0D97-C90A-BDD5-DA05C43FDD50}" dt="2022-12-02T16:48:45.177" v="26"/>
+          <ac:spMkLst>
+            <pc:docMk/>
+            <pc:sldMk cId="244457365" sldId="261"/>
+            <ac:spMk id="55" creationId="{35DB3719-6FDC-4E5D-891D-FF40B7300F64}"/>
+          </ac:spMkLst>
+        </pc:spChg>
+        <pc:spChg chg="add">
+          <ac:chgData name="Kelly Marques" userId="S::1397012@sga.pucminas.br::e60ab76c-a77f-40f7-b755-8286a6e0b93a" providerId="AD" clId="Web-{3EA3DE71-0D97-C90A-BDD5-DA05C43FDD50}" dt="2022-12-02T16:48:45.177" v="26"/>
+          <ac:spMkLst>
+            <pc:docMk/>
+            <pc:sldMk cId="244457365" sldId="261"/>
+            <ac:spMk id="57" creationId="{E0CBAC23-2E3F-4A90-BA59-F8299F6A5439}"/>
+          </ac:spMkLst>
+        </pc:spChg>
+        <pc:graphicFrameChg chg="mod modGraphic">
+          <ac:chgData name="Kelly Marques" userId="S::1397012@sga.pucminas.br::e60ab76c-a77f-40f7-b755-8286a6e0b93a" providerId="AD" clId="Web-{3EA3DE71-0D97-C90A-BDD5-DA05C43FDD50}" dt="2022-12-02T16:50:34.040" v="37"/>
+          <ac:graphicFrameMkLst>
+            <pc:docMk/>
+            <pc:sldMk cId="244457365" sldId="261"/>
+            <ac:graphicFrameMk id="12" creationId="{92D74D84-E918-F8C0-2B80-35634E3D0D5E}"/>
+          </ac:graphicFrameMkLst>
+        </pc:graphicFrameChg>
+      </pc:sldChg>
+      <pc:sldChg chg="modSp">
+        <pc:chgData name="Kelly Marques" userId="S::1397012@sga.pucminas.br::e60ab76c-a77f-40f7-b755-8286a6e0b93a" providerId="AD" clId="Web-{3EA3DE71-0D97-C90A-BDD5-DA05C43FDD50}" dt="2022-12-02T16:50:21.321" v="35"/>
+        <pc:sldMkLst>
+          <pc:docMk/>
+          <pc:sldMk cId="4034381633" sldId="270"/>
+        </pc:sldMkLst>
+        <pc:graphicFrameChg chg="modGraphic">
+          <ac:chgData name="Kelly Marques" userId="S::1397012@sga.pucminas.br::e60ab76c-a77f-40f7-b755-8286a6e0b93a" providerId="AD" clId="Web-{3EA3DE71-0D97-C90A-BDD5-DA05C43FDD50}" dt="2022-12-02T16:50:21.321" v="35"/>
+          <ac:graphicFrameMkLst>
+            <pc:docMk/>
+            <pc:sldMk cId="4034381633" sldId="270"/>
+            <ac:graphicFrameMk id="12" creationId="{185B6379-65B9-C9E0-1142-CF17DDC6E05B}"/>
+          </ac:graphicFrameMkLst>
+        </pc:graphicFrameChg>
+      </pc:sldChg>
+      <pc:sldChg chg="modSp">
+        <pc:chgData name="Kelly Marques" userId="S::1397012@sga.pucminas.br::e60ab76c-a77f-40f7-b755-8286a6e0b93a" providerId="AD" clId="Web-{3EA3DE71-0D97-C90A-BDD5-DA05C43FDD50}" dt="2022-12-02T16:50:43.602" v="38" actId="14100"/>
+        <pc:sldMkLst>
+          <pc:docMk/>
+          <pc:sldMk cId="2984336382" sldId="271"/>
+        </pc:sldMkLst>
+        <pc:picChg chg="mod">
+          <ac:chgData name="Kelly Marques" userId="S::1397012@sga.pucminas.br::e60ab76c-a77f-40f7-b755-8286a6e0b93a" providerId="AD" clId="Web-{3EA3DE71-0D97-C90A-BDD5-DA05C43FDD50}" dt="2022-12-02T16:50:43.602" v="38" actId="14100"/>
+          <ac:picMkLst>
+            <pc:docMk/>
+            <pc:sldMk cId="2984336382" sldId="271"/>
+            <ac:picMk id="4" creationId="{5D38D62C-03C1-6EEF-6E22-BF258CEB0107}"/>
+          </ac:picMkLst>
+        </pc:picChg>
+      </pc:sldChg>
+      <pc:sldChg chg="modSp">
+        <pc:chgData name="Kelly Marques" userId="S::1397012@sga.pucminas.br::e60ab76c-a77f-40f7-b755-8286a6e0b93a" providerId="AD" clId="Web-{3EA3DE71-0D97-C90A-BDD5-DA05C43FDD50}" dt="2022-12-02T17:03:21.592" v="202" actId="20577"/>
+        <pc:sldMkLst>
+          <pc:docMk/>
+          <pc:sldMk cId="266013506" sldId="279"/>
+        </pc:sldMkLst>
+        <pc:spChg chg="mod">
+          <ac:chgData name="Kelly Marques" userId="S::1397012@sga.pucminas.br::e60ab76c-a77f-40f7-b755-8286a6e0b93a" providerId="AD" clId="Web-{3EA3DE71-0D97-C90A-BDD5-DA05C43FDD50}" dt="2022-12-02T17:03:21.592" v="202" actId="20577"/>
+          <ac:spMkLst>
+            <pc:docMk/>
+            <pc:sldMk cId="266013506" sldId="279"/>
+            <ac:spMk id="2" creationId="{42A502EF-5B0D-DDA1-15BE-046D93F687B5}"/>
+          </ac:spMkLst>
+        </pc:spChg>
+      </pc:sldChg>
+      <pc:sldChg chg="addSp delSp modSp">
+        <pc:chgData name="Kelly Marques" userId="S::1397012@sga.pucminas.br::e60ab76c-a77f-40f7-b755-8286a6e0b93a" providerId="AD" clId="Web-{3EA3DE71-0D97-C90A-BDD5-DA05C43FDD50}" dt="2022-12-02T17:08:44.104" v="203"/>
+        <pc:sldMkLst>
+          <pc:docMk/>
+          <pc:sldMk cId="2128551846" sldId="281"/>
+        </pc:sldMkLst>
+        <pc:spChg chg="mod">
+          <ac:chgData name="Kelly Marques" userId="S::1397012@sga.pucminas.br::e60ab76c-a77f-40f7-b755-8286a6e0b93a" providerId="AD" clId="Web-{3EA3DE71-0D97-C90A-BDD5-DA05C43FDD50}" dt="2022-12-02T17:08:44.104" v="203"/>
+          <ac:spMkLst>
+            <pc:docMk/>
+            <pc:sldMk cId="2128551846" sldId="281"/>
+            <ac:spMk id="2" creationId="{42A502EF-5B0D-DDA1-15BE-046D93F687B5}"/>
+          </ac:spMkLst>
+        </pc:spChg>
+        <pc:spChg chg="del">
+          <ac:chgData name="Kelly Marques" userId="S::1397012@sga.pucminas.br::e60ab76c-a77f-40f7-b755-8286a6e0b93a" providerId="AD" clId="Web-{3EA3DE71-0D97-C90A-BDD5-DA05C43FDD50}" dt="2022-12-02T17:08:44.104" v="203"/>
+          <ac:spMkLst>
+            <pc:docMk/>
+            <pc:sldMk cId="2128551846" sldId="281"/>
+            <ac:spMk id="117" creationId="{2EF38B55-93F3-A25B-6F38-1170C68B5110}"/>
+          </ac:spMkLst>
+        </pc:spChg>
+        <pc:spChg chg="del">
+          <ac:chgData name="Kelly Marques" userId="S::1397012@sga.pucminas.br::e60ab76c-a77f-40f7-b755-8286a6e0b93a" providerId="AD" clId="Web-{3EA3DE71-0D97-C90A-BDD5-DA05C43FDD50}" dt="2022-12-02T17:08:44.104" v="203"/>
+          <ac:spMkLst>
+            <pc:docMk/>
+            <pc:sldMk cId="2128551846" sldId="281"/>
+            <ac:spMk id="123" creationId="{AC17DE74-01C9-4859-B65A-85CF999E8580}"/>
+          </ac:spMkLst>
+        </pc:spChg>
+        <pc:spChg chg="del">
+          <ac:chgData name="Kelly Marques" userId="S::1397012@sga.pucminas.br::e60ab76c-a77f-40f7-b755-8286a6e0b93a" providerId="AD" clId="Web-{3EA3DE71-0D97-C90A-BDD5-DA05C43FDD50}" dt="2022-12-02T17:08:44.104" v="203"/>
+          <ac:spMkLst>
+            <pc:docMk/>
+            <pc:sldMk cId="2128551846" sldId="281"/>
+            <ac:spMk id="125" creationId="{068C0432-0E90-4CC1-8CD3-D44A90DF07EF}"/>
+          </ac:spMkLst>
+        </pc:spChg>
+        <pc:spChg chg="add">
+          <ac:chgData name="Kelly Marques" userId="S::1397012@sga.pucminas.br::e60ab76c-a77f-40f7-b755-8286a6e0b93a" providerId="AD" clId="Web-{3EA3DE71-0D97-C90A-BDD5-DA05C43FDD50}" dt="2022-12-02T17:08:44.104" v="203"/>
+          <ac:spMkLst>
+            <pc:docMk/>
+            <pc:sldMk cId="2128551846" sldId="281"/>
+            <ac:spMk id="131" creationId="{9B7AD9F6-8CE7-4299-8FC6-328F4DCD3FF9}"/>
+          </ac:spMkLst>
+        </pc:spChg>
+        <pc:spChg chg="add">
+          <ac:chgData name="Kelly Marques" userId="S::1397012@sga.pucminas.br::e60ab76c-a77f-40f7-b755-8286a6e0b93a" providerId="AD" clId="Web-{3EA3DE71-0D97-C90A-BDD5-DA05C43FDD50}" dt="2022-12-02T17:08:44.104" v="203"/>
+          <ac:spMkLst>
+            <pc:docMk/>
+            <pc:sldMk cId="2128551846" sldId="281"/>
+            <ac:spMk id="133" creationId="{F49775AF-8896-43EE-92C6-83497D6DC56F}"/>
+          </ac:spMkLst>
+        </pc:spChg>
+        <pc:picChg chg="add">
+          <ac:chgData name="Kelly Marques" userId="S::1397012@sga.pucminas.br::e60ab76c-a77f-40f7-b755-8286a6e0b93a" providerId="AD" clId="Web-{3EA3DE71-0D97-C90A-BDD5-DA05C43FDD50}" dt="2022-12-02T17:08:44.104" v="203"/>
+          <ac:picMkLst>
+            <pc:docMk/>
+            <pc:sldMk cId="2128551846" sldId="281"/>
+            <ac:picMk id="127" creationId="{77A65077-B4E0-886A-65A1-5A4F071C9139}"/>
+          </ac:picMkLst>
+        </pc:picChg>
+      </pc:sldChg>
+      <pc:sldChg chg="modSp">
+        <pc:chgData name="Kelly Marques" userId="S::1397012@sga.pucminas.br::e60ab76c-a77f-40f7-b755-8286a6e0b93a" providerId="AD" clId="Web-{3EA3DE71-0D97-C90A-BDD5-DA05C43FDD50}" dt="2022-12-02T16:50:27.055" v="36"/>
+        <pc:sldMkLst>
+          <pc:docMk/>
+          <pc:sldMk cId="554501015" sldId="284"/>
+        </pc:sldMkLst>
+        <pc:graphicFrameChg chg="modGraphic">
+          <ac:chgData name="Kelly Marques" userId="S::1397012@sga.pucminas.br::e60ab76c-a77f-40f7-b755-8286a6e0b93a" providerId="AD" clId="Web-{3EA3DE71-0D97-C90A-BDD5-DA05C43FDD50}" dt="2022-12-02T16:50:27.055" v="36"/>
+          <ac:graphicFrameMkLst>
+            <pc:docMk/>
+            <pc:sldMk cId="554501015" sldId="284"/>
+            <ac:graphicFrameMk id="12" creationId="{92D74D84-E918-F8C0-2B80-35634E3D0D5E}"/>
+          </ac:graphicFrameMkLst>
+        </pc:graphicFrameChg>
+      </pc:sldChg>
+      <pc:sldChg chg="addSp delSp modSp">
+        <pc:chgData name="Kelly Marques" userId="S::1397012@sga.pucminas.br::e60ab76c-a77f-40f7-b755-8286a6e0b93a" providerId="AD" clId="Web-{3EA3DE71-0D97-C90A-BDD5-DA05C43FDD50}" dt="2022-12-02T16:46:54.612" v="7" actId="1076"/>
+        <pc:sldMkLst>
+          <pc:docMk/>
+          <pc:sldMk cId="3422282412" sldId="285"/>
+        </pc:sldMkLst>
+        <pc:spChg chg="mod">
+          <ac:chgData name="Kelly Marques" userId="S::1397012@sga.pucminas.br::e60ab76c-a77f-40f7-b755-8286a6e0b93a" providerId="AD" clId="Web-{3EA3DE71-0D97-C90A-BDD5-DA05C43FDD50}" dt="2022-12-02T16:46:46.549" v="4"/>
+          <ac:spMkLst>
+            <pc:docMk/>
+            <pc:sldMk cId="3422282412" sldId="285"/>
+            <ac:spMk id="2" creationId="{47DA741D-7571-8BD8-2005-E539AFE5B8D1}"/>
+          </ac:spMkLst>
+        </pc:spChg>
+        <pc:spChg chg="del">
+          <ac:chgData name="Kelly Marques" userId="S::1397012@sga.pucminas.br::e60ab76c-a77f-40f7-b755-8286a6e0b93a" providerId="AD" clId="Web-{3EA3DE71-0D97-C90A-BDD5-DA05C43FDD50}" dt="2022-12-02T16:46:34.846" v="0"/>
+          <ac:spMkLst>
+            <pc:docMk/>
+            <pc:sldMk cId="3422282412" sldId="285"/>
+            <ac:spMk id="22" creationId="{B6CDA21F-E7AF-4C75-8395-33F58D5B0E45}"/>
+          </ac:spMkLst>
+        </pc:spChg>
+        <pc:spChg chg="del">
+          <ac:chgData name="Kelly Marques" userId="S::1397012@sga.pucminas.br::e60ab76c-a77f-40f7-b755-8286a6e0b93a" providerId="AD" clId="Web-{3EA3DE71-0D97-C90A-BDD5-DA05C43FDD50}" dt="2022-12-02T16:46:34.846" v="0"/>
+          <ac:spMkLst>
+            <pc:docMk/>
+            <pc:sldMk cId="3422282412" sldId="285"/>
+            <ac:spMk id="25" creationId="{D5B0017B-2ECA-49AF-B397-DC140825DF8D}"/>
+          </ac:spMkLst>
+        </pc:spChg>
+        <pc:spChg chg="add del mod">
+          <ac:chgData name="Kelly Marques" userId="S::1397012@sga.pucminas.br::e60ab76c-a77f-40f7-b755-8286a6e0b93a" providerId="AD" clId="Web-{3EA3DE71-0D97-C90A-BDD5-DA05C43FDD50}" dt="2022-12-02T16:46:39.486" v="2"/>
+          <ac:spMkLst>
+            <pc:docMk/>
+            <pc:sldMk cId="3422282412" sldId="285"/>
+            <ac:spMk id="30" creationId="{3062E943-5E66-7A25-4267-ABF93E52A92A}"/>
+          </ac:spMkLst>
+        </pc:spChg>
+        <pc:spChg chg="add del">
+          <ac:chgData name="Kelly Marques" userId="S::1397012@sga.pucminas.br::e60ab76c-a77f-40f7-b755-8286a6e0b93a" providerId="AD" clId="Web-{3EA3DE71-0D97-C90A-BDD5-DA05C43FDD50}" dt="2022-12-02T16:46:46.549" v="4"/>
+          <ac:spMkLst>
+            <pc:docMk/>
+            <pc:sldMk cId="3422282412" sldId="285"/>
+            <ac:spMk id="33" creationId="{32AEEBC8-9D30-42EF-95F2-386C2653FBF0}"/>
+          </ac:spMkLst>
+        </pc:spChg>
+        <pc:spChg chg="add del">
+          <ac:chgData name="Kelly Marques" userId="S::1397012@sga.pucminas.br::e60ab76c-a77f-40f7-b755-8286a6e0b93a" providerId="AD" clId="Web-{3EA3DE71-0D97-C90A-BDD5-DA05C43FDD50}" dt="2022-12-02T16:46:46.549" v="4"/>
+          <ac:spMkLst>
+            <pc:docMk/>
+            <pc:sldMk cId="3422282412" sldId="285"/>
+            <ac:spMk id="35" creationId="{3529E97A-97C3-40EA-8A04-5C02398D568F}"/>
+          </ac:spMkLst>
+        </pc:spChg>
+        <pc:spChg chg="add del">
+          <ac:chgData name="Kelly Marques" userId="S::1397012@sga.pucminas.br::e60ab76c-a77f-40f7-b755-8286a6e0b93a" providerId="AD" clId="Web-{3EA3DE71-0D97-C90A-BDD5-DA05C43FDD50}" dt="2022-12-02T16:46:46.549" v="4"/>
+          <ac:spMkLst>
+            <pc:docMk/>
+            <pc:sldMk cId="3422282412" sldId="285"/>
+            <ac:spMk id="37" creationId="{59FA8C2E-A5A7-4490-927A-7CD58343EDBB}"/>
+          </ac:spMkLst>
+        </pc:spChg>
+        <pc:spChg chg="add">
+          <ac:chgData name="Kelly Marques" userId="S::1397012@sga.pucminas.br::e60ab76c-a77f-40f7-b755-8286a6e0b93a" providerId="AD" clId="Web-{3EA3DE71-0D97-C90A-BDD5-DA05C43FDD50}" dt="2022-12-02T16:46:46.549" v="4"/>
+          <ac:spMkLst>
+            <pc:docMk/>
+            <pc:sldMk cId="3422282412" sldId="285"/>
+            <ac:spMk id="42" creationId="{BCED4D40-4B67-4331-AC48-79B82B4A47D8}"/>
+          </ac:spMkLst>
+        </pc:spChg>
+        <pc:spChg chg="add">
+          <ac:chgData name="Kelly Marques" userId="S::1397012@sga.pucminas.br::e60ab76c-a77f-40f7-b755-8286a6e0b93a" providerId="AD" clId="Web-{3EA3DE71-0D97-C90A-BDD5-DA05C43FDD50}" dt="2022-12-02T16:46:46.549" v="4"/>
+          <ac:spMkLst>
+            <pc:docMk/>
+            <pc:sldMk cId="3422282412" sldId="285"/>
+            <ac:spMk id="44" creationId="{670CEDEF-4F34-412E-84EE-329C1E936AF5}"/>
+          </ac:spMkLst>
+        </pc:spChg>
+        <pc:grpChg chg="del">
+          <ac:chgData name="Kelly Marques" userId="S::1397012@sga.pucminas.br::e60ab76c-a77f-40f7-b755-8286a6e0b93a" providerId="AD" clId="Web-{3EA3DE71-0D97-C90A-BDD5-DA05C43FDD50}" dt="2022-12-02T16:46:34.846" v="0"/>
+          <ac:grpSpMkLst>
+            <pc:docMk/>
+            <pc:sldMk cId="3422282412" sldId="285"/>
+            <ac:grpSpMk id="23" creationId="{AE1C45F0-260A-458C-96ED-C1F6D2151219}"/>
+          </ac:grpSpMkLst>
+        </pc:grpChg>
+        <pc:picChg chg="mod">
+          <ac:chgData name="Kelly Marques" userId="S::1397012@sga.pucminas.br::e60ab76c-a77f-40f7-b755-8286a6e0b93a" providerId="AD" clId="Web-{3EA3DE71-0D97-C90A-BDD5-DA05C43FDD50}" dt="2022-12-02T16:46:54.612" v="7" actId="1076"/>
+          <ac:picMkLst>
+            <pc:docMk/>
+            <pc:sldMk cId="3422282412" sldId="285"/>
+            <ac:picMk id="5" creationId="{147B2962-3F20-1465-43C0-9E7902C0FB61}"/>
+          </ac:picMkLst>
+        </pc:picChg>
+        <pc:cxnChg chg="del">
+          <ac:chgData name="Kelly Marques" userId="S::1397012@sga.pucminas.br::e60ab76c-a77f-40f7-b755-8286a6e0b93a" providerId="AD" clId="Web-{3EA3DE71-0D97-C90A-BDD5-DA05C43FDD50}" dt="2022-12-02T16:46:34.846" v="0"/>
+          <ac:cxnSpMkLst>
+            <pc:docMk/>
+            <pc:sldMk cId="3422282412" sldId="285"/>
+            <ac:cxnSpMk id="26" creationId="{6CF1BAF6-AD41-4082-B212-8A1F9A2E8779}"/>
+          </ac:cxnSpMkLst>
+        </pc:cxnChg>
+      </pc:sldChg>
+      <pc:sldChg chg="addSp delSp modSp">
+        <pc:chgData name="Kelly Marques" userId="S::1397012@sga.pucminas.br::e60ab76c-a77f-40f7-b755-8286a6e0b93a" providerId="AD" clId="Web-{3EA3DE71-0D97-C90A-BDD5-DA05C43FDD50}" dt="2022-12-02T16:47:37.597" v="20" actId="1076"/>
+        <pc:sldMkLst>
+          <pc:docMk/>
+          <pc:sldMk cId="3252955047" sldId="286"/>
+        </pc:sldMkLst>
+        <pc:spChg chg="mod">
+          <ac:chgData name="Kelly Marques" userId="S::1397012@sga.pucminas.br::e60ab76c-a77f-40f7-b755-8286a6e0b93a" providerId="AD" clId="Web-{3EA3DE71-0D97-C90A-BDD5-DA05C43FDD50}" dt="2022-12-02T16:47:27.331" v="16"/>
+          <ac:spMkLst>
+            <pc:docMk/>
+            <pc:sldMk cId="3252955047" sldId="286"/>
+            <ac:spMk id="2" creationId="{47DA741D-7571-8BD8-2005-E539AFE5B8D1}"/>
+          </ac:spMkLst>
+        </pc:spChg>
+        <pc:spChg chg="del">
+          <ac:chgData name="Kelly Marques" userId="S::1397012@sga.pucminas.br::e60ab76c-a77f-40f7-b755-8286a6e0b93a" providerId="AD" clId="Web-{3EA3DE71-0D97-C90A-BDD5-DA05C43FDD50}" dt="2022-12-02T16:47:18.722" v="13"/>
+          <ac:spMkLst>
+            <pc:docMk/>
+            <pc:sldMk cId="3252955047" sldId="286"/>
+            <ac:spMk id="22" creationId="{B6CDA21F-E7AF-4C75-8395-33F58D5B0E45}"/>
+          </ac:spMkLst>
+        </pc:spChg>
+        <pc:spChg chg="del">
+          <ac:chgData name="Kelly Marques" userId="S::1397012@sga.pucminas.br::e60ab76c-a77f-40f7-b755-8286a6e0b93a" providerId="AD" clId="Web-{3EA3DE71-0D97-C90A-BDD5-DA05C43FDD50}" dt="2022-12-02T16:47:18.722" v="13"/>
+          <ac:spMkLst>
+            <pc:docMk/>
+            <pc:sldMk cId="3252955047" sldId="286"/>
+            <ac:spMk id="25" creationId="{D5B0017B-2ECA-49AF-B397-DC140825DF8D}"/>
+          </ac:spMkLst>
+        </pc:spChg>
+        <pc:spChg chg="add del mod">
+          <ac:chgData name="Kelly Marques" userId="S::1397012@sga.pucminas.br::e60ab76c-a77f-40f7-b755-8286a6e0b93a" providerId="AD" clId="Web-{3EA3DE71-0D97-C90A-BDD5-DA05C43FDD50}" dt="2022-12-02T16:47:24.363" v="15"/>
+          <ac:spMkLst>
+            <pc:docMk/>
+            <pc:sldMk cId="3252955047" sldId="286"/>
+            <ac:spMk id="30" creationId="{34528A93-642A-7423-4D48-249EA03DBD98}"/>
+          </ac:spMkLst>
+        </pc:spChg>
+        <pc:spChg chg="add del">
+          <ac:chgData name="Kelly Marques" userId="S::1397012@sga.pucminas.br::e60ab76c-a77f-40f7-b755-8286a6e0b93a" providerId="AD" clId="Web-{3EA3DE71-0D97-C90A-BDD5-DA05C43FDD50}" dt="2022-12-02T16:47:27.331" v="16"/>
+          <ac:spMkLst>
+            <pc:docMk/>
+            <pc:sldMk cId="3252955047" sldId="286"/>
+            <ac:spMk id="33" creationId="{32AEEBC8-9D30-42EF-95F2-386C2653FBF0}"/>
+          </ac:spMkLst>
+        </pc:spChg>
+        <pc:spChg chg="add del">
+          <ac:chgData name="Kelly Marques" userId="S::1397012@sga.pucminas.br::e60ab76c-a77f-40f7-b755-8286a6e0b93a" providerId="AD" clId="Web-{3EA3DE71-0D97-C90A-BDD5-DA05C43FDD50}" dt="2022-12-02T16:47:27.331" v="16"/>
+          <ac:spMkLst>
+            <pc:docMk/>
+            <pc:sldMk cId="3252955047" sldId="286"/>
+            <ac:spMk id="35" creationId="{2E92FA66-67D7-4CB4-94D3-E643A9AD4757}"/>
+          </ac:spMkLst>
+        </pc:spChg>
+        <pc:spChg chg="add">
+          <ac:chgData name="Kelly Marques" userId="S::1397012@sga.pucminas.br::e60ab76c-a77f-40f7-b755-8286a6e0b93a" providerId="AD" clId="Web-{3EA3DE71-0D97-C90A-BDD5-DA05C43FDD50}" dt="2022-12-02T16:47:27.331" v="16"/>
+          <ac:spMkLst>
+            <pc:docMk/>
+            <pc:sldMk cId="3252955047" sldId="286"/>
+            <ac:spMk id="40" creationId="{BCED4D40-4B67-4331-AC48-79B82B4A47D8}"/>
+          </ac:spMkLst>
+        </pc:spChg>
+        <pc:spChg chg="add">
+          <ac:chgData name="Kelly Marques" userId="S::1397012@sga.pucminas.br::e60ab76c-a77f-40f7-b755-8286a6e0b93a" providerId="AD" clId="Web-{3EA3DE71-0D97-C90A-BDD5-DA05C43FDD50}" dt="2022-12-02T16:47:27.331" v="16"/>
+          <ac:spMkLst>
+            <pc:docMk/>
+            <pc:sldMk cId="3252955047" sldId="286"/>
+            <ac:spMk id="42" creationId="{670CEDEF-4F34-412E-84EE-329C1E936AF5}"/>
+          </ac:spMkLst>
+        </pc:spChg>
+        <pc:grpChg chg="del">
+          <ac:chgData name="Kelly Marques" userId="S::1397012@sga.pucminas.br::e60ab76c-a77f-40f7-b755-8286a6e0b93a" providerId="AD" clId="Web-{3EA3DE71-0D97-C90A-BDD5-DA05C43FDD50}" dt="2022-12-02T16:47:18.722" v="13"/>
+          <ac:grpSpMkLst>
+            <pc:docMk/>
+            <pc:sldMk cId="3252955047" sldId="286"/>
+            <ac:grpSpMk id="23" creationId="{AE1C45F0-260A-458C-96ED-C1F6D2151219}"/>
+          </ac:grpSpMkLst>
+        </pc:grpChg>
+        <pc:picChg chg="mod">
+          <ac:chgData name="Kelly Marques" userId="S::1397012@sga.pucminas.br::e60ab76c-a77f-40f7-b755-8286a6e0b93a" providerId="AD" clId="Web-{3EA3DE71-0D97-C90A-BDD5-DA05C43FDD50}" dt="2022-12-02T16:47:37.597" v="20" actId="1076"/>
+          <ac:picMkLst>
+            <pc:docMk/>
+            <pc:sldMk cId="3252955047" sldId="286"/>
+            <ac:picMk id="4" creationId="{6711C4A3-FC06-51BC-A4E3-342F17344DFF}"/>
+          </ac:picMkLst>
+        </pc:picChg>
+        <pc:cxnChg chg="del">
+          <ac:chgData name="Kelly Marques" userId="S::1397012@sga.pucminas.br::e60ab76c-a77f-40f7-b755-8286a6e0b93a" providerId="AD" clId="Web-{3EA3DE71-0D97-C90A-BDD5-DA05C43FDD50}" dt="2022-12-02T16:47:18.722" v="13"/>
+          <ac:cxnSpMkLst>
+            <pc:docMk/>
+            <pc:sldMk cId="3252955047" sldId="286"/>
+            <ac:cxnSpMk id="26" creationId="{6CF1BAF6-AD41-4082-B212-8A1F9A2E8779}"/>
+          </ac:cxnSpMkLst>
+        </pc:cxnChg>
+      </pc:sldChg>
+      <pc:sldChg chg="addSp delSp modSp">
+        <pc:chgData name="Kelly Marques" userId="S::1397012@sga.pucminas.br::e60ab76c-a77f-40f7-b755-8286a6e0b93a" providerId="AD" clId="Web-{3EA3DE71-0D97-C90A-BDD5-DA05C43FDD50}" dt="2022-12-02T16:47:11.393" v="12" actId="1076"/>
+        <pc:sldMkLst>
+          <pc:docMk/>
+          <pc:sldMk cId="414140974" sldId="287"/>
+        </pc:sldMkLst>
+        <pc:spChg chg="mod">
+          <ac:chgData name="Kelly Marques" userId="S::1397012@sga.pucminas.br::e60ab76c-a77f-40f7-b755-8286a6e0b93a" providerId="AD" clId="Web-{3EA3DE71-0D97-C90A-BDD5-DA05C43FDD50}" dt="2022-12-02T16:46:59.690" v="8"/>
+          <ac:spMkLst>
+            <pc:docMk/>
+            <pc:sldMk cId="414140974" sldId="287"/>
+            <ac:spMk id="2" creationId="{47DA741D-7571-8BD8-2005-E539AFE5B8D1}"/>
+          </ac:spMkLst>
+        </pc:spChg>
+        <pc:spChg chg="del">
+          <ac:chgData name="Kelly Marques" userId="S::1397012@sga.pucminas.br::e60ab76c-a77f-40f7-b755-8286a6e0b93a" providerId="AD" clId="Web-{3EA3DE71-0D97-C90A-BDD5-DA05C43FDD50}" dt="2022-12-02T16:46:59.690" v="8"/>
+          <ac:spMkLst>
+            <pc:docMk/>
+            <pc:sldMk cId="414140974" sldId="287"/>
+            <ac:spMk id="47" creationId="{C59AB4C8-9178-4F7A-8404-6890510B5917}"/>
+          </ac:spMkLst>
+        </pc:spChg>
+        <pc:spChg chg="del">
+          <ac:chgData name="Kelly Marques" userId="S::1397012@sga.pucminas.br::e60ab76c-a77f-40f7-b755-8286a6e0b93a" providerId="AD" clId="Web-{3EA3DE71-0D97-C90A-BDD5-DA05C43FDD50}" dt="2022-12-02T16:46:59.690" v="8"/>
+          <ac:spMkLst>
+            <pc:docMk/>
+            <pc:sldMk cId="414140974" sldId="287"/>
+            <ac:spMk id="49" creationId="{4CFDFB37-4BC7-42C6-915D-A6609139BFE7}"/>
+          </ac:spMkLst>
+        </pc:spChg>
+        <pc:spChg chg="add">
+          <ac:chgData name="Kelly Marques" userId="S::1397012@sga.pucminas.br::e60ab76c-a77f-40f7-b755-8286a6e0b93a" providerId="AD" clId="Web-{3EA3DE71-0D97-C90A-BDD5-DA05C43FDD50}" dt="2022-12-02T16:46:59.690" v="8"/>
+          <ac:spMkLst>
+            <pc:docMk/>
+            <pc:sldMk cId="414140974" sldId="287"/>
+            <ac:spMk id="54" creationId="{BCED4D40-4B67-4331-AC48-79B82B4A47D8}"/>
+          </ac:spMkLst>
+        </pc:spChg>
+        <pc:spChg chg="add">
+          <ac:chgData name="Kelly Marques" userId="S::1397012@sga.pucminas.br::e60ab76c-a77f-40f7-b755-8286a6e0b93a" providerId="AD" clId="Web-{3EA3DE71-0D97-C90A-BDD5-DA05C43FDD50}" dt="2022-12-02T16:46:59.690" v="8"/>
+          <ac:spMkLst>
+            <pc:docMk/>
+            <pc:sldMk cId="414140974" sldId="287"/>
+            <ac:spMk id="56" creationId="{670CEDEF-4F34-412E-84EE-329C1E936AF5}"/>
+          </ac:spMkLst>
+        </pc:spChg>
+        <pc:picChg chg="mod">
+          <ac:chgData name="Kelly Marques" userId="S::1397012@sga.pucminas.br::e60ab76c-a77f-40f7-b755-8286a6e0b93a" providerId="AD" clId="Web-{3EA3DE71-0D97-C90A-BDD5-DA05C43FDD50}" dt="2022-12-02T16:47:11.393" v="12" actId="1076"/>
+          <ac:picMkLst>
+            <pc:docMk/>
+            <pc:sldMk cId="414140974" sldId="287"/>
+            <ac:picMk id="4" creationId="{4462CFC0-8074-D0D8-1750-BCE90ED0C952}"/>
+          </ac:picMkLst>
+        </pc:picChg>
+      </pc:sldChg>
+      <pc:sldChg chg="modSp">
+        <pc:chgData name="Kelly Marques" userId="S::1397012@sga.pucminas.br::e60ab76c-a77f-40f7-b755-8286a6e0b93a" providerId="AD" clId="Web-{3EA3DE71-0D97-C90A-BDD5-DA05C43FDD50}" dt="2022-12-02T16:50:49.790" v="39" actId="1076"/>
+        <pc:sldMkLst>
+          <pc:docMk/>
+          <pc:sldMk cId="2219606751" sldId="289"/>
+        </pc:sldMkLst>
+        <pc:picChg chg="mod">
+          <ac:chgData name="Kelly Marques" userId="S::1397012@sga.pucminas.br::e60ab76c-a77f-40f7-b755-8286a6e0b93a" providerId="AD" clId="Web-{3EA3DE71-0D97-C90A-BDD5-DA05C43FDD50}" dt="2022-12-02T16:50:49.790" v="39" actId="1076"/>
+          <ac:picMkLst>
+            <pc:docMk/>
+            <pc:sldMk cId="2219606751" sldId="289"/>
+            <ac:picMk id="6" creationId="{05577403-24E4-1C01-7341-802878045E27}"/>
+          </ac:picMkLst>
+        </pc:picChg>
+      </pc:sldChg>
+      <pc:sldChg chg="modSp">
+        <pc:chgData name="Kelly Marques" userId="S::1397012@sga.pucminas.br::e60ab76c-a77f-40f7-b755-8286a6e0b93a" providerId="AD" clId="Web-{3EA3DE71-0D97-C90A-BDD5-DA05C43FDD50}" dt="2022-12-02T16:58:17.209" v="124" actId="1076"/>
+        <pc:sldMkLst>
+          <pc:docMk/>
+          <pc:sldMk cId="1768574585" sldId="296"/>
+        </pc:sldMkLst>
+        <pc:spChg chg="mod">
+          <ac:chgData name="Kelly Marques" userId="S::1397012@sga.pucminas.br::e60ab76c-a77f-40f7-b755-8286a6e0b93a" providerId="AD" clId="Web-{3EA3DE71-0D97-C90A-BDD5-DA05C43FDD50}" dt="2022-12-02T16:58:17.209" v="124" actId="1076"/>
+          <ac:spMkLst>
+            <pc:docMk/>
+            <pc:sldMk cId="1768574585" sldId="296"/>
+            <ac:spMk id="2" creationId="{47DA741D-7571-8BD8-2005-E539AFE5B8D1}"/>
+          </ac:spMkLst>
+        </pc:spChg>
+        <pc:spChg chg="mod">
+          <ac:chgData name="Kelly Marques" userId="S::1397012@sga.pucminas.br::e60ab76c-a77f-40f7-b755-8286a6e0b93a" providerId="AD" clId="Web-{3EA3DE71-0D97-C90A-BDD5-DA05C43FDD50}" dt="2022-12-02T16:54:28.015" v="86" actId="20577"/>
+          <ac:spMkLst>
+            <pc:docMk/>
+            <pc:sldMk cId="1768574585" sldId="296"/>
+            <ac:spMk id="3" creationId="{EE114D47-0E6B-8A69-3A30-26904E21DDE5}"/>
+          </ac:spMkLst>
+        </pc:spChg>
+      </pc:sldChg>
+      <pc:sldChg chg="modSp del">
+        <pc:chgData name="Kelly Marques" userId="S::1397012@sga.pucminas.br::e60ab76c-a77f-40f7-b755-8286a6e0b93a" providerId="AD" clId="Web-{3EA3DE71-0D97-C90A-BDD5-DA05C43FDD50}" dt="2022-12-02T17:00:17.509" v="177"/>
+        <pc:sldMkLst>
+          <pc:docMk/>
+          <pc:sldMk cId="2727639725" sldId="297"/>
+        </pc:sldMkLst>
+        <pc:spChg chg="mod">
+          <ac:chgData name="Kelly Marques" userId="S::1397012@sga.pucminas.br::e60ab76c-a77f-40f7-b755-8286a6e0b93a" providerId="AD" clId="Web-{3EA3DE71-0D97-C90A-BDD5-DA05C43FDD50}" dt="2022-12-02T16:57:25.364" v="110" actId="1076"/>
+          <ac:spMkLst>
+            <pc:docMk/>
+            <pc:sldMk cId="2727639725" sldId="297"/>
+            <ac:spMk id="2" creationId="{47DA741D-7571-8BD8-2005-E539AFE5B8D1}"/>
+          </ac:spMkLst>
+        </pc:spChg>
+        <pc:spChg chg="mod">
+          <ac:chgData name="Kelly Marques" userId="S::1397012@sga.pucminas.br::e60ab76c-a77f-40f7-b755-8286a6e0b93a" providerId="AD" clId="Web-{3EA3DE71-0D97-C90A-BDD5-DA05C43FDD50}" dt="2022-12-02T16:59:08.491" v="134" actId="20577"/>
+          <ac:spMkLst>
+            <pc:docMk/>
+            <pc:sldMk cId="2727639725" sldId="297"/>
+            <ac:spMk id="3" creationId="{EE114D47-0E6B-8A69-3A30-26904E21DDE5}"/>
+          </ac:spMkLst>
+        </pc:spChg>
+      </pc:sldChg>
+      <pc:sldChg chg="modSp del">
+        <pc:chgData name="Kelly Marques" userId="S::1397012@sga.pucminas.br::e60ab76c-a77f-40f7-b755-8286a6e0b93a" providerId="AD" clId="Web-{3EA3DE71-0D97-C90A-BDD5-DA05C43FDD50}" dt="2022-12-02T17:00:16.650" v="176"/>
+        <pc:sldMkLst>
+          <pc:docMk/>
+          <pc:sldMk cId="3104000574" sldId="298"/>
+        </pc:sldMkLst>
+        <pc:spChg chg="mod">
+          <ac:chgData name="Kelly Marques" userId="S::1397012@sga.pucminas.br::e60ab76c-a77f-40f7-b755-8286a6e0b93a" providerId="AD" clId="Web-{3EA3DE71-0D97-C90A-BDD5-DA05C43FDD50}" dt="2022-12-02T16:57:55.630" v="119" actId="20577"/>
+          <ac:spMkLst>
+            <pc:docMk/>
+            <pc:sldMk cId="3104000574" sldId="298"/>
+            <ac:spMk id="2" creationId="{47DA741D-7571-8BD8-2005-E539AFE5B8D1}"/>
+          </ac:spMkLst>
+        </pc:spChg>
+        <pc:spChg chg="mod">
+          <ac:chgData name="Kelly Marques" userId="S::1397012@sga.pucminas.br::e60ab76c-a77f-40f7-b755-8286a6e0b93a" providerId="AD" clId="Web-{3EA3DE71-0D97-C90A-BDD5-DA05C43FDD50}" dt="2022-12-02T16:59:19.836" v="136" actId="20577"/>
+          <ac:spMkLst>
+            <pc:docMk/>
+            <pc:sldMk cId="3104000574" sldId="298"/>
+            <ac:spMk id="3" creationId="{EE114D47-0E6B-8A69-3A30-26904E21DDE5}"/>
+          </ac:spMkLst>
+        </pc:spChg>
+      </pc:sldChg>
+      <pc:sldChg chg="modSp del">
+        <pc:chgData name="Kelly Marques" userId="S::1397012@sga.pucminas.br::e60ab76c-a77f-40f7-b755-8286a6e0b93a" providerId="AD" clId="Web-{3EA3DE71-0D97-C90A-BDD5-DA05C43FDD50}" dt="2022-12-02T16:54:31.234" v="87"/>
+        <pc:sldMkLst>
+          <pc:docMk/>
+          <pc:sldMk cId="3244081491" sldId="299"/>
+        </pc:sldMkLst>
+        <pc:spChg chg="mod">
+          <ac:chgData name="Kelly Marques" userId="S::1397012@sga.pucminas.br::e60ab76c-a77f-40f7-b755-8286a6e0b93a" providerId="AD" clId="Web-{3EA3DE71-0D97-C90A-BDD5-DA05C43FDD50}" dt="2022-12-02T16:53:26.091" v="56" actId="20577"/>
+          <ac:spMkLst>
+            <pc:docMk/>
+            <pc:sldMk cId="3244081491" sldId="299"/>
+            <ac:spMk id="3" creationId="{EE114D47-0E6B-8A69-3A30-26904E21DDE5}"/>
+          </ac:spMkLst>
+        </pc:spChg>
+      </pc:sldChg>
+      <pc:sldChg chg="addSp delSp modSp del">
+        <pc:chgData name="Kelly Marques" userId="S::1397012@sga.pucminas.br::e60ab76c-a77f-40f7-b755-8286a6e0b93a" providerId="AD" clId="Web-{3EA3DE71-0D97-C90A-BDD5-DA05C43FDD50}" dt="2022-12-02T17:02:53.013" v="197"/>
+        <pc:sldMkLst>
+          <pc:docMk/>
+          <pc:sldMk cId="2270643915" sldId="304"/>
+        </pc:sldMkLst>
+        <pc:spChg chg="mod">
+          <ac:chgData name="Kelly Marques" userId="S::1397012@sga.pucminas.br::e60ab76c-a77f-40f7-b755-8286a6e0b93a" providerId="AD" clId="Web-{3EA3DE71-0D97-C90A-BDD5-DA05C43FDD50}" dt="2022-12-02T17:02:21.841" v="189" actId="20577"/>
+          <ac:spMkLst>
+            <pc:docMk/>
+            <pc:sldMk cId="2270643915" sldId="304"/>
+            <ac:spMk id="2" creationId="{B5F78A2C-830C-FAD7-69AC-F340E519239E}"/>
+          </ac:spMkLst>
+        </pc:spChg>
+        <pc:spChg chg="del">
+          <ac:chgData name="Kelly Marques" userId="S::1397012@sga.pucminas.br::e60ab76c-a77f-40f7-b755-8286a6e0b93a" providerId="AD" clId="Web-{3EA3DE71-0D97-C90A-BDD5-DA05C43FDD50}" dt="2022-12-02T17:01:25.573" v="187"/>
+          <ac:spMkLst>
+            <pc:docMk/>
+            <pc:sldMk cId="2270643915" sldId="304"/>
+            <ac:spMk id="55" creationId="{2E442304-DDBD-4F7B-8017-36BCC863FB40}"/>
+          </ac:spMkLst>
+        </pc:spChg>
+        <pc:spChg chg="del">
+          <ac:chgData name="Kelly Marques" userId="S::1397012@sga.pucminas.br::e60ab76c-a77f-40f7-b755-8286a6e0b93a" providerId="AD" clId="Web-{3EA3DE71-0D97-C90A-BDD5-DA05C43FDD50}" dt="2022-12-02T17:01:25.573" v="187"/>
+          <ac:spMkLst>
+            <pc:docMk/>
+            <pc:sldMk cId="2270643915" sldId="304"/>
+            <ac:spMk id="57" creationId="{5E107275-3853-46FD-A241-DE4355A42675}"/>
+          </ac:spMkLst>
+        </pc:spChg>
+        <pc:spChg chg="add">
+          <ac:chgData name="Kelly Marques" userId="S::1397012@sga.pucminas.br::e60ab76c-a77f-40f7-b755-8286a6e0b93a" providerId="AD" clId="Web-{3EA3DE71-0D97-C90A-BDD5-DA05C43FDD50}" dt="2022-12-02T17:01:25.573" v="187"/>
+          <ac:spMkLst>
+            <pc:docMk/>
+            <pc:sldMk cId="2270643915" sldId="304"/>
+            <ac:spMk id="62" creationId="{955A2079-FA98-4876-80F0-72364A7D2EA4}"/>
+          </ac:spMkLst>
+        </pc:spChg>
+        <pc:graphicFrameChg chg="mod modGraphic">
+          <ac:chgData name="Kelly Marques" userId="S::1397012@sga.pucminas.br::e60ab76c-a77f-40f7-b755-8286a6e0b93a" providerId="AD" clId="Web-{3EA3DE71-0D97-C90A-BDD5-DA05C43FDD50}" dt="2022-12-02T17:02:39.716" v="194" actId="20577"/>
+          <ac:graphicFrameMkLst>
+            <pc:docMk/>
+            <pc:sldMk cId="2270643915" sldId="304"/>
+            <ac:graphicFrameMk id="12" creationId="{92D74D84-E918-F8C0-2B80-35634E3D0D5E}"/>
+          </ac:graphicFrameMkLst>
+        </pc:graphicFrameChg>
+      </pc:sldChg>
+      <pc:sldChg chg="modSp add del replId">
+        <pc:chgData name="Kelly Marques" userId="S::1397012@sga.pucminas.br::e60ab76c-a77f-40f7-b755-8286a6e0b93a" providerId="AD" clId="Web-{3EA3DE71-0D97-C90A-BDD5-DA05C43FDD50}" dt="2022-12-02T17:00:15.321" v="175"/>
+        <pc:sldMkLst>
+          <pc:docMk/>
+          <pc:sldMk cId="4178207684" sldId="305"/>
+        </pc:sldMkLst>
+        <pc:spChg chg="mod">
+          <ac:chgData name="Kelly Marques" userId="S::1397012@sga.pucminas.br::e60ab76c-a77f-40f7-b755-8286a6e0b93a" providerId="AD" clId="Web-{3EA3DE71-0D97-C90A-BDD5-DA05C43FDD50}" dt="2022-12-02T16:58:49.491" v="127" actId="1076"/>
+          <ac:spMkLst>
+            <pc:docMk/>
+            <pc:sldMk cId="4178207684" sldId="305"/>
+            <ac:spMk id="2" creationId="{47DA741D-7571-8BD8-2005-E539AFE5B8D1}"/>
+          </ac:spMkLst>
+        </pc:spChg>
+        <pc:spChg chg="mod">
+          <ac:chgData name="Kelly Marques" userId="S::1397012@sga.pucminas.br::e60ab76c-a77f-40f7-b755-8286a6e0b93a" providerId="AD" clId="Web-{3EA3DE71-0D97-C90A-BDD5-DA05C43FDD50}" dt="2022-12-02T16:59:00.632" v="131" actId="20577"/>
+          <ac:spMkLst>
+            <pc:docMk/>
+            <pc:sldMk cId="4178207684" sldId="305"/>
+            <ac:spMk id="3" creationId="{EE114D47-0E6B-8A69-3A30-26904E21DDE5}"/>
+          </ac:spMkLst>
+        </pc:spChg>
+      </pc:sldChg>
+      <pc:sldChg chg="modSp add replId">
+        <pc:chgData name="Kelly Marques" userId="S::1397012@sga.pucminas.br::e60ab76c-a77f-40f7-b755-8286a6e0b93a" providerId="AD" clId="Web-{3EA3DE71-0D97-C90A-BDD5-DA05C43FDD50}" dt="2022-12-02T16:59:05.648" v="133" actId="20577"/>
+        <pc:sldMkLst>
+          <pc:docMk/>
+          <pc:sldMk cId="1867712343" sldId="306"/>
+        </pc:sldMkLst>
+        <pc:spChg chg="mod">
+          <ac:chgData name="Kelly Marques" userId="S::1397012@sga.pucminas.br::e60ab76c-a77f-40f7-b755-8286a6e0b93a" providerId="AD" clId="Web-{3EA3DE71-0D97-C90A-BDD5-DA05C43FDD50}" dt="2022-12-02T16:59:05.648" v="133" actId="20577"/>
+          <ac:spMkLst>
+            <pc:docMk/>
+            <pc:sldMk cId="1867712343" sldId="306"/>
+            <ac:spMk id="3" creationId="{EE114D47-0E6B-8A69-3A30-26904E21DDE5}"/>
+          </ac:spMkLst>
+        </pc:spChg>
+      </pc:sldChg>
+      <pc:sldChg chg="modSp add replId">
+        <pc:chgData name="Kelly Marques" userId="S::1397012@sga.pucminas.br::e60ab76c-a77f-40f7-b755-8286a6e0b93a" providerId="AD" clId="Web-{3EA3DE71-0D97-C90A-BDD5-DA05C43FDD50}" dt="2022-12-02T16:59:13.742" v="135" actId="20577"/>
+        <pc:sldMkLst>
+          <pc:docMk/>
+          <pc:sldMk cId="3052237015" sldId="307"/>
+        </pc:sldMkLst>
+        <pc:spChg chg="mod">
+          <ac:chgData name="Kelly Marques" userId="S::1397012@sga.pucminas.br::e60ab76c-a77f-40f7-b755-8286a6e0b93a" providerId="AD" clId="Web-{3EA3DE71-0D97-C90A-BDD5-DA05C43FDD50}" dt="2022-12-02T16:59:13.742" v="135" actId="20577"/>
+          <ac:spMkLst>
+            <pc:docMk/>
+            <pc:sldMk cId="3052237015" sldId="307"/>
+            <ac:spMk id="3" creationId="{EE114D47-0E6B-8A69-3A30-26904E21DDE5}"/>
+          </ac:spMkLst>
+        </pc:spChg>
+      </pc:sldChg>
+      <pc:sldChg chg="modSp add replId">
+        <pc:chgData name="Kelly Marques" userId="S::1397012@sga.pucminas.br::e60ab76c-a77f-40f7-b755-8286a6e0b93a" providerId="AD" clId="Web-{3EA3DE71-0D97-C90A-BDD5-DA05C43FDD50}" dt="2022-12-02T17:00:10.071" v="174" actId="20577"/>
+        <pc:sldMkLst>
+          <pc:docMk/>
+          <pc:sldMk cId="514054047" sldId="308"/>
+        </pc:sldMkLst>
+        <pc:spChg chg="mod">
+          <ac:chgData name="Kelly Marques" userId="S::1397012@sga.pucminas.br::e60ab76c-a77f-40f7-b755-8286a6e0b93a" providerId="AD" clId="Web-{3EA3DE71-0D97-C90A-BDD5-DA05C43FDD50}" dt="2022-12-02T17:00:10.071" v="174" actId="20577"/>
+          <ac:spMkLst>
+            <pc:docMk/>
+            <pc:sldMk cId="514054047" sldId="308"/>
+            <ac:spMk id="3" creationId="{EE114D47-0E6B-8A69-3A30-26904E21DDE5}"/>
+          </ac:spMkLst>
+        </pc:spChg>
+      </pc:sldChg>
+      <pc:sldChg chg="modSp add replId">
+        <pc:chgData name="Kelly Marques" userId="S::1397012@sga.pucminas.br::e60ab76c-a77f-40f7-b755-8286a6e0b93a" providerId="AD" clId="Web-{3EA3DE71-0D97-C90A-BDD5-DA05C43FDD50}" dt="2022-12-02T17:03:03.389" v="200" actId="20577"/>
+        <pc:sldMkLst>
+          <pc:docMk/>
+          <pc:sldMk cId="586543400" sldId="309"/>
+        </pc:sldMkLst>
+        <pc:spChg chg="mod">
+          <ac:chgData name="Kelly Marques" userId="S::1397012@sga.pucminas.br::e60ab76c-a77f-40f7-b755-8286a6e0b93a" providerId="AD" clId="Web-{3EA3DE71-0D97-C90A-BDD5-DA05C43FDD50}" dt="2022-12-02T17:03:03.389" v="200" actId="20577"/>
+          <ac:spMkLst>
+            <pc:docMk/>
+            <pc:sldMk cId="586543400" sldId="309"/>
+            <ac:spMk id="2" creationId="{42A502EF-5B0D-DDA1-15BE-046D93F687B5}"/>
+          </ac:spMkLst>
+        </pc:spChg>
+        <pc:graphicFrameChg chg="modGraphic">
+          <ac:chgData name="Kelly Marques" userId="S::1397012@sga.pucminas.br::e60ab76c-a77f-40f7-b755-8286a6e0b93a" providerId="AD" clId="Web-{3EA3DE71-0D97-C90A-BDD5-DA05C43FDD50}" dt="2022-12-02T17:02:49.966" v="196" actId="20577"/>
+          <ac:graphicFrameMkLst>
+            <pc:docMk/>
+            <pc:sldMk cId="586543400" sldId="309"/>
+            <ac:graphicFrameMk id="12" creationId="{185B6379-65B9-C9E0-1142-CF17DDC6E05B}"/>
+          </ac:graphicFrameMkLst>
+        </pc:graphicFrameChg>
+      </pc:sldChg>
+    </pc:docChg>
+  </pc:docChgLst>
+</pc:chgInfo>
 </file>
 
 <file path=ppt/diagrams/colors1.xml><?xml version="1.0" encoding="utf-8"?>
@@ -15613,7 +19189,7 @@
           <a:p>
             <a:fld id="{846CE7D5-CF57-46EF-B807-FDD0502418D4}" type="datetimeFigureOut">
               <a:rPr lang="en-US" smtClean="0"/>
-              <a:t>12/6/2022</a:t>
+              <a:t>12/2/2022</a:t>
             </a:fld>
             <a:endParaRPr lang="en-US"/>
           </a:p>
@@ -15781,7 +19357,7 @@
           <a:p>
             <a:fld id="{846CE7D5-CF57-46EF-B807-FDD0502418D4}" type="datetimeFigureOut">
               <a:rPr lang="en-US" smtClean="0"/>
-              <a:t>12/6/2022</a:t>
+              <a:t>12/2/2022</a:t>
             </a:fld>
             <a:endParaRPr lang="en-US"/>
           </a:p>
@@ -15959,7 +19535,7 @@
           <a:p>
             <a:fld id="{846CE7D5-CF57-46EF-B807-FDD0502418D4}" type="datetimeFigureOut">
               <a:rPr lang="en-US" smtClean="0"/>
-              <a:t>12/6/2022</a:t>
+              <a:t>12/2/2022</a:t>
             </a:fld>
             <a:endParaRPr lang="en-US"/>
           </a:p>
@@ -16127,7 +19703,7 @@
           <a:p>
             <a:fld id="{846CE7D5-CF57-46EF-B807-FDD0502418D4}" type="datetimeFigureOut">
               <a:rPr lang="en-US" smtClean="0"/>
-              <a:t>12/6/2022</a:t>
+              <a:t>12/2/2022</a:t>
             </a:fld>
             <a:endParaRPr lang="en-US"/>
           </a:p>
@@ -16372,7 +19948,7 @@
           <a:p>
             <a:fld id="{846CE7D5-CF57-46EF-B807-FDD0502418D4}" type="datetimeFigureOut">
               <a:rPr lang="en-US" smtClean="0"/>
-              <a:t>12/6/2022</a:t>
+              <a:t>12/2/2022</a:t>
             </a:fld>
             <a:endParaRPr lang="en-US"/>
           </a:p>
@@ -16601,7 +20177,7 @@
           <a:p>
             <a:fld id="{846CE7D5-CF57-46EF-B807-FDD0502418D4}" type="datetimeFigureOut">
               <a:rPr lang="en-US" smtClean="0"/>
-              <a:t>12/6/2022</a:t>
+              <a:t>12/2/2022</a:t>
             </a:fld>
             <a:endParaRPr lang="en-US"/>
           </a:p>
@@ -16965,7 +20541,7 @@
           <a:p>
             <a:fld id="{846CE7D5-CF57-46EF-B807-FDD0502418D4}" type="datetimeFigureOut">
               <a:rPr lang="en-US" smtClean="0"/>
-              <a:t>12/6/2022</a:t>
+              <a:t>12/2/2022</a:t>
             </a:fld>
             <a:endParaRPr lang="en-US"/>
           </a:p>
@@ -17082,7 +20658,7 @@
           <a:p>
             <a:fld id="{846CE7D5-CF57-46EF-B807-FDD0502418D4}" type="datetimeFigureOut">
               <a:rPr lang="en-US" smtClean="0"/>
-              <a:t>12/6/2022</a:t>
+              <a:t>12/2/2022</a:t>
             </a:fld>
             <a:endParaRPr lang="en-US"/>
           </a:p>
@@ -17177,7 +20753,7 @@
           <a:p>
             <a:fld id="{846CE7D5-CF57-46EF-B807-FDD0502418D4}" type="datetimeFigureOut">
               <a:rPr lang="en-US" smtClean="0"/>
-              <a:t>12/6/2022</a:t>
+              <a:t>12/2/2022</a:t>
             </a:fld>
             <a:endParaRPr lang="en-US"/>
           </a:p>
@@ -17452,7 +21028,7 @@
           <a:p>
             <a:fld id="{846CE7D5-CF57-46EF-B807-FDD0502418D4}" type="datetimeFigureOut">
               <a:rPr lang="en-US" smtClean="0"/>
-              <a:t>12/6/2022</a:t>
+              <a:t>12/2/2022</a:t>
             </a:fld>
             <a:endParaRPr lang="en-US"/>
           </a:p>
@@ -17707,7 +21283,7 @@
           <a:p>
             <a:fld id="{846CE7D5-CF57-46EF-B807-FDD0502418D4}" type="datetimeFigureOut">
               <a:rPr lang="en-US" smtClean="0"/>
-              <a:t>12/6/2022</a:t>
+              <a:t>12/2/2022</a:t>
             </a:fld>
             <a:endParaRPr lang="en-US"/>
           </a:p>
@@ -17918,7 +21494,7 @@
           <a:p>
             <a:fld id="{846CE7D5-CF57-46EF-B807-FDD0502418D4}" type="datetimeFigureOut">
               <a:rPr lang="en-US" smtClean="0"/>
-              <a:t>12/6/2022</a:t>
+              <a:t>12/2/2022</a:t>
             </a:fld>
             <a:endParaRPr lang="en-US"/>
           </a:p>
